--- a/CeTI/b3_photodetection/B3_1_Photodetection.pptx
+++ b/CeTI/b3_photodetection/B3_1_Photodetection.pptx
@@ -5,7 +5,7 @@
     <p:sldMasterId id="2147483711" r:id="rId1"/>
   </p:sldMasterIdLst>
   <p:notesMasterIdLst>
-    <p:notesMasterId r:id="rId10"/>
+    <p:notesMasterId r:id="rId11"/>
   </p:notesMasterIdLst>
   <p:sldIdLst>
     <p:sldId id="256" r:id="rId2"/>
@@ -16,6 +16,7 @@
     <p:sldId id="277" r:id="rId7"/>
     <p:sldId id="280" r:id="rId8"/>
     <p:sldId id="278" r:id="rId9"/>
+    <p:sldId id="281" r:id="rId10"/>
   </p:sldIdLst>
   <p:sldSz cx="12192000" cy="6858000"/>
   <p:notesSz cx="6858000" cy="9144000"/>
@@ -215,7 +216,7 @@
           <a:p>
             <a:fld id="{729C724E-499D-43AC-8699-CF969D2466FC}" type="datetimeFigureOut">
               <a:rPr lang="fr-FR" smtClean="0"/>
-              <a:t>20/07/2023</a:t>
+              <a:t>14/11/2023</a:t>
             </a:fld>
             <a:endParaRPr lang="fr-FR"/>
           </a:p>
@@ -986,6 +987,90 @@
 </p:notes>
 </file>
 
+<file path=ppt/notesSlides/notesSlide7.xml><?xml version="1.0" encoding="utf-8"?>
+<p:notes xmlns:a="http://schemas.openxmlformats.org/drawingml/2006/main" xmlns:r="http://schemas.openxmlformats.org/officeDocument/2006/relationships" xmlns:p="http://schemas.openxmlformats.org/presentationml/2006/main">
+  <p:cSld>
+    <p:spTree>
+      <p:nvGrpSpPr>
+        <p:cNvPr id="1" name=""/>
+        <p:cNvGrpSpPr/>
+        <p:nvPr/>
+      </p:nvGrpSpPr>
+      <p:grpSpPr>
+        <a:xfrm>
+          <a:off x="0" y="0"/>
+          <a:ext cx="0" cy="0"/>
+          <a:chOff x="0" y="0"/>
+          <a:chExt cx="0" cy="0"/>
+        </a:xfrm>
+      </p:grpSpPr>
+      <p:sp>
+        <p:nvSpPr>
+          <p:cNvPr id="2" name="Espace réservé de l'image des diapositives 1"/>
+          <p:cNvSpPr>
+            <a:spLocks noGrp="1" noRot="1" noChangeAspect="1"/>
+          </p:cNvSpPr>
+          <p:nvPr>
+            <p:ph type="sldImg"/>
+          </p:nvPr>
+        </p:nvSpPr>
+        <p:spPr/>
+      </p:sp>
+      <p:sp>
+        <p:nvSpPr>
+          <p:cNvPr id="3" name="Espace réservé des notes 2"/>
+          <p:cNvSpPr>
+            <a:spLocks noGrp="1"/>
+          </p:cNvSpPr>
+          <p:nvPr>
+            <p:ph type="body" idx="1"/>
+          </p:nvPr>
+        </p:nvSpPr>
+        <p:spPr/>
+        <p:txBody>
+          <a:bodyPr/>
+          <a:lstStyle/>
+          <a:p>
+            <a:endParaRPr lang="fr-FR" dirty="0"/>
+          </a:p>
+        </p:txBody>
+      </p:sp>
+      <p:sp>
+        <p:nvSpPr>
+          <p:cNvPr id="4" name="Espace réservé du numéro de diapositive 3"/>
+          <p:cNvSpPr>
+            <a:spLocks noGrp="1"/>
+          </p:cNvSpPr>
+          <p:nvPr>
+            <p:ph type="sldNum" sz="quarter" idx="5"/>
+          </p:nvPr>
+        </p:nvSpPr>
+        <p:spPr/>
+        <p:txBody>
+          <a:bodyPr/>
+          <a:lstStyle/>
+          <a:p>
+            <a:fld id="{6BDC53D4-8BF5-4FDD-81EC-7AC957B0D210}" type="slidenum">
+              <a:rPr lang="fr-FR" smtClean="0"/>
+              <a:t>9</a:t>
+            </a:fld>
+            <a:endParaRPr lang="fr-FR"/>
+          </a:p>
+        </p:txBody>
+      </p:sp>
+    </p:spTree>
+    <p:extLst>
+      <p:ext uri="{BB962C8B-B14F-4D97-AF65-F5344CB8AC3E}">
+        <p14:creationId xmlns:p14="http://schemas.microsoft.com/office/powerpoint/2010/main" val="526583109"/>
+      </p:ext>
+    </p:extLst>
+  </p:cSld>
+  <p:clrMapOvr>
+    <a:masterClrMapping/>
+  </p:clrMapOvr>
+</p:notes>
+</file>
+
 <file path=ppt/slideLayouts/slideLayout1.xml><?xml version="1.0" encoding="utf-8"?>
 <p:sldLayout xmlns:a="http://schemas.openxmlformats.org/drawingml/2006/main" xmlns:r="http://schemas.openxmlformats.org/officeDocument/2006/relationships" xmlns:p="http://schemas.openxmlformats.org/presentationml/2006/main" type="title" preserve="1">
   <p:cSld name="Title Slide">
@@ -1142,7 +1227,7 @@
           <a:p>
             <a:fld id="{02AC24A9-CCB6-4F8D-B8DB-C2F3692CFA5A}" type="datetimeFigureOut">
               <a:rPr lang="en-US" smtClean="0"/>
-              <a:t>7/20/2023</a:t>
+              <a:t>11/14/2023</a:t>
             </a:fld>
             <a:endParaRPr lang="en-US" dirty="0"/>
           </a:p>
@@ -1512,7 +1597,7 @@
           <a:p>
             <a:fld id="{02AC24A9-CCB6-4F8D-B8DB-C2F3692CFA5A}" type="datetimeFigureOut">
               <a:rPr lang="en-US" smtClean="0"/>
-              <a:t>7/20/2023</a:t>
+              <a:t>11/14/2023</a:t>
             </a:fld>
             <a:endParaRPr lang="en-US"/>
           </a:p>
@@ -1721,7 +1806,7 @@
           <a:p>
             <a:fld id="{02AC24A9-CCB6-4F8D-B8DB-C2F3692CFA5A}" type="datetimeFigureOut">
               <a:rPr lang="en-US" smtClean="0"/>
-              <a:t>7/20/2023</a:t>
+              <a:t>11/14/2023</a:t>
             </a:fld>
             <a:endParaRPr lang="en-US"/>
           </a:p>
@@ -2191,7 +2276,7 @@
           <a:p>
             <a:fld id="{02AC24A9-CCB6-4F8D-B8DB-C2F3692CFA5A}" type="datetimeFigureOut">
               <a:rPr lang="en-US" smtClean="0"/>
-              <a:t>7/20/2023</a:t>
+              <a:t>11/14/2023</a:t>
             </a:fld>
             <a:endParaRPr lang="en-US"/>
           </a:p>
@@ -2645,7 +2730,7 @@
           <a:p>
             <a:fld id="{02AC24A9-CCB6-4F8D-B8DB-C2F3692CFA5A}" type="datetimeFigureOut">
               <a:rPr lang="en-US" smtClean="0"/>
-              <a:t>7/20/2023</a:t>
+              <a:t>11/14/2023</a:t>
             </a:fld>
             <a:endParaRPr lang="en-US"/>
           </a:p>
@@ -3177,7 +3262,7 @@
           <a:p>
             <a:fld id="{02AC24A9-CCB6-4F8D-B8DB-C2F3692CFA5A}" type="datetimeFigureOut">
               <a:rPr lang="en-US" smtClean="0"/>
-              <a:t>7/20/2023</a:t>
+              <a:t>11/14/2023</a:t>
             </a:fld>
             <a:endParaRPr lang="en-US"/>
           </a:p>
@@ -3876,7 +3961,7 @@
           <a:p>
             <a:fld id="{02AC24A9-CCB6-4F8D-B8DB-C2F3692CFA5A}" type="datetimeFigureOut">
               <a:rPr lang="en-US" smtClean="0"/>
-              <a:t>7/20/2023</a:t>
+              <a:t>11/14/2023</a:t>
             </a:fld>
             <a:endParaRPr lang="en-US"/>
           </a:p>
@@ -4205,7 +4290,7 @@
           <a:p>
             <a:fld id="{02AC24A9-CCB6-4F8D-B8DB-C2F3692CFA5A}" type="datetimeFigureOut">
               <a:rPr lang="en-US" smtClean="0"/>
-              <a:t>7/20/2023</a:t>
+              <a:t>11/14/2023</a:t>
             </a:fld>
             <a:endParaRPr lang="en-US"/>
           </a:p>
@@ -4318,7 +4403,7 @@
           <a:p>
             <a:fld id="{02AC24A9-CCB6-4F8D-B8DB-C2F3692CFA5A}" type="datetimeFigureOut">
               <a:rPr lang="en-US" smtClean="0"/>
-              <a:t>7/20/2023</a:t>
+              <a:t>11/14/2023</a:t>
             </a:fld>
             <a:endParaRPr lang="en-US"/>
           </a:p>
@@ -4813,7 +4898,7 @@
           <a:p>
             <a:fld id="{02AC24A9-CCB6-4F8D-B8DB-C2F3692CFA5A}" type="datetimeFigureOut">
               <a:rPr lang="en-US" smtClean="0"/>
-              <a:t>7/20/2023</a:t>
+              <a:t>11/14/2023</a:t>
             </a:fld>
             <a:endParaRPr lang="en-US" dirty="0"/>
           </a:p>
@@ -5290,7 +5375,7 @@
           <a:p>
             <a:fld id="{02AC24A9-CCB6-4F8D-B8DB-C2F3692CFA5A}" type="datetimeFigureOut">
               <a:rPr lang="en-US" smtClean="0"/>
-              <a:t>7/20/2023</a:t>
+              <a:t>11/14/2023</a:t>
             </a:fld>
             <a:endParaRPr lang="en-US"/>
           </a:p>
@@ -5533,7 +5618,7 @@
           <a:p>
             <a:fld id="{02AC24A9-CCB6-4F8D-B8DB-C2F3692CFA5A}" type="datetimeFigureOut">
               <a:rPr lang="en-US" smtClean="0"/>
-              <a:t>7/20/2023</a:t>
+              <a:t>11/14/2023</a:t>
             </a:fld>
             <a:endParaRPr lang="en-US"/>
           </a:p>
@@ -6157,11 +6242,14 @@
           <a:lstStyle/>
           <a:p>
             <a:r>
-              <a:rPr lang="fr-FR" sz="4800" dirty="0">
+              <a:rPr lang="fr-FR" sz="4400" dirty="0" err="1">
                 <a:latin typeface="Bahnschrift SemiBold" panose="020B0502040204020203" pitchFamily="34" charset="0"/>
               </a:rPr>
-              <a:t>Filtrage actif</a:t>
-            </a:r>
+              <a:t>Photodétection</a:t>
+            </a:r>
+            <a:endParaRPr lang="fr-FR" sz="4400" dirty="0">
+              <a:latin typeface="Bahnschrift SemiBold" panose="020B0502040204020203" pitchFamily="34" charset="0"/>
+            </a:endParaRPr>
           </a:p>
         </p:txBody>
       </p:sp>
@@ -6214,7 +6302,7 @@
               <a:rPr lang="fr-FR" sz="2000" dirty="0">
                 <a:latin typeface="Bahnschrift Light" panose="020B0502040204020203" pitchFamily="34" charset="0"/>
               </a:rPr>
-              <a:t>Institut d’Optique / B1</a:t>
+              <a:t>Institut d’Optique / B3</a:t>
             </a:r>
           </a:p>
         </p:txBody>
@@ -8930,6 +9018,210 @@
     <p:extLst>
       <p:ext uri="{BB962C8B-B14F-4D97-AF65-F5344CB8AC3E}">
         <p14:creationId xmlns:p14="http://schemas.microsoft.com/office/powerpoint/2010/main" val="2414863005"/>
+      </p:ext>
+    </p:extLst>
+  </p:cSld>
+  <p:clrMapOvr>
+    <a:masterClrMapping/>
+  </p:clrMapOvr>
+</p:sld>
+</file>
+
+<file path=ppt/slides/slide9.xml><?xml version="1.0" encoding="utf-8"?>
+<p:sld xmlns:a="http://schemas.openxmlformats.org/drawingml/2006/main" xmlns:r="http://schemas.openxmlformats.org/officeDocument/2006/relationships" xmlns:p="http://schemas.openxmlformats.org/presentationml/2006/main">
+  <p:cSld>
+    <p:spTree>
+      <p:nvGrpSpPr>
+        <p:cNvPr id="1" name=""/>
+        <p:cNvGrpSpPr/>
+        <p:nvPr/>
+      </p:nvGrpSpPr>
+      <p:grpSpPr>
+        <a:xfrm>
+          <a:off x="0" y="0"/>
+          <a:ext cx="0" cy="0"/>
+          <a:chOff x="0" y="0"/>
+          <a:chExt cx="0" cy="0"/>
+        </a:xfrm>
+      </p:grpSpPr>
+      <p:sp>
+        <p:nvSpPr>
+          <p:cNvPr id="2" name="Titre 1">
+            <a:extLst>
+              <a:ext uri="{FF2B5EF4-FFF2-40B4-BE49-F238E27FC236}">
+                <a16:creationId xmlns:a16="http://schemas.microsoft.com/office/drawing/2014/main" id="{90162AE8-C1B0-5C56-8313-DEE494F38273}"/>
+              </a:ext>
+            </a:extLst>
+          </p:cNvPr>
+          <p:cNvSpPr>
+            <a:spLocks noGrp="1"/>
+          </p:cNvSpPr>
+          <p:nvPr>
+            <p:ph type="title"/>
+          </p:nvPr>
+        </p:nvSpPr>
+        <p:spPr/>
+        <p:txBody>
+          <a:bodyPr/>
+          <a:lstStyle/>
+          <a:p>
+            <a:r>
+              <a:rPr lang="fr-FR" dirty="0"/>
+              <a:t>M5 – Détecter un obstacle</a:t>
+            </a:r>
+          </a:p>
+        </p:txBody>
+      </p:sp>
+      <p:pic>
+        <p:nvPicPr>
+          <p:cNvPr id="5" name="Image 4" descr="Une image contenant texte&#10;&#10;Description générée automatiquement">
+            <a:extLst>
+              <a:ext uri="{FF2B5EF4-FFF2-40B4-BE49-F238E27FC236}">
+                <a16:creationId xmlns:a16="http://schemas.microsoft.com/office/drawing/2014/main" id="{204ADC40-1D61-539F-22ED-6B21D67FBDE6}"/>
+              </a:ext>
+            </a:extLst>
+          </p:cNvPr>
+          <p:cNvPicPr>
+            <a:picLocks noChangeAspect="1"/>
+          </p:cNvPicPr>
+          <p:nvPr/>
+        </p:nvPicPr>
+        <p:blipFill>
+          <a:blip r:embed="rId3" cstate="print">
+            <a:extLst>
+              <a:ext uri="{28A0092B-C50C-407E-A947-70E740481C1C}">
+                <a14:useLocalDpi xmlns:a14="http://schemas.microsoft.com/office/drawing/2010/main" val="0"/>
+              </a:ext>
+            </a:extLst>
+          </a:blip>
+          <a:stretch>
+            <a:fillRect/>
+          </a:stretch>
+        </p:blipFill>
+        <p:spPr>
+          <a:xfrm>
+            <a:off x="202922" y="5934456"/>
+            <a:ext cx="1825291" cy="749808"/>
+          </a:xfrm>
+          <a:prstGeom prst="rect">
+            <a:avLst/>
+          </a:prstGeom>
+        </p:spPr>
+      </p:pic>
+      <p:sp>
+        <p:nvSpPr>
+          <p:cNvPr id="6" name="Espace réservé du contenu 5">
+            <a:extLst>
+              <a:ext uri="{FF2B5EF4-FFF2-40B4-BE49-F238E27FC236}">
+                <a16:creationId xmlns:a16="http://schemas.microsoft.com/office/drawing/2014/main" id="{EB374F7D-2CBC-B44D-DA43-1AFF54FD0B48}"/>
+              </a:ext>
+            </a:extLst>
+          </p:cNvPr>
+          <p:cNvSpPr>
+            <a:spLocks noGrp="1"/>
+          </p:cNvSpPr>
+          <p:nvPr>
+            <p:ph sz="half" idx="1"/>
+          </p:nvPr>
+        </p:nvSpPr>
+        <p:spPr/>
+        <p:txBody>
+          <a:bodyPr/>
+          <a:lstStyle/>
+          <a:p>
+            <a:r>
+              <a:rPr lang="fr-FR" dirty="0"/>
+              <a:t>Capteurs TOF – Time of Flight</a:t>
+            </a:r>
+          </a:p>
+        </p:txBody>
+      </p:sp>
+      <p:pic>
+        <p:nvPicPr>
+          <p:cNvPr id="1026" name="Picture 2" descr="time of flight">
+            <a:extLst>
+              <a:ext uri="{FF2B5EF4-FFF2-40B4-BE49-F238E27FC236}">
+                <a16:creationId xmlns:a16="http://schemas.microsoft.com/office/drawing/2014/main" id="{3DC6B9BE-6608-58C3-C7F1-BA99BD3FEA9B}"/>
+              </a:ext>
+            </a:extLst>
+          </p:cNvPr>
+          <p:cNvPicPr>
+            <a:picLocks noChangeAspect="1" noChangeArrowheads="1"/>
+          </p:cNvPicPr>
+          <p:nvPr/>
+        </p:nvPicPr>
+        <p:blipFill>
+          <a:blip r:embed="rId4">
+            <a:extLst>
+              <a:ext uri="{28A0092B-C50C-407E-A947-70E740481C1C}">
+                <a14:useLocalDpi xmlns:a14="http://schemas.microsoft.com/office/drawing/2010/main" val="0"/>
+              </a:ext>
+            </a:extLst>
+          </a:blip>
+          <a:srcRect/>
+          <a:stretch>
+            <a:fillRect/>
+          </a:stretch>
+        </p:blipFill>
+        <p:spPr bwMode="auto">
+          <a:xfrm>
+            <a:off x="5822870" y="2100670"/>
+            <a:ext cx="5611586" cy="4208690"/>
+          </a:xfrm>
+          <a:prstGeom prst="rect">
+            <a:avLst/>
+          </a:prstGeom>
+          <a:noFill/>
+          <a:extLst>
+            <a:ext uri="{909E8E84-426E-40DD-AFC4-6F175D3DCCD1}">
+              <a14:hiddenFill xmlns:a14="http://schemas.microsoft.com/office/drawing/2010/main">
+                <a:solidFill>
+                  <a:srgbClr val="FFFFFF"/>
+                </a:solidFill>
+              </a14:hiddenFill>
+            </a:ext>
+          </a:extLst>
+        </p:spPr>
+      </p:pic>
+      <p:sp>
+        <p:nvSpPr>
+          <p:cNvPr id="4" name="ZoneTexte 3">
+            <a:extLst>
+              <a:ext uri="{FF2B5EF4-FFF2-40B4-BE49-F238E27FC236}">
+                <a16:creationId xmlns:a16="http://schemas.microsoft.com/office/drawing/2014/main" id="{65C6CDCE-AA88-6BC5-B453-C6ADEFD65E25}"/>
+              </a:ext>
+            </a:extLst>
+          </p:cNvPr>
+          <p:cNvSpPr txBox="1"/>
+          <p:nvPr/>
+        </p:nvSpPr>
+        <p:spPr>
+          <a:xfrm>
+            <a:off x="2544715" y="6376487"/>
+            <a:ext cx="7309833" cy="307777"/>
+          </a:xfrm>
+          <a:prstGeom prst="rect">
+            <a:avLst/>
+          </a:prstGeom>
+          <a:noFill/>
+        </p:spPr>
+        <p:txBody>
+          <a:bodyPr wrap="square">
+            <a:spAutoFit/>
+          </a:bodyPr>
+          <a:lstStyle/>
+          <a:p>
+            <a:r>
+              <a:rPr lang="fr-FR" sz="1400" dirty="0"/>
+              <a:t>https://www.st.com/en/imaging-and-photonics-solutions/time-of-flight-sensors.html</a:t>
+            </a:r>
+          </a:p>
+        </p:txBody>
+      </p:sp>
+    </p:spTree>
+    <p:extLst>
+      <p:ext uri="{BB962C8B-B14F-4D97-AF65-F5344CB8AC3E}">
+        <p14:creationId xmlns:p14="http://schemas.microsoft.com/office/powerpoint/2010/main" val="377664018"/>
       </p:ext>
     </p:extLst>
   </p:cSld>

--- a/CeTI/b3_photodetection/B3_1_Photodetection.pptx
+++ b/CeTI/b3_photodetection/B3_1_Photodetection.pptx
@@ -5,18 +5,35 @@
     <p:sldMasterId id="2147483711" r:id="rId1"/>
   </p:sldMasterIdLst>
   <p:notesMasterIdLst>
-    <p:notesMasterId r:id="rId11"/>
+    <p:notesMasterId r:id="rId28"/>
   </p:notesMasterIdLst>
   <p:sldIdLst>
     <p:sldId id="256" r:id="rId2"/>
     <p:sldId id="272" r:id="rId3"/>
     <p:sldId id="273" r:id="rId4"/>
     <p:sldId id="274" r:id="rId5"/>
-    <p:sldId id="279" r:id="rId6"/>
-    <p:sldId id="277" r:id="rId7"/>
-    <p:sldId id="280" r:id="rId8"/>
-    <p:sldId id="278" r:id="rId9"/>
-    <p:sldId id="281" r:id="rId10"/>
+    <p:sldId id="283" r:id="rId6"/>
+    <p:sldId id="282" r:id="rId7"/>
+    <p:sldId id="284" r:id="rId8"/>
+    <p:sldId id="285" r:id="rId9"/>
+    <p:sldId id="286" r:id="rId10"/>
+    <p:sldId id="287" r:id="rId11"/>
+    <p:sldId id="288" r:id="rId12"/>
+    <p:sldId id="289" r:id="rId13"/>
+    <p:sldId id="290" r:id="rId14"/>
+    <p:sldId id="291" r:id="rId15"/>
+    <p:sldId id="292" r:id="rId16"/>
+    <p:sldId id="293" r:id="rId17"/>
+    <p:sldId id="294" r:id="rId18"/>
+    <p:sldId id="277" r:id="rId19"/>
+    <p:sldId id="296" r:id="rId20"/>
+    <p:sldId id="278" r:id="rId21"/>
+    <p:sldId id="298" r:id="rId22"/>
+    <p:sldId id="300" r:id="rId23"/>
+    <p:sldId id="299" r:id="rId24"/>
+    <p:sldId id="301" r:id="rId25"/>
+    <p:sldId id="302" r:id="rId26"/>
+    <p:sldId id="281" r:id="rId27"/>
   </p:sldIdLst>
   <p:sldSz cx="12192000" cy="6858000"/>
   <p:notesSz cx="6858000" cy="9144000"/>
@@ -216,7 +233,7 @@
           <a:p>
             <a:fld id="{729C724E-499D-43AC-8699-CF969D2466FC}" type="datetimeFigureOut">
               <a:rPr lang="fr-FR" smtClean="0"/>
-              <a:t>14/11/2023</a:t>
+              <a:t>08/12/2023</a:t>
             </a:fld>
             <a:endParaRPr lang="fr-FR"/>
           </a:p>
@@ -567,6 +584,846 @@
 </p:notes>
 </file>
 
+<file path=ppt/notesSlides/notesSlide10.xml><?xml version="1.0" encoding="utf-8"?>
+<p:notes xmlns:a="http://schemas.openxmlformats.org/drawingml/2006/main" xmlns:r="http://schemas.openxmlformats.org/officeDocument/2006/relationships" xmlns:p="http://schemas.openxmlformats.org/presentationml/2006/main">
+  <p:cSld>
+    <p:spTree>
+      <p:nvGrpSpPr>
+        <p:cNvPr id="1" name=""/>
+        <p:cNvGrpSpPr/>
+        <p:nvPr/>
+      </p:nvGrpSpPr>
+      <p:grpSpPr>
+        <a:xfrm>
+          <a:off x="0" y="0"/>
+          <a:ext cx="0" cy="0"/>
+          <a:chOff x="0" y="0"/>
+          <a:chExt cx="0" cy="0"/>
+        </a:xfrm>
+      </p:grpSpPr>
+      <p:sp>
+        <p:nvSpPr>
+          <p:cNvPr id="2" name="Espace réservé de l'image des diapositives 1"/>
+          <p:cNvSpPr>
+            <a:spLocks noGrp="1" noRot="1" noChangeAspect="1"/>
+          </p:cNvSpPr>
+          <p:nvPr>
+            <p:ph type="sldImg"/>
+          </p:nvPr>
+        </p:nvSpPr>
+        <p:spPr/>
+      </p:sp>
+      <p:sp>
+        <p:nvSpPr>
+          <p:cNvPr id="3" name="Espace réservé des notes 2"/>
+          <p:cNvSpPr>
+            <a:spLocks noGrp="1"/>
+          </p:cNvSpPr>
+          <p:nvPr>
+            <p:ph type="body" idx="1"/>
+          </p:nvPr>
+        </p:nvSpPr>
+        <p:spPr/>
+        <p:txBody>
+          <a:bodyPr/>
+          <a:lstStyle/>
+          <a:p>
+            <a:endParaRPr lang="fr-FR" dirty="0"/>
+          </a:p>
+        </p:txBody>
+      </p:sp>
+      <p:sp>
+        <p:nvSpPr>
+          <p:cNvPr id="4" name="Espace réservé du numéro de diapositive 3"/>
+          <p:cNvSpPr>
+            <a:spLocks noGrp="1"/>
+          </p:cNvSpPr>
+          <p:nvPr>
+            <p:ph type="sldNum" sz="quarter" idx="5"/>
+          </p:nvPr>
+        </p:nvSpPr>
+        <p:spPr/>
+        <p:txBody>
+          <a:bodyPr/>
+          <a:lstStyle/>
+          <a:p>
+            <a:fld id="{6BDC53D4-8BF5-4FDD-81EC-7AC957B0D210}" type="slidenum">
+              <a:rPr lang="fr-FR" smtClean="0"/>
+              <a:t>12</a:t>
+            </a:fld>
+            <a:endParaRPr lang="fr-FR"/>
+          </a:p>
+        </p:txBody>
+      </p:sp>
+    </p:spTree>
+    <p:extLst>
+      <p:ext uri="{BB962C8B-B14F-4D97-AF65-F5344CB8AC3E}">
+        <p14:creationId xmlns:p14="http://schemas.microsoft.com/office/powerpoint/2010/main" val="3487077832"/>
+      </p:ext>
+    </p:extLst>
+  </p:cSld>
+  <p:clrMapOvr>
+    <a:masterClrMapping/>
+  </p:clrMapOvr>
+</p:notes>
+</file>
+
+<file path=ppt/notesSlides/notesSlide11.xml><?xml version="1.0" encoding="utf-8"?>
+<p:notes xmlns:a="http://schemas.openxmlformats.org/drawingml/2006/main" xmlns:r="http://schemas.openxmlformats.org/officeDocument/2006/relationships" xmlns:p="http://schemas.openxmlformats.org/presentationml/2006/main">
+  <p:cSld>
+    <p:spTree>
+      <p:nvGrpSpPr>
+        <p:cNvPr id="1" name=""/>
+        <p:cNvGrpSpPr/>
+        <p:nvPr/>
+      </p:nvGrpSpPr>
+      <p:grpSpPr>
+        <a:xfrm>
+          <a:off x="0" y="0"/>
+          <a:ext cx="0" cy="0"/>
+          <a:chOff x="0" y="0"/>
+          <a:chExt cx="0" cy="0"/>
+        </a:xfrm>
+      </p:grpSpPr>
+      <p:sp>
+        <p:nvSpPr>
+          <p:cNvPr id="2" name="Espace réservé de l'image des diapositives 1"/>
+          <p:cNvSpPr>
+            <a:spLocks noGrp="1" noRot="1" noChangeAspect="1"/>
+          </p:cNvSpPr>
+          <p:nvPr>
+            <p:ph type="sldImg"/>
+          </p:nvPr>
+        </p:nvSpPr>
+        <p:spPr/>
+      </p:sp>
+      <p:sp>
+        <p:nvSpPr>
+          <p:cNvPr id="3" name="Espace réservé des notes 2"/>
+          <p:cNvSpPr>
+            <a:spLocks noGrp="1"/>
+          </p:cNvSpPr>
+          <p:nvPr>
+            <p:ph type="body" idx="1"/>
+          </p:nvPr>
+        </p:nvSpPr>
+        <p:spPr/>
+        <p:txBody>
+          <a:bodyPr/>
+          <a:lstStyle/>
+          <a:p>
+            <a:endParaRPr lang="fr-FR" dirty="0"/>
+          </a:p>
+        </p:txBody>
+      </p:sp>
+      <p:sp>
+        <p:nvSpPr>
+          <p:cNvPr id="4" name="Espace réservé du numéro de diapositive 3"/>
+          <p:cNvSpPr>
+            <a:spLocks noGrp="1"/>
+          </p:cNvSpPr>
+          <p:nvPr>
+            <p:ph type="sldNum" sz="quarter" idx="5"/>
+          </p:nvPr>
+        </p:nvSpPr>
+        <p:spPr/>
+        <p:txBody>
+          <a:bodyPr/>
+          <a:lstStyle/>
+          <a:p>
+            <a:fld id="{6BDC53D4-8BF5-4FDD-81EC-7AC957B0D210}" type="slidenum">
+              <a:rPr lang="fr-FR" smtClean="0"/>
+              <a:t>13</a:t>
+            </a:fld>
+            <a:endParaRPr lang="fr-FR"/>
+          </a:p>
+        </p:txBody>
+      </p:sp>
+    </p:spTree>
+    <p:extLst>
+      <p:ext uri="{BB962C8B-B14F-4D97-AF65-F5344CB8AC3E}">
+        <p14:creationId xmlns:p14="http://schemas.microsoft.com/office/powerpoint/2010/main" val="4142061080"/>
+      </p:ext>
+    </p:extLst>
+  </p:cSld>
+  <p:clrMapOvr>
+    <a:masterClrMapping/>
+  </p:clrMapOvr>
+</p:notes>
+</file>
+
+<file path=ppt/notesSlides/notesSlide12.xml><?xml version="1.0" encoding="utf-8"?>
+<p:notes xmlns:a="http://schemas.openxmlformats.org/drawingml/2006/main" xmlns:r="http://schemas.openxmlformats.org/officeDocument/2006/relationships" xmlns:p="http://schemas.openxmlformats.org/presentationml/2006/main">
+  <p:cSld>
+    <p:spTree>
+      <p:nvGrpSpPr>
+        <p:cNvPr id="1" name=""/>
+        <p:cNvGrpSpPr/>
+        <p:nvPr/>
+      </p:nvGrpSpPr>
+      <p:grpSpPr>
+        <a:xfrm>
+          <a:off x="0" y="0"/>
+          <a:ext cx="0" cy="0"/>
+          <a:chOff x="0" y="0"/>
+          <a:chExt cx="0" cy="0"/>
+        </a:xfrm>
+      </p:grpSpPr>
+      <p:sp>
+        <p:nvSpPr>
+          <p:cNvPr id="2" name="Espace réservé de l'image des diapositives 1"/>
+          <p:cNvSpPr>
+            <a:spLocks noGrp="1" noRot="1" noChangeAspect="1"/>
+          </p:cNvSpPr>
+          <p:nvPr>
+            <p:ph type="sldImg"/>
+          </p:nvPr>
+        </p:nvSpPr>
+        <p:spPr/>
+      </p:sp>
+      <p:sp>
+        <p:nvSpPr>
+          <p:cNvPr id="3" name="Espace réservé des notes 2"/>
+          <p:cNvSpPr>
+            <a:spLocks noGrp="1"/>
+          </p:cNvSpPr>
+          <p:nvPr>
+            <p:ph type="body" idx="1"/>
+          </p:nvPr>
+        </p:nvSpPr>
+        <p:spPr/>
+        <p:txBody>
+          <a:bodyPr/>
+          <a:lstStyle/>
+          <a:p>
+            <a:endParaRPr lang="fr-FR" dirty="0"/>
+          </a:p>
+        </p:txBody>
+      </p:sp>
+      <p:sp>
+        <p:nvSpPr>
+          <p:cNvPr id="4" name="Espace réservé du numéro de diapositive 3"/>
+          <p:cNvSpPr>
+            <a:spLocks noGrp="1"/>
+          </p:cNvSpPr>
+          <p:nvPr>
+            <p:ph type="sldNum" sz="quarter" idx="5"/>
+          </p:nvPr>
+        </p:nvSpPr>
+        <p:spPr/>
+        <p:txBody>
+          <a:bodyPr/>
+          <a:lstStyle/>
+          <a:p>
+            <a:fld id="{6BDC53D4-8BF5-4FDD-81EC-7AC957B0D210}" type="slidenum">
+              <a:rPr lang="fr-FR" smtClean="0"/>
+              <a:t>14</a:t>
+            </a:fld>
+            <a:endParaRPr lang="fr-FR"/>
+          </a:p>
+        </p:txBody>
+      </p:sp>
+    </p:spTree>
+    <p:extLst>
+      <p:ext uri="{BB962C8B-B14F-4D97-AF65-F5344CB8AC3E}">
+        <p14:creationId xmlns:p14="http://schemas.microsoft.com/office/powerpoint/2010/main" val="1737523195"/>
+      </p:ext>
+    </p:extLst>
+  </p:cSld>
+  <p:clrMapOvr>
+    <a:masterClrMapping/>
+  </p:clrMapOvr>
+</p:notes>
+</file>
+
+<file path=ppt/notesSlides/notesSlide13.xml><?xml version="1.0" encoding="utf-8"?>
+<p:notes xmlns:a="http://schemas.openxmlformats.org/drawingml/2006/main" xmlns:r="http://schemas.openxmlformats.org/officeDocument/2006/relationships" xmlns:p="http://schemas.openxmlformats.org/presentationml/2006/main">
+  <p:cSld>
+    <p:spTree>
+      <p:nvGrpSpPr>
+        <p:cNvPr id="1" name=""/>
+        <p:cNvGrpSpPr/>
+        <p:nvPr/>
+      </p:nvGrpSpPr>
+      <p:grpSpPr>
+        <a:xfrm>
+          <a:off x="0" y="0"/>
+          <a:ext cx="0" cy="0"/>
+          <a:chOff x="0" y="0"/>
+          <a:chExt cx="0" cy="0"/>
+        </a:xfrm>
+      </p:grpSpPr>
+      <p:sp>
+        <p:nvSpPr>
+          <p:cNvPr id="2" name="Espace réservé de l'image des diapositives 1"/>
+          <p:cNvSpPr>
+            <a:spLocks noGrp="1" noRot="1" noChangeAspect="1"/>
+          </p:cNvSpPr>
+          <p:nvPr>
+            <p:ph type="sldImg"/>
+          </p:nvPr>
+        </p:nvSpPr>
+        <p:spPr/>
+      </p:sp>
+      <p:sp>
+        <p:nvSpPr>
+          <p:cNvPr id="3" name="Espace réservé des notes 2"/>
+          <p:cNvSpPr>
+            <a:spLocks noGrp="1"/>
+          </p:cNvSpPr>
+          <p:nvPr>
+            <p:ph type="body" idx="1"/>
+          </p:nvPr>
+        </p:nvSpPr>
+        <p:spPr/>
+        <p:txBody>
+          <a:bodyPr/>
+          <a:lstStyle/>
+          <a:p>
+            <a:endParaRPr lang="fr-FR" dirty="0"/>
+          </a:p>
+        </p:txBody>
+      </p:sp>
+      <p:sp>
+        <p:nvSpPr>
+          <p:cNvPr id="4" name="Espace réservé du numéro de diapositive 3"/>
+          <p:cNvSpPr>
+            <a:spLocks noGrp="1"/>
+          </p:cNvSpPr>
+          <p:nvPr>
+            <p:ph type="sldNum" sz="quarter" idx="5"/>
+          </p:nvPr>
+        </p:nvSpPr>
+        <p:spPr/>
+        <p:txBody>
+          <a:bodyPr/>
+          <a:lstStyle/>
+          <a:p>
+            <a:fld id="{6BDC53D4-8BF5-4FDD-81EC-7AC957B0D210}" type="slidenum">
+              <a:rPr lang="fr-FR" smtClean="0"/>
+              <a:t>15</a:t>
+            </a:fld>
+            <a:endParaRPr lang="fr-FR"/>
+          </a:p>
+        </p:txBody>
+      </p:sp>
+    </p:spTree>
+    <p:extLst>
+      <p:ext uri="{BB962C8B-B14F-4D97-AF65-F5344CB8AC3E}">
+        <p14:creationId xmlns:p14="http://schemas.microsoft.com/office/powerpoint/2010/main" val="685156787"/>
+      </p:ext>
+    </p:extLst>
+  </p:cSld>
+  <p:clrMapOvr>
+    <a:masterClrMapping/>
+  </p:clrMapOvr>
+</p:notes>
+</file>
+
+<file path=ppt/notesSlides/notesSlide14.xml><?xml version="1.0" encoding="utf-8"?>
+<p:notes xmlns:a="http://schemas.openxmlformats.org/drawingml/2006/main" xmlns:r="http://schemas.openxmlformats.org/officeDocument/2006/relationships" xmlns:p="http://schemas.openxmlformats.org/presentationml/2006/main">
+  <p:cSld>
+    <p:spTree>
+      <p:nvGrpSpPr>
+        <p:cNvPr id="1" name=""/>
+        <p:cNvGrpSpPr/>
+        <p:nvPr/>
+      </p:nvGrpSpPr>
+      <p:grpSpPr>
+        <a:xfrm>
+          <a:off x="0" y="0"/>
+          <a:ext cx="0" cy="0"/>
+          <a:chOff x="0" y="0"/>
+          <a:chExt cx="0" cy="0"/>
+        </a:xfrm>
+      </p:grpSpPr>
+      <p:sp>
+        <p:nvSpPr>
+          <p:cNvPr id="2" name="Espace réservé de l'image des diapositives 1"/>
+          <p:cNvSpPr>
+            <a:spLocks noGrp="1" noRot="1" noChangeAspect="1"/>
+          </p:cNvSpPr>
+          <p:nvPr>
+            <p:ph type="sldImg"/>
+          </p:nvPr>
+        </p:nvSpPr>
+        <p:spPr/>
+      </p:sp>
+      <p:sp>
+        <p:nvSpPr>
+          <p:cNvPr id="3" name="Espace réservé des notes 2"/>
+          <p:cNvSpPr>
+            <a:spLocks noGrp="1"/>
+          </p:cNvSpPr>
+          <p:nvPr>
+            <p:ph type="body" idx="1"/>
+          </p:nvPr>
+        </p:nvSpPr>
+        <p:spPr/>
+        <p:txBody>
+          <a:bodyPr/>
+          <a:lstStyle/>
+          <a:p>
+            <a:endParaRPr lang="fr-FR" dirty="0"/>
+          </a:p>
+        </p:txBody>
+      </p:sp>
+      <p:sp>
+        <p:nvSpPr>
+          <p:cNvPr id="4" name="Espace réservé du numéro de diapositive 3"/>
+          <p:cNvSpPr>
+            <a:spLocks noGrp="1"/>
+          </p:cNvSpPr>
+          <p:nvPr>
+            <p:ph type="sldNum" sz="quarter" idx="5"/>
+          </p:nvPr>
+        </p:nvSpPr>
+        <p:spPr/>
+        <p:txBody>
+          <a:bodyPr/>
+          <a:lstStyle/>
+          <a:p>
+            <a:fld id="{6BDC53D4-8BF5-4FDD-81EC-7AC957B0D210}" type="slidenum">
+              <a:rPr lang="fr-FR" smtClean="0"/>
+              <a:t>16</a:t>
+            </a:fld>
+            <a:endParaRPr lang="fr-FR"/>
+          </a:p>
+        </p:txBody>
+      </p:sp>
+    </p:spTree>
+    <p:extLst>
+      <p:ext uri="{BB962C8B-B14F-4D97-AF65-F5344CB8AC3E}">
+        <p14:creationId xmlns:p14="http://schemas.microsoft.com/office/powerpoint/2010/main" val="4286992133"/>
+      </p:ext>
+    </p:extLst>
+  </p:cSld>
+  <p:clrMapOvr>
+    <a:masterClrMapping/>
+  </p:clrMapOvr>
+</p:notes>
+</file>
+
+<file path=ppt/notesSlides/notesSlide15.xml><?xml version="1.0" encoding="utf-8"?>
+<p:notes xmlns:a="http://schemas.openxmlformats.org/drawingml/2006/main" xmlns:r="http://schemas.openxmlformats.org/officeDocument/2006/relationships" xmlns:p="http://schemas.openxmlformats.org/presentationml/2006/main">
+  <p:cSld>
+    <p:spTree>
+      <p:nvGrpSpPr>
+        <p:cNvPr id="1" name=""/>
+        <p:cNvGrpSpPr/>
+        <p:nvPr/>
+      </p:nvGrpSpPr>
+      <p:grpSpPr>
+        <a:xfrm>
+          <a:off x="0" y="0"/>
+          <a:ext cx="0" cy="0"/>
+          <a:chOff x="0" y="0"/>
+          <a:chExt cx="0" cy="0"/>
+        </a:xfrm>
+      </p:grpSpPr>
+      <p:sp>
+        <p:nvSpPr>
+          <p:cNvPr id="2" name="Espace réservé de l'image des diapositives 1"/>
+          <p:cNvSpPr>
+            <a:spLocks noGrp="1" noRot="1" noChangeAspect="1"/>
+          </p:cNvSpPr>
+          <p:nvPr>
+            <p:ph type="sldImg"/>
+          </p:nvPr>
+        </p:nvSpPr>
+        <p:spPr/>
+      </p:sp>
+      <p:sp>
+        <p:nvSpPr>
+          <p:cNvPr id="3" name="Espace réservé des notes 2"/>
+          <p:cNvSpPr>
+            <a:spLocks noGrp="1"/>
+          </p:cNvSpPr>
+          <p:nvPr>
+            <p:ph type="body" idx="1"/>
+          </p:nvPr>
+        </p:nvSpPr>
+        <p:spPr/>
+        <p:txBody>
+          <a:bodyPr/>
+          <a:lstStyle/>
+          <a:p>
+            <a:endParaRPr lang="fr-FR" dirty="0"/>
+          </a:p>
+        </p:txBody>
+      </p:sp>
+      <p:sp>
+        <p:nvSpPr>
+          <p:cNvPr id="4" name="Espace réservé du numéro de diapositive 3"/>
+          <p:cNvSpPr>
+            <a:spLocks noGrp="1"/>
+          </p:cNvSpPr>
+          <p:nvPr>
+            <p:ph type="sldNum" sz="quarter" idx="5"/>
+          </p:nvPr>
+        </p:nvSpPr>
+        <p:spPr/>
+        <p:txBody>
+          <a:bodyPr/>
+          <a:lstStyle/>
+          <a:p>
+            <a:fld id="{6BDC53D4-8BF5-4FDD-81EC-7AC957B0D210}" type="slidenum">
+              <a:rPr lang="fr-FR" smtClean="0"/>
+              <a:t>17</a:t>
+            </a:fld>
+            <a:endParaRPr lang="fr-FR"/>
+          </a:p>
+        </p:txBody>
+      </p:sp>
+    </p:spTree>
+    <p:extLst>
+      <p:ext uri="{BB962C8B-B14F-4D97-AF65-F5344CB8AC3E}">
+        <p14:creationId xmlns:p14="http://schemas.microsoft.com/office/powerpoint/2010/main" val="253464778"/>
+      </p:ext>
+    </p:extLst>
+  </p:cSld>
+  <p:clrMapOvr>
+    <a:masterClrMapping/>
+  </p:clrMapOvr>
+</p:notes>
+</file>
+
+<file path=ppt/notesSlides/notesSlide16.xml><?xml version="1.0" encoding="utf-8"?>
+<p:notes xmlns:a="http://schemas.openxmlformats.org/drawingml/2006/main" xmlns:r="http://schemas.openxmlformats.org/officeDocument/2006/relationships" xmlns:p="http://schemas.openxmlformats.org/presentationml/2006/main">
+  <p:cSld>
+    <p:spTree>
+      <p:nvGrpSpPr>
+        <p:cNvPr id="1" name=""/>
+        <p:cNvGrpSpPr/>
+        <p:nvPr/>
+      </p:nvGrpSpPr>
+      <p:grpSpPr>
+        <a:xfrm>
+          <a:off x="0" y="0"/>
+          <a:ext cx="0" cy="0"/>
+          <a:chOff x="0" y="0"/>
+          <a:chExt cx="0" cy="0"/>
+        </a:xfrm>
+      </p:grpSpPr>
+      <p:sp>
+        <p:nvSpPr>
+          <p:cNvPr id="2" name="Espace réservé de l'image des diapositives 1"/>
+          <p:cNvSpPr>
+            <a:spLocks noGrp="1" noRot="1" noChangeAspect="1"/>
+          </p:cNvSpPr>
+          <p:nvPr>
+            <p:ph type="sldImg"/>
+          </p:nvPr>
+        </p:nvSpPr>
+        <p:spPr/>
+      </p:sp>
+      <p:sp>
+        <p:nvSpPr>
+          <p:cNvPr id="3" name="Espace réservé des notes 2"/>
+          <p:cNvSpPr>
+            <a:spLocks noGrp="1"/>
+          </p:cNvSpPr>
+          <p:nvPr>
+            <p:ph type="body" idx="1"/>
+          </p:nvPr>
+        </p:nvSpPr>
+        <p:spPr/>
+        <p:txBody>
+          <a:bodyPr/>
+          <a:lstStyle/>
+          <a:p>
+            <a:endParaRPr lang="fr-FR" dirty="0"/>
+          </a:p>
+        </p:txBody>
+      </p:sp>
+      <p:sp>
+        <p:nvSpPr>
+          <p:cNvPr id="4" name="Espace réservé du numéro de diapositive 3"/>
+          <p:cNvSpPr>
+            <a:spLocks noGrp="1"/>
+          </p:cNvSpPr>
+          <p:nvPr>
+            <p:ph type="sldNum" sz="quarter" idx="5"/>
+          </p:nvPr>
+        </p:nvSpPr>
+        <p:spPr/>
+        <p:txBody>
+          <a:bodyPr/>
+          <a:lstStyle/>
+          <a:p>
+            <a:fld id="{6BDC53D4-8BF5-4FDD-81EC-7AC957B0D210}" type="slidenum">
+              <a:rPr lang="fr-FR" smtClean="0"/>
+              <a:t>18</a:t>
+            </a:fld>
+            <a:endParaRPr lang="fr-FR"/>
+          </a:p>
+        </p:txBody>
+      </p:sp>
+    </p:spTree>
+    <p:extLst>
+      <p:ext uri="{BB962C8B-B14F-4D97-AF65-F5344CB8AC3E}">
+        <p14:creationId xmlns:p14="http://schemas.microsoft.com/office/powerpoint/2010/main" val="3179146182"/>
+      </p:ext>
+    </p:extLst>
+  </p:cSld>
+  <p:clrMapOvr>
+    <a:masterClrMapping/>
+  </p:clrMapOvr>
+</p:notes>
+</file>
+
+<file path=ppt/notesSlides/notesSlide17.xml><?xml version="1.0" encoding="utf-8"?>
+<p:notes xmlns:a="http://schemas.openxmlformats.org/drawingml/2006/main" xmlns:r="http://schemas.openxmlformats.org/officeDocument/2006/relationships" xmlns:p="http://schemas.openxmlformats.org/presentationml/2006/main">
+  <p:cSld>
+    <p:spTree>
+      <p:nvGrpSpPr>
+        <p:cNvPr id="1" name=""/>
+        <p:cNvGrpSpPr/>
+        <p:nvPr/>
+      </p:nvGrpSpPr>
+      <p:grpSpPr>
+        <a:xfrm>
+          <a:off x="0" y="0"/>
+          <a:ext cx="0" cy="0"/>
+          <a:chOff x="0" y="0"/>
+          <a:chExt cx="0" cy="0"/>
+        </a:xfrm>
+      </p:grpSpPr>
+      <p:sp>
+        <p:nvSpPr>
+          <p:cNvPr id="2" name="Espace réservé de l'image des diapositives 1"/>
+          <p:cNvSpPr>
+            <a:spLocks noGrp="1" noRot="1" noChangeAspect="1"/>
+          </p:cNvSpPr>
+          <p:nvPr>
+            <p:ph type="sldImg"/>
+          </p:nvPr>
+        </p:nvSpPr>
+        <p:spPr/>
+      </p:sp>
+      <p:sp>
+        <p:nvSpPr>
+          <p:cNvPr id="3" name="Espace réservé des notes 2"/>
+          <p:cNvSpPr>
+            <a:spLocks noGrp="1"/>
+          </p:cNvSpPr>
+          <p:nvPr>
+            <p:ph type="body" idx="1"/>
+          </p:nvPr>
+        </p:nvSpPr>
+        <p:spPr/>
+        <p:txBody>
+          <a:bodyPr/>
+          <a:lstStyle/>
+          <a:p>
+            <a:endParaRPr lang="fr-FR" dirty="0"/>
+          </a:p>
+        </p:txBody>
+      </p:sp>
+      <p:sp>
+        <p:nvSpPr>
+          <p:cNvPr id="4" name="Espace réservé du numéro de diapositive 3"/>
+          <p:cNvSpPr>
+            <a:spLocks noGrp="1"/>
+          </p:cNvSpPr>
+          <p:nvPr>
+            <p:ph type="sldNum" sz="quarter" idx="5"/>
+          </p:nvPr>
+        </p:nvSpPr>
+        <p:spPr/>
+        <p:txBody>
+          <a:bodyPr/>
+          <a:lstStyle/>
+          <a:p>
+            <a:fld id="{6BDC53D4-8BF5-4FDD-81EC-7AC957B0D210}" type="slidenum">
+              <a:rPr lang="fr-FR" smtClean="0"/>
+              <a:t>19</a:t>
+            </a:fld>
+            <a:endParaRPr lang="fr-FR"/>
+          </a:p>
+        </p:txBody>
+      </p:sp>
+    </p:spTree>
+    <p:extLst>
+      <p:ext uri="{BB962C8B-B14F-4D97-AF65-F5344CB8AC3E}">
+        <p14:creationId xmlns:p14="http://schemas.microsoft.com/office/powerpoint/2010/main" val="889130667"/>
+      </p:ext>
+    </p:extLst>
+  </p:cSld>
+  <p:clrMapOvr>
+    <a:masterClrMapping/>
+  </p:clrMapOvr>
+</p:notes>
+</file>
+
+<file path=ppt/notesSlides/notesSlide18.xml><?xml version="1.0" encoding="utf-8"?>
+<p:notes xmlns:a="http://schemas.openxmlformats.org/drawingml/2006/main" xmlns:r="http://schemas.openxmlformats.org/officeDocument/2006/relationships" xmlns:p="http://schemas.openxmlformats.org/presentationml/2006/main">
+  <p:cSld>
+    <p:spTree>
+      <p:nvGrpSpPr>
+        <p:cNvPr id="1" name=""/>
+        <p:cNvGrpSpPr/>
+        <p:nvPr/>
+      </p:nvGrpSpPr>
+      <p:grpSpPr>
+        <a:xfrm>
+          <a:off x="0" y="0"/>
+          <a:ext cx="0" cy="0"/>
+          <a:chOff x="0" y="0"/>
+          <a:chExt cx="0" cy="0"/>
+        </a:xfrm>
+      </p:grpSpPr>
+      <p:sp>
+        <p:nvSpPr>
+          <p:cNvPr id="2" name="Espace réservé de l'image des diapositives 1"/>
+          <p:cNvSpPr>
+            <a:spLocks noGrp="1" noRot="1" noChangeAspect="1"/>
+          </p:cNvSpPr>
+          <p:nvPr>
+            <p:ph type="sldImg"/>
+          </p:nvPr>
+        </p:nvSpPr>
+        <p:spPr/>
+      </p:sp>
+      <p:sp>
+        <p:nvSpPr>
+          <p:cNvPr id="3" name="Espace réservé des notes 2"/>
+          <p:cNvSpPr>
+            <a:spLocks noGrp="1"/>
+          </p:cNvSpPr>
+          <p:nvPr>
+            <p:ph type="body" idx="1"/>
+          </p:nvPr>
+        </p:nvSpPr>
+        <p:spPr/>
+        <p:txBody>
+          <a:bodyPr/>
+          <a:lstStyle/>
+          <a:p>
+            <a:endParaRPr lang="fr-FR" dirty="0"/>
+          </a:p>
+        </p:txBody>
+      </p:sp>
+      <p:sp>
+        <p:nvSpPr>
+          <p:cNvPr id="4" name="Espace réservé du numéro de diapositive 3"/>
+          <p:cNvSpPr>
+            <a:spLocks noGrp="1"/>
+          </p:cNvSpPr>
+          <p:nvPr>
+            <p:ph type="sldNum" sz="quarter" idx="5"/>
+          </p:nvPr>
+        </p:nvSpPr>
+        <p:spPr/>
+        <p:txBody>
+          <a:bodyPr/>
+          <a:lstStyle/>
+          <a:p>
+            <a:fld id="{6BDC53D4-8BF5-4FDD-81EC-7AC957B0D210}" type="slidenum">
+              <a:rPr lang="fr-FR" smtClean="0"/>
+              <a:t>20</a:t>
+            </a:fld>
+            <a:endParaRPr lang="fr-FR"/>
+          </a:p>
+        </p:txBody>
+      </p:sp>
+    </p:spTree>
+    <p:extLst>
+      <p:ext uri="{BB962C8B-B14F-4D97-AF65-F5344CB8AC3E}">
+        <p14:creationId xmlns:p14="http://schemas.microsoft.com/office/powerpoint/2010/main" val="4241554533"/>
+      </p:ext>
+    </p:extLst>
+  </p:cSld>
+  <p:clrMapOvr>
+    <a:masterClrMapping/>
+  </p:clrMapOvr>
+</p:notes>
+</file>
+
+<file path=ppt/notesSlides/notesSlide19.xml><?xml version="1.0" encoding="utf-8"?>
+<p:notes xmlns:a="http://schemas.openxmlformats.org/drawingml/2006/main" xmlns:r="http://schemas.openxmlformats.org/officeDocument/2006/relationships" xmlns:p="http://schemas.openxmlformats.org/presentationml/2006/main">
+  <p:cSld>
+    <p:spTree>
+      <p:nvGrpSpPr>
+        <p:cNvPr id="1" name=""/>
+        <p:cNvGrpSpPr/>
+        <p:nvPr/>
+      </p:nvGrpSpPr>
+      <p:grpSpPr>
+        <a:xfrm>
+          <a:off x="0" y="0"/>
+          <a:ext cx="0" cy="0"/>
+          <a:chOff x="0" y="0"/>
+          <a:chExt cx="0" cy="0"/>
+        </a:xfrm>
+      </p:grpSpPr>
+      <p:sp>
+        <p:nvSpPr>
+          <p:cNvPr id="2" name="Espace réservé de l'image des diapositives 1"/>
+          <p:cNvSpPr>
+            <a:spLocks noGrp="1" noRot="1" noChangeAspect="1"/>
+          </p:cNvSpPr>
+          <p:nvPr>
+            <p:ph type="sldImg"/>
+          </p:nvPr>
+        </p:nvSpPr>
+        <p:spPr/>
+      </p:sp>
+      <p:sp>
+        <p:nvSpPr>
+          <p:cNvPr id="3" name="Espace réservé des notes 2"/>
+          <p:cNvSpPr>
+            <a:spLocks noGrp="1"/>
+          </p:cNvSpPr>
+          <p:nvPr>
+            <p:ph type="body" idx="1"/>
+          </p:nvPr>
+        </p:nvSpPr>
+        <p:spPr/>
+        <p:txBody>
+          <a:bodyPr/>
+          <a:lstStyle/>
+          <a:p>
+            <a:endParaRPr lang="fr-FR" dirty="0"/>
+          </a:p>
+        </p:txBody>
+      </p:sp>
+      <p:sp>
+        <p:nvSpPr>
+          <p:cNvPr id="4" name="Espace réservé du numéro de diapositive 3"/>
+          <p:cNvSpPr>
+            <a:spLocks noGrp="1"/>
+          </p:cNvSpPr>
+          <p:nvPr>
+            <p:ph type="sldNum" sz="quarter" idx="5"/>
+          </p:nvPr>
+        </p:nvSpPr>
+        <p:spPr/>
+        <p:txBody>
+          <a:bodyPr/>
+          <a:lstStyle/>
+          <a:p>
+            <a:fld id="{6BDC53D4-8BF5-4FDD-81EC-7AC957B0D210}" type="slidenum">
+              <a:rPr lang="fr-FR" smtClean="0"/>
+              <a:t>21</a:t>
+            </a:fld>
+            <a:endParaRPr lang="fr-FR"/>
+          </a:p>
+        </p:txBody>
+      </p:sp>
+    </p:spTree>
+    <p:extLst>
+      <p:ext uri="{BB962C8B-B14F-4D97-AF65-F5344CB8AC3E}">
+        <p14:creationId xmlns:p14="http://schemas.microsoft.com/office/powerpoint/2010/main" val="2431971309"/>
+      </p:ext>
+    </p:extLst>
+  </p:cSld>
+  <p:clrMapOvr>
+    <a:masterClrMapping/>
+  </p:clrMapOvr>
+</p:notes>
+</file>
+
 <file path=ppt/notesSlides/notesSlide2.xml><?xml version="1.0" encoding="utf-8"?>
 <p:notes xmlns:a="http://schemas.openxmlformats.org/drawingml/2006/main" xmlns:r="http://schemas.openxmlformats.org/officeDocument/2006/relationships" xmlns:p="http://schemas.openxmlformats.org/presentationml/2006/main">
   <p:cSld>
@@ -642,6 +1499,426 @@
     <p:extLst>
       <p:ext uri="{BB962C8B-B14F-4D97-AF65-F5344CB8AC3E}">
         <p14:creationId xmlns:p14="http://schemas.microsoft.com/office/powerpoint/2010/main" val="435769849"/>
+      </p:ext>
+    </p:extLst>
+  </p:cSld>
+  <p:clrMapOvr>
+    <a:masterClrMapping/>
+  </p:clrMapOvr>
+</p:notes>
+</file>
+
+<file path=ppt/notesSlides/notesSlide20.xml><?xml version="1.0" encoding="utf-8"?>
+<p:notes xmlns:a="http://schemas.openxmlformats.org/drawingml/2006/main" xmlns:r="http://schemas.openxmlformats.org/officeDocument/2006/relationships" xmlns:p="http://schemas.openxmlformats.org/presentationml/2006/main">
+  <p:cSld>
+    <p:spTree>
+      <p:nvGrpSpPr>
+        <p:cNvPr id="1" name=""/>
+        <p:cNvGrpSpPr/>
+        <p:nvPr/>
+      </p:nvGrpSpPr>
+      <p:grpSpPr>
+        <a:xfrm>
+          <a:off x="0" y="0"/>
+          <a:ext cx="0" cy="0"/>
+          <a:chOff x="0" y="0"/>
+          <a:chExt cx="0" cy="0"/>
+        </a:xfrm>
+      </p:grpSpPr>
+      <p:sp>
+        <p:nvSpPr>
+          <p:cNvPr id="2" name="Espace réservé de l'image des diapositives 1"/>
+          <p:cNvSpPr>
+            <a:spLocks noGrp="1" noRot="1" noChangeAspect="1"/>
+          </p:cNvSpPr>
+          <p:nvPr>
+            <p:ph type="sldImg"/>
+          </p:nvPr>
+        </p:nvSpPr>
+        <p:spPr/>
+      </p:sp>
+      <p:sp>
+        <p:nvSpPr>
+          <p:cNvPr id="3" name="Espace réservé des notes 2"/>
+          <p:cNvSpPr>
+            <a:spLocks noGrp="1"/>
+          </p:cNvSpPr>
+          <p:nvPr>
+            <p:ph type="body" idx="1"/>
+          </p:nvPr>
+        </p:nvSpPr>
+        <p:spPr/>
+        <p:txBody>
+          <a:bodyPr/>
+          <a:lstStyle/>
+          <a:p>
+            <a:endParaRPr lang="fr-FR" dirty="0"/>
+          </a:p>
+        </p:txBody>
+      </p:sp>
+      <p:sp>
+        <p:nvSpPr>
+          <p:cNvPr id="4" name="Espace réservé du numéro de diapositive 3"/>
+          <p:cNvSpPr>
+            <a:spLocks noGrp="1"/>
+          </p:cNvSpPr>
+          <p:nvPr>
+            <p:ph type="sldNum" sz="quarter" idx="5"/>
+          </p:nvPr>
+        </p:nvSpPr>
+        <p:spPr/>
+        <p:txBody>
+          <a:bodyPr/>
+          <a:lstStyle/>
+          <a:p>
+            <a:fld id="{6BDC53D4-8BF5-4FDD-81EC-7AC957B0D210}" type="slidenum">
+              <a:rPr lang="fr-FR" smtClean="0"/>
+              <a:t>22</a:t>
+            </a:fld>
+            <a:endParaRPr lang="fr-FR"/>
+          </a:p>
+        </p:txBody>
+      </p:sp>
+    </p:spTree>
+    <p:extLst>
+      <p:ext uri="{BB962C8B-B14F-4D97-AF65-F5344CB8AC3E}">
+        <p14:creationId xmlns:p14="http://schemas.microsoft.com/office/powerpoint/2010/main" val="3327838197"/>
+      </p:ext>
+    </p:extLst>
+  </p:cSld>
+  <p:clrMapOvr>
+    <a:masterClrMapping/>
+  </p:clrMapOvr>
+</p:notes>
+</file>
+
+<file path=ppt/notesSlides/notesSlide21.xml><?xml version="1.0" encoding="utf-8"?>
+<p:notes xmlns:a="http://schemas.openxmlformats.org/drawingml/2006/main" xmlns:r="http://schemas.openxmlformats.org/officeDocument/2006/relationships" xmlns:p="http://schemas.openxmlformats.org/presentationml/2006/main">
+  <p:cSld>
+    <p:spTree>
+      <p:nvGrpSpPr>
+        <p:cNvPr id="1" name=""/>
+        <p:cNvGrpSpPr/>
+        <p:nvPr/>
+      </p:nvGrpSpPr>
+      <p:grpSpPr>
+        <a:xfrm>
+          <a:off x="0" y="0"/>
+          <a:ext cx="0" cy="0"/>
+          <a:chOff x="0" y="0"/>
+          <a:chExt cx="0" cy="0"/>
+        </a:xfrm>
+      </p:grpSpPr>
+      <p:sp>
+        <p:nvSpPr>
+          <p:cNvPr id="2" name="Espace réservé de l'image des diapositives 1"/>
+          <p:cNvSpPr>
+            <a:spLocks noGrp="1" noRot="1" noChangeAspect="1"/>
+          </p:cNvSpPr>
+          <p:nvPr>
+            <p:ph type="sldImg"/>
+          </p:nvPr>
+        </p:nvSpPr>
+        <p:spPr/>
+      </p:sp>
+      <p:sp>
+        <p:nvSpPr>
+          <p:cNvPr id="3" name="Espace réservé des notes 2"/>
+          <p:cNvSpPr>
+            <a:spLocks noGrp="1"/>
+          </p:cNvSpPr>
+          <p:nvPr>
+            <p:ph type="body" idx="1"/>
+          </p:nvPr>
+        </p:nvSpPr>
+        <p:spPr/>
+        <p:txBody>
+          <a:bodyPr/>
+          <a:lstStyle/>
+          <a:p>
+            <a:endParaRPr lang="fr-FR" dirty="0"/>
+          </a:p>
+        </p:txBody>
+      </p:sp>
+      <p:sp>
+        <p:nvSpPr>
+          <p:cNvPr id="4" name="Espace réservé du numéro de diapositive 3"/>
+          <p:cNvSpPr>
+            <a:spLocks noGrp="1"/>
+          </p:cNvSpPr>
+          <p:nvPr>
+            <p:ph type="sldNum" sz="quarter" idx="5"/>
+          </p:nvPr>
+        </p:nvSpPr>
+        <p:spPr/>
+        <p:txBody>
+          <a:bodyPr/>
+          <a:lstStyle/>
+          <a:p>
+            <a:fld id="{6BDC53D4-8BF5-4FDD-81EC-7AC957B0D210}" type="slidenum">
+              <a:rPr lang="fr-FR" smtClean="0"/>
+              <a:t>23</a:t>
+            </a:fld>
+            <a:endParaRPr lang="fr-FR"/>
+          </a:p>
+        </p:txBody>
+      </p:sp>
+    </p:spTree>
+    <p:extLst>
+      <p:ext uri="{BB962C8B-B14F-4D97-AF65-F5344CB8AC3E}">
+        <p14:creationId xmlns:p14="http://schemas.microsoft.com/office/powerpoint/2010/main" val="4092897685"/>
+      </p:ext>
+    </p:extLst>
+  </p:cSld>
+  <p:clrMapOvr>
+    <a:masterClrMapping/>
+  </p:clrMapOvr>
+</p:notes>
+</file>
+
+<file path=ppt/notesSlides/notesSlide22.xml><?xml version="1.0" encoding="utf-8"?>
+<p:notes xmlns:a="http://schemas.openxmlformats.org/drawingml/2006/main" xmlns:r="http://schemas.openxmlformats.org/officeDocument/2006/relationships" xmlns:p="http://schemas.openxmlformats.org/presentationml/2006/main">
+  <p:cSld>
+    <p:spTree>
+      <p:nvGrpSpPr>
+        <p:cNvPr id="1" name=""/>
+        <p:cNvGrpSpPr/>
+        <p:nvPr/>
+      </p:nvGrpSpPr>
+      <p:grpSpPr>
+        <a:xfrm>
+          <a:off x="0" y="0"/>
+          <a:ext cx="0" cy="0"/>
+          <a:chOff x="0" y="0"/>
+          <a:chExt cx="0" cy="0"/>
+        </a:xfrm>
+      </p:grpSpPr>
+      <p:sp>
+        <p:nvSpPr>
+          <p:cNvPr id="2" name="Espace réservé de l'image des diapositives 1"/>
+          <p:cNvSpPr>
+            <a:spLocks noGrp="1" noRot="1" noChangeAspect="1"/>
+          </p:cNvSpPr>
+          <p:nvPr>
+            <p:ph type="sldImg"/>
+          </p:nvPr>
+        </p:nvSpPr>
+        <p:spPr/>
+      </p:sp>
+      <p:sp>
+        <p:nvSpPr>
+          <p:cNvPr id="3" name="Espace réservé des notes 2"/>
+          <p:cNvSpPr>
+            <a:spLocks noGrp="1"/>
+          </p:cNvSpPr>
+          <p:nvPr>
+            <p:ph type="body" idx="1"/>
+          </p:nvPr>
+        </p:nvSpPr>
+        <p:spPr/>
+        <p:txBody>
+          <a:bodyPr/>
+          <a:lstStyle/>
+          <a:p>
+            <a:endParaRPr lang="fr-FR" dirty="0"/>
+          </a:p>
+        </p:txBody>
+      </p:sp>
+      <p:sp>
+        <p:nvSpPr>
+          <p:cNvPr id="4" name="Espace réservé du numéro de diapositive 3"/>
+          <p:cNvSpPr>
+            <a:spLocks noGrp="1"/>
+          </p:cNvSpPr>
+          <p:nvPr>
+            <p:ph type="sldNum" sz="quarter" idx="5"/>
+          </p:nvPr>
+        </p:nvSpPr>
+        <p:spPr/>
+        <p:txBody>
+          <a:bodyPr/>
+          <a:lstStyle/>
+          <a:p>
+            <a:fld id="{6BDC53D4-8BF5-4FDD-81EC-7AC957B0D210}" type="slidenum">
+              <a:rPr lang="fr-FR" smtClean="0"/>
+              <a:t>24</a:t>
+            </a:fld>
+            <a:endParaRPr lang="fr-FR"/>
+          </a:p>
+        </p:txBody>
+      </p:sp>
+    </p:spTree>
+    <p:extLst>
+      <p:ext uri="{BB962C8B-B14F-4D97-AF65-F5344CB8AC3E}">
+        <p14:creationId xmlns:p14="http://schemas.microsoft.com/office/powerpoint/2010/main" val="1267882319"/>
+      </p:ext>
+    </p:extLst>
+  </p:cSld>
+  <p:clrMapOvr>
+    <a:masterClrMapping/>
+  </p:clrMapOvr>
+</p:notes>
+</file>
+
+<file path=ppt/notesSlides/notesSlide23.xml><?xml version="1.0" encoding="utf-8"?>
+<p:notes xmlns:a="http://schemas.openxmlformats.org/drawingml/2006/main" xmlns:r="http://schemas.openxmlformats.org/officeDocument/2006/relationships" xmlns:p="http://schemas.openxmlformats.org/presentationml/2006/main">
+  <p:cSld>
+    <p:spTree>
+      <p:nvGrpSpPr>
+        <p:cNvPr id="1" name=""/>
+        <p:cNvGrpSpPr/>
+        <p:nvPr/>
+      </p:nvGrpSpPr>
+      <p:grpSpPr>
+        <a:xfrm>
+          <a:off x="0" y="0"/>
+          <a:ext cx="0" cy="0"/>
+          <a:chOff x="0" y="0"/>
+          <a:chExt cx="0" cy="0"/>
+        </a:xfrm>
+      </p:grpSpPr>
+      <p:sp>
+        <p:nvSpPr>
+          <p:cNvPr id="2" name="Espace réservé de l'image des diapositives 1"/>
+          <p:cNvSpPr>
+            <a:spLocks noGrp="1" noRot="1" noChangeAspect="1"/>
+          </p:cNvSpPr>
+          <p:nvPr>
+            <p:ph type="sldImg"/>
+          </p:nvPr>
+        </p:nvSpPr>
+        <p:spPr/>
+      </p:sp>
+      <p:sp>
+        <p:nvSpPr>
+          <p:cNvPr id="3" name="Espace réservé des notes 2"/>
+          <p:cNvSpPr>
+            <a:spLocks noGrp="1"/>
+          </p:cNvSpPr>
+          <p:nvPr>
+            <p:ph type="body" idx="1"/>
+          </p:nvPr>
+        </p:nvSpPr>
+        <p:spPr/>
+        <p:txBody>
+          <a:bodyPr/>
+          <a:lstStyle/>
+          <a:p>
+            <a:endParaRPr lang="fr-FR" dirty="0"/>
+          </a:p>
+        </p:txBody>
+      </p:sp>
+      <p:sp>
+        <p:nvSpPr>
+          <p:cNvPr id="4" name="Espace réservé du numéro de diapositive 3"/>
+          <p:cNvSpPr>
+            <a:spLocks noGrp="1"/>
+          </p:cNvSpPr>
+          <p:nvPr>
+            <p:ph type="sldNum" sz="quarter" idx="5"/>
+          </p:nvPr>
+        </p:nvSpPr>
+        <p:spPr/>
+        <p:txBody>
+          <a:bodyPr/>
+          <a:lstStyle/>
+          <a:p>
+            <a:fld id="{6BDC53D4-8BF5-4FDD-81EC-7AC957B0D210}" type="slidenum">
+              <a:rPr lang="fr-FR" smtClean="0"/>
+              <a:t>25</a:t>
+            </a:fld>
+            <a:endParaRPr lang="fr-FR"/>
+          </a:p>
+        </p:txBody>
+      </p:sp>
+    </p:spTree>
+    <p:extLst>
+      <p:ext uri="{BB962C8B-B14F-4D97-AF65-F5344CB8AC3E}">
+        <p14:creationId xmlns:p14="http://schemas.microsoft.com/office/powerpoint/2010/main" val="2424669451"/>
+      </p:ext>
+    </p:extLst>
+  </p:cSld>
+  <p:clrMapOvr>
+    <a:masterClrMapping/>
+  </p:clrMapOvr>
+</p:notes>
+</file>
+
+<file path=ppt/notesSlides/notesSlide24.xml><?xml version="1.0" encoding="utf-8"?>
+<p:notes xmlns:a="http://schemas.openxmlformats.org/drawingml/2006/main" xmlns:r="http://schemas.openxmlformats.org/officeDocument/2006/relationships" xmlns:p="http://schemas.openxmlformats.org/presentationml/2006/main">
+  <p:cSld>
+    <p:spTree>
+      <p:nvGrpSpPr>
+        <p:cNvPr id="1" name=""/>
+        <p:cNvGrpSpPr/>
+        <p:nvPr/>
+      </p:nvGrpSpPr>
+      <p:grpSpPr>
+        <a:xfrm>
+          <a:off x="0" y="0"/>
+          <a:ext cx="0" cy="0"/>
+          <a:chOff x="0" y="0"/>
+          <a:chExt cx="0" cy="0"/>
+        </a:xfrm>
+      </p:grpSpPr>
+      <p:sp>
+        <p:nvSpPr>
+          <p:cNvPr id="2" name="Espace réservé de l'image des diapositives 1"/>
+          <p:cNvSpPr>
+            <a:spLocks noGrp="1" noRot="1" noChangeAspect="1"/>
+          </p:cNvSpPr>
+          <p:nvPr>
+            <p:ph type="sldImg"/>
+          </p:nvPr>
+        </p:nvSpPr>
+        <p:spPr/>
+      </p:sp>
+      <p:sp>
+        <p:nvSpPr>
+          <p:cNvPr id="3" name="Espace réservé des notes 2"/>
+          <p:cNvSpPr>
+            <a:spLocks noGrp="1"/>
+          </p:cNvSpPr>
+          <p:nvPr>
+            <p:ph type="body" idx="1"/>
+          </p:nvPr>
+        </p:nvSpPr>
+        <p:spPr/>
+        <p:txBody>
+          <a:bodyPr/>
+          <a:lstStyle/>
+          <a:p>
+            <a:endParaRPr lang="fr-FR" dirty="0"/>
+          </a:p>
+        </p:txBody>
+      </p:sp>
+      <p:sp>
+        <p:nvSpPr>
+          <p:cNvPr id="4" name="Espace réservé du numéro de diapositive 3"/>
+          <p:cNvSpPr>
+            <a:spLocks noGrp="1"/>
+          </p:cNvSpPr>
+          <p:nvPr>
+            <p:ph type="sldNum" sz="quarter" idx="5"/>
+          </p:nvPr>
+        </p:nvSpPr>
+        <p:spPr/>
+        <p:txBody>
+          <a:bodyPr/>
+          <a:lstStyle/>
+          <a:p>
+            <a:fld id="{6BDC53D4-8BF5-4FDD-81EC-7AC957B0D210}" type="slidenum">
+              <a:rPr lang="fr-FR" smtClean="0"/>
+              <a:t>26</a:t>
+            </a:fld>
+            <a:endParaRPr lang="fr-FR"/>
+          </a:p>
+        </p:txBody>
+      </p:sp>
+    </p:spTree>
+    <p:extLst>
+      <p:ext uri="{BB962C8B-B14F-4D97-AF65-F5344CB8AC3E}">
+        <p14:creationId xmlns:p14="http://schemas.microsoft.com/office/powerpoint/2010/main" val="526583109"/>
       </p:ext>
     </p:extLst>
   </p:cSld>
@@ -725,7 +2002,7 @@
     </p:spTree>
     <p:extLst>
       <p:ext uri="{BB962C8B-B14F-4D97-AF65-F5344CB8AC3E}">
-        <p14:creationId xmlns:p14="http://schemas.microsoft.com/office/powerpoint/2010/main" val="2037886378"/>
+        <p14:creationId xmlns:p14="http://schemas.microsoft.com/office/powerpoint/2010/main" val="3751783209"/>
       </p:ext>
     </p:extLst>
   </p:cSld>
@@ -809,7 +2086,7 @@
     </p:spTree>
     <p:extLst>
       <p:ext uri="{BB962C8B-B14F-4D97-AF65-F5344CB8AC3E}">
-        <p14:creationId xmlns:p14="http://schemas.microsoft.com/office/powerpoint/2010/main" val="3179146182"/>
+        <p14:creationId xmlns:p14="http://schemas.microsoft.com/office/powerpoint/2010/main" val="603590201"/>
       </p:ext>
     </p:extLst>
   </p:cSld>
@@ -893,7 +2170,7 @@
     </p:spTree>
     <p:extLst>
       <p:ext uri="{BB962C8B-B14F-4D97-AF65-F5344CB8AC3E}">
-        <p14:creationId xmlns:p14="http://schemas.microsoft.com/office/powerpoint/2010/main" val="1902839985"/>
+        <p14:creationId xmlns:p14="http://schemas.microsoft.com/office/powerpoint/2010/main" val="1348774150"/>
       </p:ext>
     </p:extLst>
   </p:cSld>
@@ -977,7 +2254,7 @@
     </p:spTree>
     <p:extLst>
       <p:ext uri="{BB962C8B-B14F-4D97-AF65-F5344CB8AC3E}">
-        <p14:creationId xmlns:p14="http://schemas.microsoft.com/office/powerpoint/2010/main" val="4241554533"/>
+        <p14:creationId xmlns:p14="http://schemas.microsoft.com/office/powerpoint/2010/main" val="3691478622"/>
       </p:ext>
     </p:extLst>
   </p:cSld>
@@ -1061,7 +2338,175 @@
     </p:spTree>
     <p:extLst>
       <p:ext uri="{BB962C8B-B14F-4D97-AF65-F5344CB8AC3E}">
-        <p14:creationId xmlns:p14="http://schemas.microsoft.com/office/powerpoint/2010/main" val="526583109"/>
+        <p14:creationId xmlns:p14="http://schemas.microsoft.com/office/powerpoint/2010/main" val="2621417086"/>
+      </p:ext>
+    </p:extLst>
+  </p:cSld>
+  <p:clrMapOvr>
+    <a:masterClrMapping/>
+  </p:clrMapOvr>
+</p:notes>
+</file>
+
+<file path=ppt/notesSlides/notesSlide8.xml><?xml version="1.0" encoding="utf-8"?>
+<p:notes xmlns:a="http://schemas.openxmlformats.org/drawingml/2006/main" xmlns:r="http://schemas.openxmlformats.org/officeDocument/2006/relationships" xmlns:p="http://schemas.openxmlformats.org/presentationml/2006/main">
+  <p:cSld>
+    <p:spTree>
+      <p:nvGrpSpPr>
+        <p:cNvPr id="1" name=""/>
+        <p:cNvGrpSpPr/>
+        <p:nvPr/>
+      </p:nvGrpSpPr>
+      <p:grpSpPr>
+        <a:xfrm>
+          <a:off x="0" y="0"/>
+          <a:ext cx="0" cy="0"/>
+          <a:chOff x="0" y="0"/>
+          <a:chExt cx="0" cy="0"/>
+        </a:xfrm>
+      </p:grpSpPr>
+      <p:sp>
+        <p:nvSpPr>
+          <p:cNvPr id="2" name="Espace réservé de l'image des diapositives 1"/>
+          <p:cNvSpPr>
+            <a:spLocks noGrp="1" noRot="1" noChangeAspect="1"/>
+          </p:cNvSpPr>
+          <p:nvPr>
+            <p:ph type="sldImg"/>
+          </p:nvPr>
+        </p:nvSpPr>
+        <p:spPr/>
+      </p:sp>
+      <p:sp>
+        <p:nvSpPr>
+          <p:cNvPr id="3" name="Espace réservé des notes 2"/>
+          <p:cNvSpPr>
+            <a:spLocks noGrp="1"/>
+          </p:cNvSpPr>
+          <p:nvPr>
+            <p:ph type="body" idx="1"/>
+          </p:nvPr>
+        </p:nvSpPr>
+        <p:spPr/>
+        <p:txBody>
+          <a:bodyPr/>
+          <a:lstStyle/>
+          <a:p>
+            <a:endParaRPr lang="fr-FR" dirty="0"/>
+          </a:p>
+        </p:txBody>
+      </p:sp>
+      <p:sp>
+        <p:nvSpPr>
+          <p:cNvPr id="4" name="Espace réservé du numéro de diapositive 3"/>
+          <p:cNvSpPr>
+            <a:spLocks noGrp="1"/>
+          </p:cNvSpPr>
+          <p:nvPr>
+            <p:ph type="sldNum" sz="quarter" idx="5"/>
+          </p:nvPr>
+        </p:nvSpPr>
+        <p:spPr/>
+        <p:txBody>
+          <a:bodyPr/>
+          <a:lstStyle/>
+          <a:p>
+            <a:fld id="{6BDC53D4-8BF5-4FDD-81EC-7AC957B0D210}" type="slidenum">
+              <a:rPr lang="fr-FR" smtClean="0"/>
+              <a:t>10</a:t>
+            </a:fld>
+            <a:endParaRPr lang="fr-FR"/>
+          </a:p>
+        </p:txBody>
+      </p:sp>
+    </p:spTree>
+    <p:extLst>
+      <p:ext uri="{BB962C8B-B14F-4D97-AF65-F5344CB8AC3E}">
+        <p14:creationId xmlns:p14="http://schemas.microsoft.com/office/powerpoint/2010/main" val="1241187060"/>
+      </p:ext>
+    </p:extLst>
+  </p:cSld>
+  <p:clrMapOvr>
+    <a:masterClrMapping/>
+  </p:clrMapOvr>
+</p:notes>
+</file>
+
+<file path=ppt/notesSlides/notesSlide9.xml><?xml version="1.0" encoding="utf-8"?>
+<p:notes xmlns:a="http://schemas.openxmlformats.org/drawingml/2006/main" xmlns:r="http://schemas.openxmlformats.org/officeDocument/2006/relationships" xmlns:p="http://schemas.openxmlformats.org/presentationml/2006/main">
+  <p:cSld>
+    <p:spTree>
+      <p:nvGrpSpPr>
+        <p:cNvPr id="1" name=""/>
+        <p:cNvGrpSpPr/>
+        <p:nvPr/>
+      </p:nvGrpSpPr>
+      <p:grpSpPr>
+        <a:xfrm>
+          <a:off x="0" y="0"/>
+          <a:ext cx="0" cy="0"/>
+          <a:chOff x="0" y="0"/>
+          <a:chExt cx="0" cy="0"/>
+        </a:xfrm>
+      </p:grpSpPr>
+      <p:sp>
+        <p:nvSpPr>
+          <p:cNvPr id="2" name="Espace réservé de l'image des diapositives 1"/>
+          <p:cNvSpPr>
+            <a:spLocks noGrp="1" noRot="1" noChangeAspect="1"/>
+          </p:cNvSpPr>
+          <p:nvPr>
+            <p:ph type="sldImg"/>
+          </p:nvPr>
+        </p:nvSpPr>
+        <p:spPr/>
+      </p:sp>
+      <p:sp>
+        <p:nvSpPr>
+          <p:cNvPr id="3" name="Espace réservé des notes 2"/>
+          <p:cNvSpPr>
+            <a:spLocks noGrp="1"/>
+          </p:cNvSpPr>
+          <p:nvPr>
+            <p:ph type="body" idx="1"/>
+          </p:nvPr>
+        </p:nvSpPr>
+        <p:spPr/>
+        <p:txBody>
+          <a:bodyPr/>
+          <a:lstStyle/>
+          <a:p>
+            <a:endParaRPr lang="fr-FR" dirty="0"/>
+          </a:p>
+        </p:txBody>
+      </p:sp>
+      <p:sp>
+        <p:nvSpPr>
+          <p:cNvPr id="4" name="Espace réservé du numéro de diapositive 3"/>
+          <p:cNvSpPr>
+            <a:spLocks noGrp="1"/>
+          </p:cNvSpPr>
+          <p:nvPr>
+            <p:ph type="sldNum" sz="quarter" idx="5"/>
+          </p:nvPr>
+        </p:nvSpPr>
+        <p:spPr/>
+        <p:txBody>
+          <a:bodyPr/>
+          <a:lstStyle/>
+          <a:p>
+            <a:fld id="{6BDC53D4-8BF5-4FDD-81EC-7AC957B0D210}" type="slidenum">
+              <a:rPr lang="fr-FR" smtClean="0"/>
+              <a:t>11</a:t>
+            </a:fld>
+            <a:endParaRPr lang="fr-FR"/>
+          </a:p>
+        </p:txBody>
+      </p:sp>
+    </p:spTree>
+    <p:extLst>
+      <p:ext uri="{BB962C8B-B14F-4D97-AF65-F5344CB8AC3E}">
+        <p14:creationId xmlns:p14="http://schemas.microsoft.com/office/powerpoint/2010/main" val="309870099"/>
       </p:ext>
     </p:extLst>
   </p:cSld>
@@ -1227,7 +2672,7 @@
           <a:p>
             <a:fld id="{02AC24A9-CCB6-4F8D-B8DB-C2F3692CFA5A}" type="datetimeFigureOut">
               <a:rPr lang="en-US" smtClean="0"/>
-              <a:t>11/14/2023</a:t>
+              <a:t>12/8/2023</a:t>
             </a:fld>
             <a:endParaRPr lang="en-US" dirty="0"/>
           </a:p>
@@ -1597,7 +3042,7 @@
           <a:p>
             <a:fld id="{02AC24A9-CCB6-4F8D-B8DB-C2F3692CFA5A}" type="datetimeFigureOut">
               <a:rPr lang="en-US" smtClean="0"/>
-              <a:t>11/14/2023</a:t>
+              <a:t>12/8/2023</a:t>
             </a:fld>
             <a:endParaRPr lang="en-US"/>
           </a:p>
@@ -1806,7 +3251,7 @@
           <a:p>
             <a:fld id="{02AC24A9-CCB6-4F8D-B8DB-C2F3692CFA5A}" type="datetimeFigureOut">
               <a:rPr lang="en-US" smtClean="0"/>
-              <a:t>11/14/2023</a:t>
+              <a:t>12/8/2023</a:t>
             </a:fld>
             <a:endParaRPr lang="en-US"/>
           </a:p>
@@ -2276,7 +3721,7 @@
           <a:p>
             <a:fld id="{02AC24A9-CCB6-4F8D-B8DB-C2F3692CFA5A}" type="datetimeFigureOut">
               <a:rPr lang="en-US" smtClean="0"/>
-              <a:t>11/14/2023</a:t>
+              <a:t>12/8/2023</a:t>
             </a:fld>
             <a:endParaRPr lang="en-US"/>
           </a:p>
@@ -2730,7 +4175,7 @@
           <a:p>
             <a:fld id="{02AC24A9-CCB6-4F8D-B8DB-C2F3692CFA5A}" type="datetimeFigureOut">
               <a:rPr lang="en-US" smtClean="0"/>
-              <a:t>11/14/2023</a:t>
+              <a:t>12/8/2023</a:t>
             </a:fld>
             <a:endParaRPr lang="en-US"/>
           </a:p>
@@ -3262,7 +4707,7 @@
           <a:p>
             <a:fld id="{02AC24A9-CCB6-4F8D-B8DB-C2F3692CFA5A}" type="datetimeFigureOut">
               <a:rPr lang="en-US" smtClean="0"/>
-              <a:t>11/14/2023</a:t>
+              <a:t>12/8/2023</a:t>
             </a:fld>
             <a:endParaRPr lang="en-US"/>
           </a:p>
@@ -3961,7 +5406,7 @@
           <a:p>
             <a:fld id="{02AC24A9-CCB6-4F8D-B8DB-C2F3692CFA5A}" type="datetimeFigureOut">
               <a:rPr lang="en-US" smtClean="0"/>
-              <a:t>11/14/2023</a:t>
+              <a:t>12/8/2023</a:t>
             </a:fld>
             <a:endParaRPr lang="en-US"/>
           </a:p>
@@ -4290,7 +5735,7 @@
           <a:p>
             <a:fld id="{02AC24A9-CCB6-4F8D-B8DB-C2F3692CFA5A}" type="datetimeFigureOut">
               <a:rPr lang="en-US" smtClean="0"/>
-              <a:t>11/14/2023</a:t>
+              <a:t>12/8/2023</a:t>
             </a:fld>
             <a:endParaRPr lang="en-US"/>
           </a:p>
@@ -4403,7 +5848,7 @@
           <a:p>
             <a:fld id="{02AC24A9-CCB6-4F8D-B8DB-C2F3692CFA5A}" type="datetimeFigureOut">
               <a:rPr lang="en-US" smtClean="0"/>
-              <a:t>11/14/2023</a:t>
+              <a:t>12/8/2023</a:t>
             </a:fld>
             <a:endParaRPr lang="en-US"/>
           </a:p>
@@ -4898,7 +6343,7 @@
           <a:p>
             <a:fld id="{02AC24A9-CCB6-4F8D-B8DB-C2F3692CFA5A}" type="datetimeFigureOut">
               <a:rPr lang="en-US" smtClean="0"/>
-              <a:t>11/14/2023</a:t>
+              <a:t>12/8/2023</a:t>
             </a:fld>
             <a:endParaRPr lang="en-US" dirty="0"/>
           </a:p>
@@ -5375,7 +6820,7 @@
           <a:p>
             <a:fld id="{02AC24A9-CCB6-4F8D-B8DB-C2F3692CFA5A}" type="datetimeFigureOut">
               <a:rPr lang="en-US" smtClean="0"/>
-              <a:t>11/14/2023</a:t>
+              <a:t>12/8/2023</a:t>
             </a:fld>
             <a:endParaRPr lang="en-US"/>
           </a:p>
@@ -5618,7 +7063,7 @@
           <a:p>
             <a:fld id="{02AC24A9-CCB6-4F8D-B8DB-C2F3692CFA5A}" type="datetimeFigureOut">
               <a:rPr lang="en-US" smtClean="0"/>
-              <a:t>11/14/2023</a:t>
+              <a:t>12/8/2023</a:t>
             </a:fld>
             <a:endParaRPr lang="en-US"/>
           </a:p>
@@ -6541,6 +7986,2732 @@
 </p:sld>
 </file>
 
+<file path=ppt/slides/slide10.xml><?xml version="1.0" encoding="utf-8"?>
+<p:sld xmlns:a="http://schemas.openxmlformats.org/drawingml/2006/main" xmlns:r="http://schemas.openxmlformats.org/officeDocument/2006/relationships" xmlns:p="http://schemas.openxmlformats.org/presentationml/2006/main">
+  <p:cSld>
+    <p:spTree>
+      <p:nvGrpSpPr>
+        <p:cNvPr id="1" name=""/>
+        <p:cNvGrpSpPr/>
+        <p:nvPr/>
+      </p:nvGrpSpPr>
+      <p:grpSpPr>
+        <a:xfrm>
+          <a:off x="0" y="0"/>
+          <a:ext cx="0" cy="0"/>
+          <a:chOff x="0" y="0"/>
+          <a:chExt cx="0" cy="0"/>
+        </a:xfrm>
+      </p:grpSpPr>
+      <p:pic>
+        <p:nvPicPr>
+          <p:cNvPr id="11" name="Image 10">
+            <a:extLst>
+              <a:ext uri="{FF2B5EF4-FFF2-40B4-BE49-F238E27FC236}">
+                <a16:creationId xmlns:a16="http://schemas.microsoft.com/office/drawing/2014/main" id="{2E556784-711A-E9F9-1A80-7C66C03B35CC}"/>
+              </a:ext>
+            </a:extLst>
+          </p:cNvPr>
+          <p:cNvPicPr>
+            <a:picLocks noChangeAspect="1"/>
+          </p:cNvPicPr>
+          <p:nvPr/>
+        </p:nvPicPr>
+        <p:blipFill>
+          <a:blip r:embed="rId3"/>
+          <a:stretch>
+            <a:fillRect/>
+          </a:stretch>
+        </p:blipFill>
+        <p:spPr>
+          <a:xfrm>
+            <a:off x="4320479" y="3347977"/>
+            <a:ext cx="2409801" cy="3429000"/>
+          </a:xfrm>
+          <a:prstGeom prst="rect">
+            <a:avLst/>
+          </a:prstGeom>
+        </p:spPr>
+      </p:pic>
+      <p:sp>
+        <p:nvSpPr>
+          <p:cNvPr id="2" name="Titre 1">
+            <a:extLst>
+              <a:ext uri="{FF2B5EF4-FFF2-40B4-BE49-F238E27FC236}">
+                <a16:creationId xmlns:a16="http://schemas.microsoft.com/office/drawing/2014/main" id="{90162AE8-C1B0-5C56-8313-DEE494F38273}"/>
+              </a:ext>
+            </a:extLst>
+          </p:cNvPr>
+          <p:cNvSpPr>
+            <a:spLocks noGrp="1"/>
+          </p:cNvSpPr>
+          <p:nvPr>
+            <p:ph type="title"/>
+          </p:nvPr>
+        </p:nvSpPr>
+        <p:spPr/>
+        <p:txBody>
+          <a:bodyPr/>
+          <a:lstStyle/>
+          <a:p>
+            <a:r>
+              <a:rPr lang="fr-FR" dirty="0"/>
+              <a:t>M2 – Transmettre l’information</a:t>
+            </a:r>
+          </a:p>
+        </p:txBody>
+      </p:sp>
+      <p:pic>
+        <p:nvPicPr>
+          <p:cNvPr id="5" name="Image 4" descr="Une image contenant texte&#10;&#10;Description générée automatiquement">
+            <a:extLst>
+              <a:ext uri="{FF2B5EF4-FFF2-40B4-BE49-F238E27FC236}">
+                <a16:creationId xmlns:a16="http://schemas.microsoft.com/office/drawing/2014/main" id="{204ADC40-1D61-539F-22ED-6B21D67FBDE6}"/>
+              </a:ext>
+            </a:extLst>
+          </p:cNvPr>
+          <p:cNvPicPr>
+            <a:picLocks noChangeAspect="1"/>
+          </p:cNvPicPr>
+          <p:nvPr/>
+        </p:nvPicPr>
+        <p:blipFill>
+          <a:blip r:embed="rId4" cstate="print">
+            <a:extLst>
+              <a:ext uri="{28A0092B-C50C-407E-A947-70E740481C1C}">
+                <a14:useLocalDpi xmlns:a14="http://schemas.microsoft.com/office/drawing/2010/main" val="0"/>
+              </a:ext>
+            </a:extLst>
+          </a:blip>
+          <a:stretch>
+            <a:fillRect/>
+          </a:stretch>
+        </p:blipFill>
+        <p:spPr>
+          <a:xfrm>
+            <a:off x="202922" y="5934456"/>
+            <a:ext cx="1825291" cy="749808"/>
+          </a:xfrm>
+          <a:prstGeom prst="rect">
+            <a:avLst/>
+          </a:prstGeom>
+        </p:spPr>
+      </p:pic>
+      <p:sp>
+        <p:nvSpPr>
+          <p:cNvPr id="7" name="Espace réservé du contenu 6">
+            <a:extLst>
+              <a:ext uri="{FF2B5EF4-FFF2-40B4-BE49-F238E27FC236}">
+                <a16:creationId xmlns:a16="http://schemas.microsoft.com/office/drawing/2014/main" id="{74BC1505-3936-808A-3CEC-841FD2413D6F}"/>
+              </a:ext>
+            </a:extLst>
+          </p:cNvPr>
+          <p:cNvSpPr>
+            <a:spLocks noGrp="1"/>
+          </p:cNvSpPr>
+          <p:nvPr>
+            <p:ph sz="half" idx="1"/>
+          </p:nvPr>
+        </p:nvSpPr>
+        <p:spPr/>
+        <p:txBody>
+          <a:bodyPr/>
+          <a:lstStyle/>
+          <a:p>
+            <a:r>
+              <a:rPr lang="fr-FR" dirty="0"/>
+              <a:t>Photodiode</a:t>
+            </a:r>
+          </a:p>
+        </p:txBody>
+      </p:sp>
+      <p:pic>
+        <p:nvPicPr>
+          <p:cNvPr id="3" name="Image 2">
+            <a:extLst>
+              <a:ext uri="{FF2B5EF4-FFF2-40B4-BE49-F238E27FC236}">
+                <a16:creationId xmlns:a16="http://schemas.microsoft.com/office/drawing/2014/main" id="{AF133F89-1A5E-FFB8-5B20-C498DC6B9D83}"/>
+              </a:ext>
+            </a:extLst>
+          </p:cNvPr>
+          <p:cNvPicPr>
+            <a:picLocks noChangeAspect="1"/>
+          </p:cNvPicPr>
+          <p:nvPr/>
+        </p:nvPicPr>
+        <p:blipFill>
+          <a:blip r:embed="rId5"/>
+          <a:stretch>
+            <a:fillRect/>
+          </a:stretch>
+        </p:blipFill>
+        <p:spPr>
+          <a:xfrm>
+            <a:off x="9815504" y="269067"/>
+            <a:ext cx="1468192" cy="1459149"/>
+          </a:xfrm>
+          <a:prstGeom prst="rect">
+            <a:avLst/>
+          </a:prstGeom>
+        </p:spPr>
+      </p:pic>
+      <p:pic>
+        <p:nvPicPr>
+          <p:cNvPr id="6" name="Image 5">
+            <a:extLst>
+              <a:ext uri="{FF2B5EF4-FFF2-40B4-BE49-F238E27FC236}">
+                <a16:creationId xmlns:a16="http://schemas.microsoft.com/office/drawing/2014/main" id="{78E10509-43A0-741B-1359-2E9F0B96FCFC}"/>
+              </a:ext>
+            </a:extLst>
+          </p:cNvPr>
+          <p:cNvPicPr>
+            <a:picLocks noChangeAspect="1"/>
+          </p:cNvPicPr>
+          <p:nvPr/>
+        </p:nvPicPr>
+        <p:blipFill>
+          <a:blip r:embed="rId6"/>
+          <a:stretch>
+            <a:fillRect/>
+          </a:stretch>
+        </p:blipFill>
+        <p:spPr>
+          <a:xfrm>
+            <a:off x="6505983" y="2119908"/>
+            <a:ext cx="5228948" cy="1521288"/>
+          </a:xfrm>
+          <a:prstGeom prst="rect">
+            <a:avLst/>
+          </a:prstGeom>
+        </p:spPr>
+      </p:pic>
+      <p:pic>
+        <p:nvPicPr>
+          <p:cNvPr id="10" name="Image 9">
+            <a:extLst>
+              <a:ext uri="{FF2B5EF4-FFF2-40B4-BE49-F238E27FC236}">
+                <a16:creationId xmlns:a16="http://schemas.microsoft.com/office/drawing/2014/main" id="{2179D17C-B679-3753-30EE-98E093D5F713}"/>
+              </a:ext>
+            </a:extLst>
+          </p:cNvPr>
+          <p:cNvPicPr>
+            <a:picLocks noChangeAspect="1"/>
+          </p:cNvPicPr>
+          <p:nvPr/>
+        </p:nvPicPr>
+        <p:blipFill>
+          <a:blip r:embed="rId7"/>
+          <a:stretch>
+            <a:fillRect/>
+          </a:stretch>
+        </p:blipFill>
+        <p:spPr>
+          <a:xfrm>
+            <a:off x="1818269" y="3259836"/>
+            <a:ext cx="2266516" cy="3255264"/>
+          </a:xfrm>
+          <a:prstGeom prst="rect">
+            <a:avLst/>
+          </a:prstGeom>
+        </p:spPr>
+      </p:pic>
+      <p:pic>
+        <p:nvPicPr>
+          <p:cNvPr id="4" name="Image 3">
+            <a:extLst>
+              <a:ext uri="{FF2B5EF4-FFF2-40B4-BE49-F238E27FC236}">
+                <a16:creationId xmlns:a16="http://schemas.microsoft.com/office/drawing/2014/main" id="{8EF3C24D-DBB7-A308-7AEC-0992280CD9CB}"/>
+              </a:ext>
+            </a:extLst>
+          </p:cNvPr>
+          <p:cNvPicPr>
+            <a:picLocks noChangeAspect="1"/>
+          </p:cNvPicPr>
+          <p:nvPr/>
+        </p:nvPicPr>
+        <p:blipFill>
+          <a:blip r:embed="rId8"/>
+          <a:stretch>
+            <a:fillRect/>
+          </a:stretch>
+        </p:blipFill>
+        <p:spPr>
+          <a:xfrm>
+            <a:off x="7260472" y="3867445"/>
+            <a:ext cx="4275231" cy="2909532"/>
+          </a:xfrm>
+          <a:prstGeom prst="rect">
+            <a:avLst/>
+          </a:prstGeom>
+        </p:spPr>
+      </p:pic>
+    </p:spTree>
+    <p:extLst>
+      <p:ext uri="{BB962C8B-B14F-4D97-AF65-F5344CB8AC3E}">
+        <p14:creationId xmlns:p14="http://schemas.microsoft.com/office/powerpoint/2010/main" val="1874760642"/>
+      </p:ext>
+    </p:extLst>
+  </p:cSld>
+  <p:clrMapOvr>
+    <a:masterClrMapping/>
+  </p:clrMapOvr>
+</p:sld>
+</file>
+
+<file path=ppt/slides/slide11.xml><?xml version="1.0" encoding="utf-8"?>
+<p:sld xmlns:a="http://schemas.openxmlformats.org/drawingml/2006/main" xmlns:r="http://schemas.openxmlformats.org/officeDocument/2006/relationships" xmlns:p="http://schemas.openxmlformats.org/presentationml/2006/main">
+  <p:cSld>
+    <p:spTree>
+      <p:nvGrpSpPr>
+        <p:cNvPr id="1" name=""/>
+        <p:cNvGrpSpPr/>
+        <p:nvPr/>
+      </p:nvGrpSpPr>
+      <p:grpSpPr>
+        <a:xfrm>
+          <a:off x="0" y="0"/>
+          <a:ext cx="0" cy="0"/>
+          <a:chOff x="0" y="0"/>
+          <a:chExt cx="0" cy="0"/>
+        </a:xfrm>
+      </p:grpSpPr>
+      <p:sp>
+        <p:nvSpPr>
+          <p:cNvPr id="2" name="Titre 1">
+            <a:extLst>
+              <a:ext uri="{FF2B5EF4-FFF2-40B4-BE49-F238E27FC236}">
+                <a16:creationId xmlns:a16="http://schemas.microsoft.com/office/drawing/2014/main" id="{90162AE8-C1B0-5C56-8313-DEE494F38273}"/>
+              </a:ext>
+            </a:extLst>
+          </p:cNvPr>
+          <p:cNvSpPr>
+            <a:spLocks noGrp="1"/>
+          </p:cNvSpPr>
+          <p:nvPr>
+            <p:ph type="title"/>
+          </p:nvPr>
+        </p:nvSpPr>
+        <p:spPr/>
+        <p:txBody>
+          <a:bodyPr/>
+          <a:lstStyle/>
+          <a:p>
+            <a:r>
+              <a:rPr lang="fr-FR" dirty="0"/>
+              <a:t>M2 – Transmettre l’information</a:t>
+            </a:r>
+          </a:p>
+        </p:txBody>
+      </p:sp>
+      <p:pic>
+        <p:nvPicPr>
+          <p:cNvPr id="5" name="Image 4" descr="Une image contenant texte&#10;&#10;Description générée automatiquement">
+            <a:extLst>
+              <a:ext uri="{FF2B5EF4-FFF2-40B4-BE49-F238E27FC236}">
+                <a16:creationId xmlns:a16="http://schemas.microsoft.com/office/drawing/2014/main" id="{204ADC40-1D61-539F-22ED-6B21D67FBDE6}"/>
+              </a:ext>
+            </a:extLst>
+          </p:cNvPr>
+          <p:cNvPicPr>
+            <a:picLocks noChangeAspect="1"/>
+          </p:cNvPicPr>
+          <p:nvPr/>
+        </p:nvPicPr>
+        <p:blipFill>
+          <a:blip r:embed="rId3" cstate="print">
+            <a:extLst>
+              <a:ext uri="{28A0092B-C50C-407E-A947-70E740481C1C}">
+                <a14:useLocalDpi xmlns:a14="http://schemas.microsoft.com/office/drawing/2010/main" val="0"/>
+              </a:ext>
+            </a:extLst>
+          </a:blip>
+          <a:stretch>
+            <a:fillRect/>
+          </a:stretch>
+        </p:blipFill>
+        <p:spPr>
+          <a:xfrm>
+            <a:off x="202922" y="5934456"/>
+            <a:ext cx="1825291" cy="749808"/>
+          </a:xfrm>
+          <a:prstGeom prst="rect">
+            <a:avLst/>
+          </a:prstGeom>
+        </p:spPr>
+      </p:pic>
+      <p:sp>
+        <p:nvSpPr>
+          <p:cNvPr id="7" name="Espace réservé du contenu 6">
+            <a:extLst>
+              <a:ext uri="{FF2B5EF4-FFF2-40B4-BE49-F238E27FC236}">
+                <a16:creationId xmlns:a16="http://schemas.microsoft.com/office/drawing/2014/main" id="{74BC1505-3936-808A-3CEC-841FD2413D6F}"/>
+              </a:ext>
+            </a:extLst>
+          </p:cNvPr>
+          <p:cNvSpPr>
+            <a:spLocks noGrp="1"/>
+          </p:cNvSpPr>
+          <p:nvPr>
+            <p:ph sz="half" idx="1"/>
+          </p:nvPr>
+        </p:nvSpPr>
+        <p:spPr/>
+        <p:txBody>
+          <a:bodyPr/>
+          <a:lstStyle/>
+          <a:p>
+            <a:r>
+              <a:rPr lang="fr-FR" dirty="0"/>
+              <a:t>Récepteur simple</a:t>
+            </a:r>
+          </a:p>
+        </p:txBody>
+      </p:sp>
+      <p:pic>
+        <p:nvPicPr>
+          <p:cNvPr id="3" name="Image 2">
+            <a:extLst>
+              <a:ext uri="{FF2B5EF4-FFF2-40B4-BE49-F238E27FC236}">
+                <a16:creationId xmlns:a16="http://schemas.microsoft.com/office/drawing/2014/main" id="{AF133F89-1A5E-FFB8-5B20-C498DC6B9D83}"/>
+              </a:ext>
+            </a:extLst>
+          </p:cNvPr>
+          <p:cNvPicPr>
+            <a:picLocks noChangeAspect="1"/>
+          </p:cNvPicPr>
+          <p:nvPr/>
+        </p:nvPicPr>
+        <p:blipFill>
+          <a:blip r:embed="rId4"/>
+          <a:stretch>
+            <a:fillRect/>
+          </a:stretch>
+        </p:blipFill>
+        <p:spPr>
+          <a:xfrm>
+            <a:off x="9815504" y="269067"/>
+            <a:ext cx="1468192" cy="1459149"/>
+          </a:xfrm>
+          <a:prstGeom prst="rect">
+            <a:avLst/>
+          </a:prstGeom>
+        </p:spPr>
+      </p:pic>
+      <p:pic>
+        <p:nvPicPr>
+          <p:cNvPr id="8" name="Image 7">
+            <a:extLst>
+              <a:ext uri="{FF2B5EF4-FFF2-40B4-BE49-F238E27FC236}">
+                <a16:creationId xmlns:a16="http://schemas.microsoft.com/office/drawing/2014/main" id="{7D3FD0C3-C8AA-697D-F9EF-E4CF89DB0D20}"/>
+              </a:ext>
+            </a:extLst>
+          </p:cNvPr>
+          <p:cNvPicPr>
+            <a:picLocks noChangeAspect="1"/>
+          </p:cNvPicPr>
+          <p:nvPr/>
+        </p:nvPicPr>
+        <p:blipFill>
+          <a:blip r:embed="rId5"/>
+          <a:stretch>
+            <a:fillRect/>
+          </a:stretch>
+        </p:blipFill>
+        <p:spPr>
+          <a:xfrm>
+            <a:off x="1793899" y="3210306"/>
+            <a:ext cx="5172075" cy="2724150"/>
+          </a:xfrm>
+          <a:prstGeom prst="rect">
+            <a:avLst/>
+          </a:prstGeom>
+        </p:spPr>
+      </p:pic>
+      <p:pic>
+        <p:nvPicPr>
+          <p:cNvPr id="12" name="Image 11">
+            <a:extLst>
+              <a:ext uri="{FF2B5EF4-FFF2-40B4-BE49-F238E27FC236}">
+                <a16:creationId xmlns:a16="http://schemas.microsoft.com/office/drawing/2014/main" id="{5BF02175-7007-38BE-D59E-1925EE078FA0}"/>
+              </a:ext>
+            </a:extLst>
+          </p:cNvPr>
+          <p:cNvPicPr>
+            <a:picLocks noChangeAspect="1"/>
+          </p:cNvPicPr>
+          <p:nvPr/>
+        </p:nvPicPr>
+        <p:blipFill>
+          <a:blip r:embed="rId6"/>
+          <a:stretch>
+            <a:fillRect/>
+          </a:stretch>
+        </p:blipFill>
+        <p:spPr>
+          <a:xfrm>
+            <a:off x="7117147" y="4095235"/>
+            <a:ext cx="4326927" cy="2333265"/>
+          </a:xfrm>
+          <a:prstGeom prst="rect">
+            <a:avLst/>
+          </a:prstGeom>
+        </p:spPr>
+      </p:pic>
+    </p:spTree>
+    <p:extLst>
+      <p:ext uri="{BB962C8B-B14F-4D97-AF65-F5344CB8AC3E}">
+        <p14:creationId xmlns:p14="http://schemas.microsoft.com/office/powerpoint/2010/main" val="3867453624"/>
+      </p:ext>
+    </p:extLst>
+  </p:cSld>
+  <p:clrMapOvr>
+    <a:masterClrMapping/>
+  </p:clrMapOvr>
+</p:sld>
+</file>
+
+<file path=ppt/slides/slide12.xml><?xml version="1.0" encoding="utf-8"?>
+<p:sld xmlns:a="http://schemas.openxmlformats.org/drawingml/2006/main" xmlns:r="http://schemas.openxmlformats.org/officeDocument/2006/relationships" xmlns:p="http://schemas.openxmlformats.org/presentationml/2006/main">
+  <p:cSld>
+    <p:spTree>
+      <p:nvGrpSpPr>
+        <p:cNvPr id="1" name=""/>
+        <p:cNvGrpSpPr/>
+        <p:nvPr/>
+      </p:nvGrpSpPr>
+      <p:grpSpPr>
+        <a:xfrm>
+          <a:off x="0" y="0"/>
+          <a:ext cx="0" cy="0"/>
+          <a:chOff x="0" y="0"/>
+          <a:chExt cx="0" cy="0"/>
+        </a:xfrm>
+      </p:grpSpPr>
+      <p:sp>
+        <p:nvSpPr>
+          <p:cNvPr id="2" name="Titre 1">
+            <a:extLst>
+              <a:ext uri="{FF2B5EF4-FFF2-40B4-BE49-F238E27FC236}">
+                <a16:creationId xmlns:a16="http://schemas.microsoft.com/office/drawing/2014/main" id="{90162AE8-C1B0-5C56-8313-DEE494F38273}"/>
+              </a:ext>
+            </a:extLst>
+          </p:cNvPr>
+          <p:cNvSpPr>
+            <a:spLocks noGrp="1"/>
+          </p:cNvSpPr>
+          <p:nvPr>
+            <p:ph type="title"/>
+          </p:nvPr>
+        </p:nvSpPr>
+        <p:spPr/>
+        <p:txBody>
+          <a:bodyPr/>
+          <a:lstStyle/>
+          <a:p>
+            <a:r>
+              <a:rPr lang="fr-FR" dirty="0"/>
+              <a:t>M2 – Transmettre l’information</a:t>
+            </a:r>
+          </a:p>
+        </p:txBody>
+      </p:sp>
+      <p:pic>
+        <p:nvPicPr>
+          <p:cNvPr id="5" name="Image 4" descr="Une image contenant texte&#10;&#10;Description générée automatiquement">
+            <a:extLst>
+              <a:ext uri="{FF2B5EF4-FFF2-40B4-BE49-F238E27FC236}">
+                <a16:creationId xmlns:a16="http://schemas.microsoft.com/office/drawing/2014/main" id="{204ADC40-1D61-539F-22ED-6B21D67FBDE6}"/>
+              </a:ext>
+            </a:extLst>
+          </p:cNvPr>
+          <p:cNvPicPr>
+            <a:picLocks noChangeAspect="1"/>
+          </p:cNvPicPr>
+          <p:nvPr/>
+        </p:nvPicPr>
+        <p:blipFill>
+          <a:blip r:embed="rId3" cstate="print">
+            <a:extLst>
+              <a:ext uri="{28A0092B-C50C-407E-A947-70E740481C1C}">
+                <a14:useLocalDpi xmlns:a14="http://schemas.microsoft.com/office/drawing/2010/main" val="0"/>
+              </a:ext>
+            </a:extLst>
+          </a:blip>
+          <a:stretch>
+            <a:fillRect/>
+          </a:stretch>
+        </p:blipFill>
+        <p:spPr>
+          <a:xfrm>
+            <a:off x="202922" y="5934456"/>
+            <a:ext cx="1825291" cy="749808"/>
+          </a:xfrm>
+          <a:prstGeom prst="rect">
+            <a:avLst/>
+          </a:prstGeom>
+        </p:spPr>
+      </p:pic>
+      <p:sp>
+        <p:nvSpPr>
+          <p:cNvPr id="7" name="Espace réservé du contenu 6">
+            <a:extLst>
+              <a:ext uri="{FF2B5EF4-FFF2-40B4-BE49-F238E27FC236}">
+                <a16:creationId xmlns:a16="http://schemas.microsoft.com/office/drawing/2014/main" id="{74BC1505-3936-808A-3CEC-841FD2413D6F}"/>
+              </a:ext>
+            </a:extLst>
+          </p:cNvPr>
+          <p:cNvSpPr>
+            <a:spLocks noGrp="1"/>
+          </p:cNvSpPr>
+          <p:nvPr>
+            <p:ph sz="half" idx="1"/>
+          </p:nvPr>
+        </p:nvSpPr>
+        <p:spPr/>
+        <p:txBody>
+          <a:bodyPr/>
+          <a:lstStyle/>
+          <a:p>
+            <a:r>
+              <a:rPr lang="fr-FR" dirty="0"/>
+              <a:t>Récepteur simple</a:t>
+            </a:r>
+          </a:p>
+        </p:txBody>
+      </p:sp>
+      <p:pic>
+        <p:nvPicPr>
+          <p:cNvPr id="3" name="Image 2">
+            <a:extLst>
+              <a:ext uri="{FF2B5EF4-FFF2-40B4-BE49-F238E27FC236}">
+                <a16:creationId xmlns:a16="http://schemas.microsoft.com/office/drawing/2014/main" id="{AF133F89-1A5E-FFB8-5B20-C498DC6B9D83}"/>
+              </a:ext>
+            </a:extLst>
+          </p:cNvPr>
+          <p:cNvPicPr>
+            <a:picLocks noChangeAspect="1"/>
+          </p:cNvPicPr>
+          <p:nvPr/>
+        </p:nvPicPr>
+        <p:blipFill>
+          <a:blip r:embed="rId4"/>
+          <a:stretch>
+            <a:fillRect/>
+          </a:stretch>
+        </p:blipFill>
+        <p:spPr>
+          <a:xfrm>
+            <a:off x="9815504" y="269067"/>
+            <a:ext cx="1468192" cy="1459149"/>
+          </a:xfrm>
+          <a:prstGeom prst="rect">
+            <a:avLst/>
+          </a:prstGeom>
+        </p:spPr>
+      </p:pic>
+      <p:pic>
+        <p:nvPicPr>
+          <p:cNvPr id="9" name="Image 8">
+            <a:extLst>
+              <a:ext uri="{FF2B5EF4-FFF2-40B4-BE49-F238E27FC236}">
+                <a16:creationId xmlns:a16="http://schemas.microsoft.com/office/drawing/2014/main" id="{DA64CDAA-15AF-9397-3857-4DA7B2638CC3}"/>
+              </a:ext>
+            </a:extLst>
+          </p:cNvPr>
+          <p:cNvPicPr>
+            <a:picLocks noChangeAspect="1"/>
+          </p:cNvPicPr>
+          <p:nvPr/>
+        </p:nvPicPr>
+        <p:blipFill>
+          <a:blip r:embed="rId5"/>
+          <a:stretch>
+            <a:fillRect/>
+          </a:stretch>
+        </p:blipFill>
+        <p:spPr>
+          <a:xfrm>
+            <a:off x="7117147" y="4095235"/>
+            <a:ext cx="4326927" cy="2333265"/>
+          </a:xfrm>
+          <a:prstGeom prst="rect">
+            <a:avLst/>
+          </a:prstGeom>
+        </p:spPr>
+      </p:pic>
+      <p:pic>
+        <p:nvPicPr>
+          <p:cNvPr id="4" name="Image 3">
+            <a:extLst>
+              <a:ext uri="{FF2B5EF4-FFF2-40B4-BE49-F238E27FC236}">
+                <a16:creationId xmlns:a16="http://schemas.microsoft.com/office/drawing/2014/main" id="{AD6F5FCE-563E-1680-82F1-9D9A222328F0}"/>
+              </a:ext>
+            </a:extLst>
+          </p:cNvPr>
+          <p:cNvPicPr>
+            <a:picLocks noChangeAspect="1"/>
+          </p:cNvPicPr>
+          <p:nvPr/>
+        </p:nvPicPr>
+        <p:blipFill>
+          <a:blip r:embed="rId6"/>
+          <a:stretch>
+            <a:fillRect/>
+          </a:stretch>
+        </p:blipFill>
+        <p:spPr>
+          <a:xfrm>
+            <a:off x="1984660" y="3143631"/>
+            <a:ext cx="2886075" cy="2790825"/>
+          </a:xfrm>
+          <a:prstGeom prst="rect">
+            <a:avLst/>
+          </a:prstGeom>
+        </p:spPr>
+      </p:pic>
+      <p:pic>
+        <p:nvPicPr>
+          <p:cNvPr id="6" name="Image 5">
+            <a:extLst>
+              <a:ext uri="{FF2B5EF4-FFF2-40B4-BE49-F238E27FC236}">
+                <a16:creationId xmlns:a16="http://schemas.microsoft.com/office/drawing/2014/main" id="{D080E981-3898-A619-3F9C-46AB361A4437}"/>
+              </a:ext>
+            </a:extLst>
+          </p:cNvPr>
+          <p:cNvPicPr>
+            <a:picLocks noChangeAspect="1"/>
+          </p:cNvPicPr>
+          <p:nvPr/>
+        </p:nvPicPr>
+        <p:blipFill>
+          <a:blip r:embed="rId7"/>
+          <a:stretch>
+            <a:fillRect/>
+          </a:stretch>
+        </p:blipFill>
+        <p:spPr>
+          <a:xfrm>
+            <a:off x="7683178" y="2762765"/>
+            <a:ext cx="2762250" cy="809625"/>
+          </a:xfrm>
+          <a:prstGeom prst="rect">
+            <a:avLst/>
+          </a:prstGeom>
+        </p:spPr>
+      </p:pic>
+    </p:spTree>
+    <p:extLst>
+      <p:ext uri="{BB962C8B-B14F-4D97-AF65-F5344CB8AC3E}">
+        <p14:creationId xmlns:p14="http://schemas.microsoft.com/office/powerpoint/2010/main" val="2241291941"/>
+      </p:ext>
+    </p:extLst>
+  </p:cSld>
+  <p:clrMapOvr>
+    <a:masterClrMapping/>
+  </p:clrMapOvr>
+</p:sld>
+</file>
+
+<file path=ppt/slides/slide13.xml><?xml version="1.0" encoding="utf-8"?>
+<p:sld xmlns:a="http://schemas.openxmlformats.org/drawingml/2006/main" xmlns:r="http://schemas.openxmlformats.org/officeDocument/2006/relationships" xmlns:p="http://schemas.openxmlformats.org/presentationml/2006/main">
+  <p:cSld>
+    <p:spTree>
+      <p:nvGrpSpPr>
+        <p:cNvPr id="1" name=""/>
+        <p:cNvGrpSpPr/>
+        <p:nvPr/>
+      </p:nvGrpSpPr>
+      <p:grpSpPr>
+        <a:xfrm>
+          <a:off x="0" y="0"/>
+          <a:ext cx="0" cy="0"/>
+          <a:chOff x="0" y="0"/>
+          <a:chExt cx="0" cy="0"/>
+        </a:xfrm>
+      </p:grpSpPr>
+      <p:sp>
+        <p:nvSpPr>
+          <p:cNvPr id="2" name="Titre 1">
+            <a:extLst>
+              <a:ext uri="{FF2B5EF4-FFF2-40B4-BE49-F238E27FC236}">
+                <a16:creationId xmlns:a16="http://schemas.microsoft.com/office/drawing/2014/main" id="{90162AE8-C1B0-5C56-8313-DEE494F38273}"/>
+              </a:ext>
+            </a:extLst>
+          </p:cNvPr>
+          <p:cNvSpPr>
+            <a:spLocks noGrp="1"/>
+          </p:cNvSpPr>
+          <p:nvPr>
+            <p:ph type="title"/>
+          </p:nvPr>
+        </p:nvSpPr>
+        <p:spPr/>
+        <p:txBody>
+          <a:bodyPr/>
+          <a:lstStyle/>
+          <a:p>
+            <a:r>
+              <a:rPr lang="fr-FR" dirty="0"/>
+              <a:t>M2 – Transmettre l’information</a:t>
+            </a:r>
+          </a:p>
+        </p:txBody>
+      </p:sp>
+      <p:pic>
+        <p:nvPicPr>
+          <p:cNvPr id="5" name="Image 4" descr="Une image contenant texte&#10;&#10;Description générée automatiquement">
+            <a:extLst>
+              <a:ext uri="{FF2B5EF4-FFF2-40B4-BE49-F238E27FC236}">
+                <a16:creationId xmlns:a16="http://schemas.microsoft.com/office/drawing/2014/main" id="{204ADC40-1D61-539F-22ED-6B21D67FBDE6}"/>
+              </a:ext>
+            </a:extLst>
+          </p:cNvPr>
+          <p:cNvPicPr>
+            <a:picLocks noChangeAspect="1"/>
+          </p:cNvPicPr>
+          <p:nvPr/>
+        </p:nvPicPr>
+        <p:blipFill>
+          <a:blip r:embed="rId3" cstate="print">
+            <a:extLst>
+              <a:ext uri="{28A0092B-C50C-407E-A947-70E740481C1C}">
+                <a14:useLocalDpi xmlns:a14="http://schemas.microsoft.com/office/drawing/2010/main" val="0"/>
+              </a:ext>
+            </a:extLst>
+          </a:blip>
+          <a:stretch>
+            <a:fillRect/>
+          </a:stretch>
+        </p:blipFill>
+        <p:spPr>
+          <a:xfrm>
+            <a:off x="202922" y="5934456"/>
+            <a:ext cx="1825291" cy="749808"/>
+          </a:xfrm>
+          <a:prstGeom prst="rect">
+            <a:avLst/>
+          </a:prstGeom>
+        </p:spPr>
+      </p:pic>
+      <p:sp>
+        <p:nvSpPr>
+          <p:cNvPr id="7" name="Espace réservé du contenu 6">
+            <a:extLst>
+              <a:ext uri="{FF2B5EF4-FFF2-40B4-BE49-F238E27FC236}">
+                <a16:creationId xmlns:a16="http://schemas.microsoft.com/office/drawing/2014/main" id="{74BC1505-3936-808A-3CEC-841FD2413D6F}"/>
+              </a:ext>
+            </a:extLst>
+          </p:cNvPr>
+          <p:cNvSpPr>
+            <a:spLocks noGrp="1"/>
+          </p:cNvSpPr>
+          <p:nvPr>
+            <p:ph sz="half" idx="1"/>
+          </p:nvPr>
+        </p:nvSpPr>
+        <p:spPr/>
+        <p:txBody>
+          <a:bodyPr/>
+          <a:lstStyle/>
+          <a:p>
+            <a:r>
+              <a:rPr lang="fr-FR" dirty="0"/>
+              <a:t>Récepteur simple</a:t>
+            </a:r>
+          </a:p>
+        </p:txBody>
+      </p:sp>
+      <p:pic>
+        <p:nvPicPr>
+          <p:cNvPr id="3" name="Image 2">
+            <a:extLst>
+              <a:ext uri="{FF2B5EF4-FFF2-40B4-BE49-F238E27FC236}">
+                <a16:creationId xmlns:a16="http://schemas.microsoft.com/office/drawing/2014/main" id="{AF133F89-1A5E-FFB8-5B20-C498DC6B9D83}"/>
+              </a:ext>
+            </a:extLst>
+          </p:cNvPr>
+          <p:cNvPicPr>
+            <a:picLocks noChangeAspect="1"/>
+          </p:cNvPicPr>
+          <p:nvPr/>
+        </p:nvPicPr>
+        <p:blipFill>
+          <a:blip r:embed="rId4"/>
+          <a:stretch>
+            <a:fillRect/>
+          </a:stretch>
+        </p:blipFill>
+        <p:spPr>
+          <a:xfrm>
+            <a:off x="9815504" y="269067"/>
+            <a:ext cx="1468192" cy="1459149"/>
+          </a:xfrm>
+          <a:prstGeom prst="rect">
+            <a:avLst/>
+          </a:prstGeom>
+        </p:spPr>
+      </p:pic>
+      <p:pic>
+        <p:nvPicPr>
+          <p:cNvPr id="4" name="Image 3">
+            <a:extLst>
+              <a:ext uri="{FF2B5EF4-FFF2-40B4-BE49-F238E27FC236}">
+                <a16:creationId xmlns:a16="http://schemas.microsoft.com/office/drawing/2014/main" id="{AD6F5FCE-563E-1680-82F1-9D9A222328F0}"/>
+              </a:ext>
+            </a:extLst>
+          </p:cNvPr>
+          <p:cNvPicPr>
+            <a:picLocks noChangeAspect="1"/>
+          </p:cNvPicPr>
+          <p:nvPr/>
+        </p:nvPicPr>
+        <p:blipFill>
+          <a:blip r:embed="rId5"/>
+          <a:stretch>
+            <a:fillRect/>
+          </a:stretch>
+        </p:blipFill>
+        <p:spPr>
+          <a:xfrm>
+            <a:off x="1984660" y="3143631"/>
+            <a:ext cx="2886075" cy="2790825"/>
+          </a:xfrm>
+          <a:prstGeom prst="rect">
+            <a:avLst/>
+          </a:prstGeom>
+        </p:spPr>
+      </p:pic>
+      <p:pic>
+        <p:nvPicPr>
+          <p:cNvPr id="6" name="Image 5">
+            <a:extLst>
+              <a:ext uri="{FF2B5EF4-FFF2-40B4-BE49-F238E27FC236}">
+                <a16:creationId xmlns:a16="http://schemas.microsoft.com/office/drawing/2014/main" id="{D080E981-3898-A619-3F9C-46AB361A4437}"/>
+              </a:ext>
+            </a:extLst>
+          </p:cNvPr>
+          <p:cNvPicPr>
+            <a:picLocks noChangeAspect="1"/>
+          </p:cNvPicPr>
+          <p:nvPr/>
+        </p:nvPicPr>
+        <p:blipFill>
+          <a:blip r:embed="rId6"/>
+          <a:stretch>
+            <a:fillRect/>
+          </a:stretch>
+        </p:blipFill>
+        <p:spPr>
+          <a:xfrm>
+            <a:off x="7683178" y="2762765"/>
+            <a:ext cx="2762250" cy="809625"/>
+          </a:xfrm>
+          <a:prstGeom prst="rect">
+            <a:avLst/>
+          </a:prstGeom>
+        </p:spPr>
+      </p:pic>
+      <p:pic>
+        <p:nvPicPr>
+          <p:cNvPr id="8" name="Image 7">
+            <a:extLst>
+              <a:ext uri="{FF2B5EF4-FFF2-40B4-BE49-F238E27FC236}">
+                <a16:creationId xmlns:a16="http://schemas.microsoft.com/office/drawing/2014/main" id="{C13FD235-0104-8620-F5DD-079ADC7E806F}"/>
+              </a:ext>
+            </a:extLst>
+          </p:cNvPr>
+          <p:cNvPicPr>
+            <a:picLocks noChangeAspect="1"/>
+          </p:cNvPicPr>
+          <p:nvPr/>
+        </p:nvPicPr>
+        <p:blipFill>
+          <a:blip r:embed="rId7"/>
+          <a:stretch>
+            <a:fillRect/>
+          </a:stretch>
+        </p:blipFill>
+        <p:spPr>
+          <a:xfrm>
+            <a:off x="6537762" y="4325112"/>
+            <a:ext cx="3669578" cy="1721995"/>
+          </a:xfrm>
+          <a:prstGeom prst="rect">
+            <a:avLst/>
+          </a:prstGeom>
+        </p:spPr>
+      </p:pic>
+    </p:spTree>
+    <p:extLst>
+      <p:ext uri="{BB962C8B-B14F-4D97-AF65-F5344CB8AC3E}">
+        <p14:creationId xmlns:p14="http://schemas.microsoft.com/office/powerpoint/2010/main" val="2188793188"/>
+      </p:ext>
+    </p:extLst>
+  </p:cSld>
+  <p:clrMapOvr>
+    <a:masterClrMapping/>
+  </p:clrMapOvr>
+</p:sld>
+</file>
+
+<file path=ppt/slides/slide14.xml><?xml version="1.0" encoding="utf-8"?>
+<p:sld xmlns:a="http://schemas.openxmlformats.org/drawingml/2006/main" xmlns:r="http://schemas.openxmlformats.org/officeDocument/2006/relationships" xmlns:p="http://schemas.openxmlformats.org/presentationml/2006/main">
+  <p:cSld>
+    <p:spTree>
+      <p:nvGrpSpPr>
+        <p:cNvPr id="1" name=""/>
+        <p:cNvGrpSpPr/>
+        <p:nvPr/>
+      </p:nvGrpSpPr>
+      <p:grpSpPr>
+        <a:xfrm>
+          <a:off x="0" y="0"/>
+          <a:ext cx="0" cy="0"/>
+          <a:chOff x="0" y="0"/>
+          <a:chExt cx="0" cy="0"/>
+        </a:xfrm>
+      </p:grpSpPr>
+      <p:sp>
+        <p:nvSpPr>
+          <p:cNvPr id="2" name="Titre 1">
+            <a:extLst>
+              <a:ext uri="{FF2B5EF4-FFF2-40B4-BE49-F238E27FC236}">
+                <a16:creationId xmlns:a16="http://schemas.microsoft.com/office/drawing/2014/main" id="{90162AE8-C1B0-5C56-8313-DEE494F38273}"/>
+              </a:ext>
+            </a:extLst>
+          </p:cNvPr>
+          <p:cNvSpPr>
+            <a:spLocks noGrp="1"/>
+          </p:cNvSpPr>
+          <p:nvPr>
+            <p:ph type="title"/>
+          </p:nvPr>
+        </p:nvSpPr>
+        <p:spPr/>
+        <p:txBody>
+          <a:bodyPr/>
+          <a:lstStyle/>
+          <a:p>
+            <a:r>
+              <a:rPr lang="fr-FR" dirty="0"/>
+              <a:t>M2 – Transmettre l’information</a:t>
+            </a:r>
+          </a:p>
+        </p:txBody>
+      </p:sp>
+      <p:pic>
+        <p:nvPicPr>
+          <p:cNvPr id="5" name="Image 4" descr="Une image contenant texte&#10;&#10;Description générée automatiquement">
+            <a:extLst>
+              <a:ext uri="{FF2B5EF4-FFF2-40B4-BE49-F238E27FC236}">
+                <a16:creationId xmlns:a16="http://schemas.microsoft.com/office/drawing/2014/main" id="{204ADC40-1D61-539F-22ED-6B21D67FBDE6}"/>
+              </a:ext>
+            </a:extLst>
+          </p:cNvPr>
+          <p:cNvPicPr>
+            <a:picLocks noChangeAspect="1"/>
+          </p:cNvPicPr>
+          <p:nvPr/>
+        </p:nvPicPr>
+        <p:blipFill>
+          <a:blip r:embed="rId3" cstate="print">
+            <a:extLst>
+              <a:ext uri="{28A0092B-C50C-407E-A947-70E740481C1C}">
+                <a14:useLocalDpi xmlns:a14="http://schemas.microsoft.com/office/drawing/2010/main" val="0"/>
+              </a:ext>
+            </a:extLst>
+          </a:blip>
+          <a:stretch>
+            <a:fillRect/>
+          </a:stretch>
+        </p:blipFill>
+        <p:spPr>
+          <a:xfrm>
+            <a:off x="202922" y="5934456"/>
+            <a:ext cx="1825291" cy="749808"/>
+          </a:xfrm>
+          <a:prstGeom prst="rect">
+            <a:avLst/>
+          </a:prstGeom>
+        </p:spPr>
+      </p:pic>
+      <p:sp>
+        <p:nvSpPr>
+          <p:cNvPr id="7" name="Espace réservé du contenu 6">
+            <a:extLst>
+              <a:ext uri="{FF2B5EF4-FFF2-40B4-BE49-F238E27FC236}">
+                <a16:creationId xmlns:a16="http://schemas.microsoft.com/office/drawing/2014/main" id="{74BC1505-3936-808A-3CEC-841FD2413D6F}"/>
+              </a:ext>
+            </a:extLst>
+          </p:cNvPr>
+          <p:cNvSpPr>
+            <a:spLocks noGrp="1"/>
+          </p:cNvSpPr>
+          <p:nvPr>
+            <p:ph sz="half" idx="1"/>
+          </p:nvPr>
+        </p:nvSpPr>
+        <p:spPr/>
+        <p:txBody>
+          <a:bodyPr/>
+          <a:lstStyle/>
+          <a:p>
+            <a:r>
+              <a:rPr lang="fr-FR" dirty="0"/>
+              <a:t>Récepteur simple</a:t>
+            </a:r>
+          </a:p>
+        </p:txBody>
+      </p:sp>
+      <p:pic>
+        <p:nvPicPr>
+          <p:cNvPr id="3" name="Image 2">
+            <a:extLst>
+              <a:ext uri="{FF2B5EF4-FFF2-40B4-BE49-F238E27FC236}">
+                <a16:creationId xmlns:a16="http://schemas.microsoft.com/office/drawing/2014/main" id="{AF133F89-1A5E-FFB8-5B20-C498DC6B9D83}"/>
+              </a:ext>
+            </a:extLst>
+          </p:cNvPr>
+          <p:cNvPicPr>
+            <a:picLocks noChangeAspect="1"/>
+          </p:cNvPicPr>
+          <p:nvPr/>
+        </p:nvPicPr>
+        <p:blipFill>
+          <a:blip r:embed="rId4"/>
+          <a:stretch>
+            <a:fillRect/>
+          </a:stretch>
+        </p:blipFill>
+        <p:spPr>
+          <a:xfrm>
+            <a:off x="9815504" y="269067"/>
+            <a:ext cx="1468192" cy="1459149"/>
+          </a:xfrm>
+          <a:prstGeom prst="rect">
+            <a:avLst/>
+          </a:prstGeom>
+        </p:spPr>
+      </p:pic>
+      <p:pic>
+        <p:nvPicPr>
+          <p:cNvPr id="4" name="Image 3">
+            <a:extLst>
+              <a:ext uri="{FF2B5EF4-FFF2-40B4-BE49-F238E27FC236}">
+                <a16:creationId xmlns:a16="http://schemas.microsoft.com/office/drawing/2014/main" id="{AD6F5FCE-563E-1680-82F1-9D9A222328F0}"/>
+              </a:ext>
+            </a:extLst>
+          </p:cNvPr>
+          <p:cNvPicPr>
+            <a:picLocks noChangeAspect="1"/>
+          </p:cNvPicPr>
+          <p:nvPr/>
+        </p:nvPicPr>
+        <p:blipFill>
+          <a:blip r:embed="rId5"/>
+          <a:stretch>
+            <a:fillRect/>
+          </a:stretch>
+        </p:blipFill>
+        <p:spPr>
+          <a:xfrm>
+            <a:off x="1984660" y="3143631"/>
+            <a:ext cx="2886075" cy="2790825"/>
+          </a:xfrm>
+          <a:prstGeom prst="rect">
+            <a:avLst/>
+          </a:prstGeom>
+        </p:spPr>
+      </p:pic>
+      <p:pic>
+        <p:nvPicPr>
+          <p:cNvPr id="6" name="Image 5">
+            <a:extLst>
+              <a:ext uri="{FF2B5EF4-FFF2-40B4-BE49-F238E27FC236}">
+                <a16:creationId xmlns:a16="http://schemas.microsoft.com/office/drawing/2014/main" id="{D080E981-3898-A619-3F9C-46AB361A4437}"/>
+              </a:ext>
+            </a:extLst>
+          </p:cNvPr>
+          <p:cNvPicPr>
+            <a:picLocks noChangeAspect="1"/>
+          </p:cNvPicPr>
+          <p:nvPr/>
+        </p:nvPicPr>
+        <p:blipFill>
+          <a:blip r:embed="rId6"/>
+          <a:stretch>
+            <a:fillRect/>
+          </a:stretch>
+        </p:blipFill>
+        <p:spPr>
+          <a:xfrm>
+            <a:off x="3307948" y="6154314"/>
+            <a:ext cx="1808063" cy="529950"/>
+          </a:xfrm>
+          <a:prstGeom prst="rect">
+            <a:avLst/>
+          </a:prstGeom>
+        </p:spPr>
+      </p:pic>
+      <p:pic>
+        <p:nvPicPr>
+          <p:cNvPr id="9" name="Image 8">
+            <a:extLst>
+              <a:ext uri="{FF2B5EF4-FFF2-40B4-BE49-F238E27FC236}">
+                <a16:creationId xmlns:a16="http://schemas.microsoft.com/office/drawing/2014/main" id="{81F95F1E-618F-72CF-D098-B07DF9FA39B0}"/>
+              </a:ext>
+            </a:extLst>
+          </p:cNvPr>
+          <p:cNvPicPr>
+            <a:picLocks noChangeAspect="1"/>
+          </p:cNvPicPr>
+          <p:nvPr/>
+        </p:nvPicPr>
+        <p:blipFill>
+          <a:blip r:embed="rId7"/>
+          <a:stretch>
+            <a:fillRect/>
+          </a:stretch>
+        </p:blipFill>
+        <p:spPr>
+          <a:xfrm>
+            <a:off x="5750654" y="2338910"/>
+            <a:ext cx="5793805" cy="4345354"/>
+          </a:xfrm>
+          <a:prstGeom prst="rect">
+            <a:avLst/>
+          </a:prstGeom>
+        </p:spPr>
+      </p:pic>
+    </p:spTree>
+    <p:extLst>
+      <p:ext uri="{BB962C8B-B14F-4D97-AF65-F5344CB8AC3E}">
+        <p14:creationId xmlns:p14="http://schemas.microsoft.com/office/powerpoint/2010/main" val="2051560659"/>
+      </p:ext>
+    </p:extLst>
+  </p:cSld>
+  <p:clrMapOvr>
+    <a:masterClrMapping/>
+  </p:clrMapOvr>
+</p:sld>
+</file>
+
+<file path=ppt/slides/slide15.xml><?xml version="1.0" encoding="utf-8"?>
+<p:sld xmlns:a="http://schemas.openxmlformats.org/drawingml/2006/main" xmlns:r="http://schemas.openxmlformats.org/officeDocument/2006/relationships" xmlns:p="http://schemas.openxmlformats.org/presentationml/2006/main">
+  <p:cSld>
+    <p:spTree>
+      <p:nvGrpSpPr>
+        <p:cNvPr id="1" name=""/>
+        <p:cNvGrpSpPr/>
+        <p:nvPr/>
+      </p:nvGrpSpPr>
+      <p:grpSpPr>
+        <a:xfrm>
+          <a:off x="0" y="0"/>
+          <a:ext cx="0" cy="0"/>
+          <a:chOff x="0" y="0"/>
+          <a:chExt cx="0" cy="0"/>
+        </a:xfrm>
+      </p:grpSpPr>
+      <p:pic>
+        <p:nvPicPr>
+          <p:cNvPr id="8" name="Image 7">
+            <a:extLst>
+              <a:ext uri="{FF2B5EF4-FFF2-40B4-BE49-F238E27FC236}">
+                <a16:creationId xmlns:a16="http://schemas.microsoft.com/office/drawing/2014/main" id="{C59C0DAA-1DA7-B2FD-1331-8C167C31784C}"/>
+              </a:ext>
+            </a:extLst>
+          </p:cNvPr>
+          <p:cNvPicPr>
+            <a:picLocks noChangeAspect="1"/>
+          </p:cNvPicPr>
+          <p:nvPr/>
+        </p:nvPicPr>
+        <p:blipFill>
+          <a:blip r:embed="rId3"/>
+          <a:stretch>
+            <a:fillRect/>
+          </a:stretch>
+        </p:blipFill>
+        <p:spPr>
+          <a:xfrm>
+            <a:off x="5292371" y="3000375"/>
+            <a:ext cx="6486525" cy="3171825"/>
+          </a:xfrm>
+          <a:prstGeom prst="rect">
+            <a:avLst/>
+          </a:prstGeom>
+        </p:spPr>
+      </p:pic>
+      <p:sp>
+        <p:nvSpPr>
+          <p:cNvPr id="2" name="Titre 1">
+            <a:extLst>
+              <a:ext uri="{FF2B5EF4-FFF2-40B4-BE49-F238E27FC236}">
+                <a16:creationId xmlns:a16="http://schemas.microsoft.com/office/drawing/2014/main" id="{90162AE8-C1B0-5C56-8313-DEE494F38273}"/>
+              </a:ext>
+            </a:extLst>
+          </p:cNvPr>
+          <p:cNvSpPr>
+            <a:spLocks noGrp="1"/>
+          </p:cNvSpPr>
+          <p:nvPr>
+            <p:ph type="title"/>
+          </p:nvPr>
+        </p:nvSpPr>
+        <p:spPr/>
+        <p:txBody>
+          <a:bodyPr/>
+          <a:lstStyle/>
+          <a:p>
+            <a:r>
+              <a:rPr lang="fr-FR" dirty="0"/>
+              <a:t>M2 – Transmettre l’information</a:t>
+            </a:r>
+          </a:p>
+        </p:txBody>
+      </p:sp>
+      <p:pic>
+        <p:nvPicPr>
+          <p:cNvPr id="5" name="Image 4" descr="Une image contenant texte&#10;&#10;Description générée automatiquement">
+            <a:extLst>
+              <a:ext uri="{FF2B5EF4-FFF2-40B4-BE49-F238E27FC236}">
+                <a16:creationId xmlns:a16="http://schemas.microsoft.com/office/drawing/2014/main" id="{204ADC40-1D61-539F-22ED-6B21D67FBDE6}"/>
+              </a:ext>
+            </a:extLst>
+          </p:cNvPr>
+          <p:cNvPicPr>
+            <a:picLocks noChangeAspect="1"/>
+          </p:cNvPicPr>
+          <p:nvPr/>
+        </p:nvPicPr>
+        <p:blipFill>
+          <a:blip r:embed="rId4" cstate="print">
+            <a:extLst>
+              <a:ext uri="{28A0092B-C50C-407E-A947-70E740481C1C}">
+                <a14:useLocalDpi xmlns:a14="http://schemas.microsoft.com/office/drawing/2010/main" val="0"/>
+              </a:ext>
+            </a:extLst>
+          </a:blip>
+          <a:stretch>
+            <a:fillRect/>
+          </a:stretch>
+        </p:blipFill>
+        <p:spPr>
+          <a:xfrm>
+            <a:off x="202922" y="5934456"/>
+            <a:ext cx="1825291" cy="749808"/>
+          </a:xfrm>
+          <a:prstGeom prst="rect">
+            <a:avLst/>
+          </a:prstGeom>
+        </p:spPr>
+      </p:pic>
+      <p:sp>
+        <p:nvSpPr>
+          <p:cNvPr id="7" name="Espace réservé du contenu 6">
+            <a:extLst>
+              <a:ext uri="{FF2B5EF4-FFF2-40B4-BE49-F238E27FC236}">
+                <a16:creationId xmlns:a16="http://schemas.microsoft.com/office/drawing/2014/main" id="{74BC1505-3936-808A-3CEC-841FD2413D6F}"/>
+              </a:ext>
+            </a:extLst>
+          </p:cNvPr>
+          <p:cNvSpPr>
+            <a:spLocks noGrp="1"/>
+          </p:cNvSpPr>
+          <p:nvPr>
+            <p:ph sz="half" idx="1"/>
+          </p:nvPr>
+        </p:nvSpPr>
+        <p:spPr/>
+        <p:txBody>
+          <a:bodyPr/>
+          <a:lstStyle/>
+          <a:p>
+            <a:r>
+              <a:rPr lang="fr-FR" dirty="0"/>
+              <a:t>Récepteur simple / Modèle</a:t>
+            </a:r>
+          </a:p>
+        </p:txBody>
+      </p:sp>
+      <p:pic>
+        <p:nvPicPr>
+          <p:cNvPr id="3" name="Image 2">
+            <a:extLst>
+              <a:ext uri="{FF2B5EF4-FFF2-40B4-BE49-F238E27FC236}">
+                <a16:creationId xmlns:a16="http://schemas.microsoft.com/office/drawing/2014/main" id="{AF133F89-1A5E-FFB8-5B20-C498DC6B9D83}"/>
+              </a:ext>
+            </a:extLst>
+          </p:cNvPr>
+          <p:cNvPicPr>
+            <a:picLocks noChangeAspect="1"/>
+          </p:cNvPicPr>
+          <p:nvPr/>
+        </p:nvPicPr>
+        <p:blipFill>
+          <a:blip r:embed="rId5"/>
+          <a:stretch>
+            <a:fillRect/>
+          </a:stretch>
+        </p:blipFill>
+        <p:spPr>
+          <a:xfrm>
+            <a:off x="9815504" y="269067"/>
+            <a:ext cx="1468192" cy="1459149"/>
+          </a:xfrm>
+          <a:prstGeom prst="rect">
+            <a:avLst/>
+          </a:prstGeom>
+        </p:spPr>
+      </p:pic>
+      <p:pic>
+        <p:nvPicPr>
+          <p:cNvPr id="4" name="Image 3">
+            <a:extLst>
+              <a:ext uri="{FF2B5EF4-FFF2-40B4-BE49-F238E27FC236}">
+                <a16:creationId xmlns:a16="http://schemas.microsoft.com/office/drawing/2014/main" id="{AD6F5FCE-563E-1680-82F1-9D9A222328F0}"/>
+              </a:ext>
+            </a:extLst>
+          </p:cNvPr>
+          <p:cNvPicPr>
+            <a:picLocks noChangeAspect="1"/>
+          </p:cNvPicPr>
+          <p:nvPr/>
+        </p:nvPicPr>
+        <p:blipFill>
+          <a:blip r:embed="rId6"/>
+          <a:stretch>
+            <a:fillRect/>
+          </a:stretch>
+        </p:blipFill>
+        <p:spPr>
+          <a:xfrm>
+            <a:off x="1760932" y="3143631"/>
+            <a:ext cx="2886075" cy="2790825"/>
+          </a:xfrm>
+          <a:prstGeom prst="rect">
+            <a:avLst/>
+          </a:prstGeom>
+        </p:spPr>
+      </p:pic>
+    </p:spTree>
+    <p:extLst>
+      <p:ext uri="{BB962C8B-B14F-4D97-AF65-F5344CB8AC3E}">
+        <p14:creationId xmlns:p14="http://schemas.microsoft.com/office/powerpoint/2010/main" val="2674699511"/>
+      </p:ext>
+    </p:extLst>
+  </p:cSld>
+  <p:clrMapOvr>
+    <a:masterClrMapping/>
+  </p:clrMapOvr>
+</p:sld>
+</file>
+
+<file path=ppt/slides/slide16.xml><?xml version="1.0" encoding="utf-8"?>
+<p:sld xmlns:a="http://schemas.openxmlformats.org/drawingml/2006/main" xmlns:r="http://schemas.openxmlformats.org/officeDocument/2006/relationships" xmlns:p="http://schemas.openxmlformats.org/presentationml/2006/main">
+  <p:cSld>
+    <p:spTree>
+      <p:nvGrpSpPr>
+        <p:cNvPr id="1" name=""/>
+        <p:cNvGrpSpPr/>
+        <p:nvPr/>
+      </p:nvGrpSpPr>
+      <p:grpSpPr>
+        <a:xfrm>
+          <a:off x="0" y="0"/>
+          <a:ext cx="0" cy="0"/>
+          <a:chOff x="0" y="0"/>
+          <a:chExt cx="0" cy="0"/>
+        </a:xfrm>
+      </p:grpSpPr>
+      <p:sp>
+        <p:nvSpPr>
+          <p:cNvPr id="2" name="Titre 1">
+            <a:extLst>
+              <a:ext uri="{FF2B5EF4-FFF2-40B4-BE49-F238E27FC236}">
+                <a16:creationId xmlns:a16="http://schemas.microsoft.com/office/drawing/2014/main" id="{90162AE8-C1B0-5C56-8313-DEE494F38273}"/>
+              </a:ext>
+            </a:extLst>
+          </p:cNvPr>
+          <p:cNvSpPr>
+            <a:spLocks noGrp="1"/>
+          </p:cNvSpPr>
+          <p:nvPr>
+            <p:ph type="title"/>
+          </p:nvPr>
+        </p:nvSpPr>
+        <p:spPr/>
+        <p:txBody>
+          <a:bodyPr/>
+          <a:lstStyle/>
+          <a:p>
+            <a:r>
+              <a:rPr lang="fr-FR" dirty="0"/>
+              <a:t>M2 – Transmettre l’information</a:t>
+            </a:r>
+          </a:p>
+        </p:txBody>
+      </p:sp>
+      <p:pic>
+        <p:nvPicPr>
+          <p:cNvPr id="5" name="Image 4" descr="Une image contenant texte&#10;&#10;Description générée automatiquement">
+            <a:extLst>
+              <a:ext uri="{FF2B5EF4-FFF2-40B4-BE49-F238E27FC236}">
+                <a16:creationId xmlns:a16="http://schemas.microsoft.com/office/drawing/2014/main" id="{204ADC40-1D61-539F-22ED-6B21D67FBDE6}"/>
+              </a:ext>
+            </a:extLst>
+          </p:cNvPr>
+          <p:cNvPicPr>
+            <a:picLocks noChangeAspect="1"/>
+          </p:cNvPicPr>
+          <p:nvPr/>
+        </p:nvPicPr>
+        <p:blipFill>
+          <a:blip r:embed="rId3" cstate="print">
+            <a:extLst>
+              <a:ext uri="{28A0092B-C50C-407E-A947-70E740481C1C}">
+                <a14:useLocalDpi xmlns:a14="http://schemas.microsoft.com/office/drawing/2010/main" val="0"/>
+              </a:ext>
+            </a:extLst>
+          </a:blip>
+          <a:stretch>
+            <a:fillRect/>
+          </a:stretch>
+        </p:blipFill>
+        <p:spPr>
+          <a:xfrm>
+            <a:off x="202922" y="5934456"/>
+            <a:ext cx="1825291" cy="749808"/>
+          </a:xfrm>
+          <a:prstGeom prst="rect">
+            <a:avLst/>
+          </a:prstGeom>
+        </p:spPr>
+      </p:pic>
+      <p:sp>
+        <p:nvSpPr>
+          <p:cNvPr id="7" name="Espace réservé du contenu 6">
+            <a:extLst>
+              <a:ext uri="{FF2B5EF4-FFF2-40B4-BE49-F238E27FC236}">
+                <a16:creationId xmlns:a16="http://schemas.microsoft.com/office/drawing/2014/main" id="{74BC1505-3936-808A-3CEC-841FD2413D6F}"/>
+              </a:ext>
+            </a:extLst>
+          </p:cNvPr>
+          <p:cNvSpPr>
+            <a:spLocks noGrp="1"/>
+          </p:cNvSpPr>
+          <p:nvPr>
+            <p:ph sz="half" idx="1"/>
+          </p:nvPr>
+        </p:nvSpPr>
+        <p:spPr/>
+        <p:txBody>
+          <a:bodyPr/>
+          <a:lstStyle/>
+          <a:p>
+            <a:r>
+              <a:rPr lang="fr-FR" dirty="0"/>
+              <a:t>Récepteur simple / Modèle</a:t>
+            </a:r>
+          </a:p>
+        </p:txBody>
+      </p:sp>
+      <p:pic>
+        <p:nvPicPr>
+          <p:cNvPr id="3" name="Image 2">
+            <a:extLst>
+              <a:ext uri="{FF2B5EF4-FFF2-40B4-BE49-F238E27FC236}">
+                <a16:creationId xmlns:a16="http://schemas.microsoft.com/office/drawing/2014/main" id="{AF133F89-1A5E-FFB8-5B20-C498DC6B9D83}"/>
+              </a:ext>
+            </a:extLst>
+          </p:cNvPr>
+          <p:cNvPicPr>
+            <a:picLocks noChangeAspect="1"/>
+          </p:cNvPicPr>
+          <p:nvPr/>
+        </p:nvPicPr>
+        <p:blipFill>
+          <a:blip r:embed="rId4"/>
+          <a:stretch>
+            <a:fillRect/>
+          </a:stretch>
+        </p:blipFill>
+        <p:spPr>
+          <a:xfrm>
+            <a:off x="9815504" y="269067"/>
+            <a:ext cx="1468192" cy="1459149"/>
+          </a:xfrm>
+          <a:prstGeom prst="rect">
+            <a:avLst/>
+          </a:prstGeom>
+        </p:spPr>
+      </p:pic>
+      <p:pic>
+        <p:nvPicPr>
+          <p:cNvPr id="6" name="Image 5">
+            <a:extLst>
+              <a:ext uri="{FF2B5EF4-FFF2-40B4-BE49-F238E27FC236}">
+                <a16:creationId xmlns:a16="http://schemas.microsoft.com/office/drawing/2014/main" id="{24DD5A79-9BDB-6397-9369-CCB3B9FDCBC3}"/>
+              </a:ext>
+            </a:extLst>
+          </p:cNvPr>
+          <p:cNvPicPr>
+            <a:picLocks noChangeAspect="1"/>
+          </p:cNvPicPr>
+          <p:nvPr/>
+        </p:nvPicPr>
+        <p:blipFill>
+          <a:blip r:embed="rId5"/>
+          <a:stretch>
+            <a:fillRect/>
+          </a:stretch>
+        </p:blipFill>
+        <p:spPr>
+          <a:xfrm>
+            <a:off x="796168" y="3283968"/>
+            <a:ext cx="3555367" cy="1738528"/>
+          </a:xfrm>
+          <a:prstGeom prst="rect">
+            <a:avLst/>
+          </a:prstGeom>
+        </p:spPr>
+      </p:pic>
+      <p:pic>
+        <p:nvPicPr>
+          <p:cNvPr id="9" name="Image 8">
+            <a:extLst>
+              <a:ext uri="{FF2B5EF4-FFF2-40B4-BE49-F238E27FC236}">
+                <a16:creationId xmlns:a16="http://schemas.microsoft.com/office/drawing/2014/main" id="{DC646830-3F81-FDA9-02CD-6B75D0A61F69}"/>
+              </a:ext>
+            </a:extLst>
+          </p:cNvPr>
+          <p:cNvPicPr>
+            <a:picLocks noChangeAspect="1"/>
+          </p:cNvPicPr>
+          <p:nvPr/>
+        </p:nvPicPr>
+        <p:blipFill>
+          <a:blip r:embed="rId6"/>
+          <a:stretch>
+            <a:fillRect/>
+          </a:stretch>
+        </p:blipFill>
+        <p:spPr>
+          <a:xfrm>
+            <a:off x="8639486" y="2403601"/>
+            <a:ext cx="2988048" cy="3952191"/>
+          </a:xfrm>
+          <a:prstGeom prst="rect">
+            <a:avLst/>
+          </a:prstGeom>
+        </p:spPr>
+      </p:pic>
+      <p:pic>
+        <p:nvPicPr>
+          <p:cNvPr id="10" name="Image 9">
+            <a:extLst>
+              <a:ext uri="{FF2B5EF4-FFF2-40B4-BE49-F238E27FC236}">
+                <a16:creationId xmlns:a16="http://schemas.microsoft.com/office/drawing/2014/main" id="{72915520-9823-0517-B439-F945DF6AD4F4}"/>
+              </a:ext>
+            </a:extLst>
+          </p:cNvPr>
+          <p:cNvPicPr>
+            <a:picLocks noChangeAspect="1"/>
+          </p:cNvPicPr>
+          <p:nvPr/>
+        </p:nvPicPr>
+        <p:blipFill>
+          <a:blip r:embed="rId7"/>
+          <a:stretch>
+            <a:fillRect/>
+          </a:stretch>
+        </p:blipFill>
+        <p:spPr>
+          <a:xfrm>
+            <a:off x="8460490" y="6214121"/>
+            <a:ext cx="1426899" cy="495179"/>
+          </a:xfrm>
+          <a:prstGeom prst="rect">
+            <a:avLst/>
+          </a:prstGeom>
+        </p:spPr>
+      </p:pic>
+      <p:pic>
+        <p:nvPicPr>
+          <p:cNvPr id="11" name="Image 10">
+            <a:extLst>
+              <a:ext uri="{FF2B5EF4-FFF2-40B4-BE49-F238E27FC236}">
+                <a16:creationId xmlns:a16="http://schemas.microsoft.com/office/drawing/2014/main" id="{846B537A-D2D6-1412-8265-DEBDA535E07D}"/>
+              </a:ext>
+            </a:extLst>
+          </p:cNvPr>
+          <p:cNvPicPr>
+            <a:picLocks noChangeAspect="1"/>
+          </p:cNvPicPr>
+          <p:nvPr/>
+        </p:nvPicPr>
+        <p:blipFill>
+          <a:blip r:embed="rId8"/>
+          <a:stretch>
+            <a:fillRect/>
+          </a:stretch>
+        </p:blipFill>
+        <p:spPr>
+          <a:xfrm>
+            <a:off x="4530524" y="4215938"/>
+            <a:ext cx="4295759" cy="959610"/>
+          </a:xfrm>
+          <a:prstGeom prst="rect">
+            <a:avLst/>
+          </a:prstGeom>
+        </p:spPr>
+      </p:pic>
+      <p:pic>
+        <p:nvPicPr>
+          <p:cNvPr id="12" name="Image 11">
+            <a:extLst>
+              <a:ext uri="{FF2B5EF4-FFF2-40B4-BE49-F238E27FC236}">
+                <a16:creationId xmlns:a16="http://schemas.microsoft.com/office/drawing/2014/main" id="{362C97D2-D2A5-44C0-6584-C441563F54EB}"/>
+              </a:ext>
+            </a:extLst>
+          </p:cNvPr>
+          <p:cNvPicPr>
+            <a:picLocks noChangeAspect="1"/>
+          </p:cNvPicPr>
+          <p:nvPr/>
+        </p:nvPicPr>
+        <p:blipFill>
+          <a:blip r:embed="rId9"/>
+          <a:stretch>
+            <a:fillRect/>
+          </a:stretch>
+        </p:blipFill>
+        <p:spPr>
+          <a:xfrm>
+            <a:off x="6397870" y="2482490"/>
+            <a:ext cx="1784405" cy="1379940"/>
+          </a:xfrm>
+          <a:prstGeom prst="rect">
+            <a:avLst/>
+          </a:prstGeom>
+        </p:spPr>
+      </p:pic>
+      <p:pic>
+        <p:nvPicPr>
+          <p:cNvPr id="13" name="Image 12">
+            <a:extLst>
+              <a:ext uri="{FF2B5EF4-FFF2-40B4-BE49-F238E27FC236}">
+                <a16:creationId xmlns:a16="http://schemas.microsoft.com/office/drawing/2014/main" id="{5C72146F-E2A4-029A-8EBA-FEB94C23281D}"/>
+              </a:ext>
+            </a:extLst>
+          </p:cNvPr>
+          <p:cNvPicPr>
+            <a:picLocks noChangeAspect="1"/>
+          </p:cNvPicPr>
+          <p:nvPr/>
+        </p:nvPicPr>
+        <p:blipFill>
+          <a:blip r:embed="rId10"/>
+          <a:stretch>
+            <a:fillRect/>
+          </a:stretch>
+        </p:blipFill>
+        <p:spPr>
+          <a:xfrm>
+            <a:off x="3154662" y="5860614"/>
+            <a:ext cx="1772216" cy="495178"/>
+          </a:xfrm>
+          <a:prstGeom prst="rect">
+            <a:avLst/>
+          </a:prstGeom>
+        </p:spPr>
+      </p:pic>
+      <p:pic>
+        <p:nvPicPr>
+          <p:cNvPr id="14" name="Image 13">
+            <a:extLst>
+              <a:ext uri="{FF2B5EF4-FFF2-40B4-BE49-F238E27FC236}">
+                <a16:creationId xmlns:a16="http://schemas.microsoft.com/office/drawing/2014/main" id="{033223C1-EE8F-5140-0571-212E0EA6A637}"/>
+              </a:ext>
+            </a:extLst>
+          </p:cNvPr>
+          <p:cNvPicPr>
+            <a:picLocks noChangeAspect="1"/>
+          </p:cNvPicPr>
+          <p:nvPr/>
+        </p:nvPicPr>
+        <p:blipFill>
+          <a:blip r:embed="rId11"/>
+          <a:stretch>
+            <a:fillRect/>
+          </a:stretch>
+        </p:blipFill>
+        <p:spPr>
+          <a:xfrm>
+            <a:off x="6275275" y="6108203"/>
+            <a:ext cx="1268850" cy="518455"/>
+          </a:xfrm>
+          <a:prstGeom prst="rect">
+            <a:avLst/>
+          </a:prstGeom>
+        </p:spPr>
+      </p:pic>
+      <p:pic>
+        <p:nvPicPr>
+          <p:cNvPr id="15" name="Image 14">
+            <a:extLst>
+              <a:ext uri="{FF2B5EF4-FFF2-40B4-BE49-F238E27FC236}">
+                <a16:creationId xmlns:a16="http://schemas.microsoft.com/office/drawing/2014/main" id="{938D106F-6591-5660-E61D-4BAFA157B409}"/>
+              </a:ext>
+            </a:extLst>
+          </p:cNvPr>
+          <p:cNvPicPr>
+            <a:picLocks noChangeAspect="1"/>
+          </p:cNvPicPr>
+          <p:nvPr/>
+        </p:nvPicPr>
+        <p:blipFill>
+          <a:blip r:embed="rId12"/>
+          <a:stretch>
+            <a:fillRect/>
+          </a:stretch>
+        </p:blipFill>
+        <p:spPr>
+          <a:xfrm>
+            <a:off x="6275275" y="5677939"/>
+            <a:ext cx="1268850" cy="518455"/>
+          </a:xfrm>
+          <a:prstGeom prst="rect">
+            <a:avLst/>
+          </a:prstGeom>
+        </p:spPr>
+      </p:pic>
+      <p:pic>
+        <p:nvPicPr>
+          <p:cNvPr id="16" name="Image 15">
+            <a:extLst>
+              <a:ext uri="{FF2B5EF4-FFF2-40B4-BE49-F238E27FC236}">
+                <a16:creationId xmlns:a16="http://schemas.microsoft.com/office/drawing/2014/main" id="{767E663D-4782-217C-A0AB-E23E2F972D0D}"/>
+              </a:ext>
+            </a:extLst>
+          </p:cNvPr>
+          <p:cNvPicPr>
+            <a:picLocks noChangeAspect="1"/>
+          </p:cNvPicPr>
+          <p:nvPr/>
+        </p:nvPicPr>
+        <p:blipFill>
+          <a:blip r:embed="rId13"/>
+          <a:stretch>
+            <a:fillRect/>
+          </a:stretch>
+        </p:blipFill>
+        <p:spPr>
+          <a:xfrm>
+            <a:off x="10968931" y="2196082"/>
+            <a:ext cx="714875" cy="714875"/>
+          </a:xfrm>
+          <a:prstGeom prst="rect">
+            <a:avLst/>
+          </a:prstGeom>
+        </p:spPr>
+      </p:pic>
+      <p:sp>
+        <p:nvSpPr>
+          <p:cNvPr id="17" name="ZoneTexte 16">
+            <a:extLst>
+              <a:ext uri="{FF2B5EF4-FFF2-40B4-BE49-F238E27FC236}">
+                <a16:creationId xmlns:a16="http://schemas.microsoft.com/office/drawing/2014/main" id="{F4990DD7-3949-884C-9B18-6DFC62AAF042}"/>
+              </a:ext>
+            </a:extLst>
+          </p:cNvPr>
+          <p:cNvSpPr txBox="1"/>
+          <p:nvPr/>
+        </p:nvSpPr>
+        <p:spPr>
+          <a:xfrm>
+            <a:off x="10066432" y="2186876"/>
+            <a:ext cx="704039" cy="261610"/>
+          </a:xfrm>
+          <a:prstGeom prst="rect">
+            <a:avLst/>
+          </a:prstGeom>
+          <a:noFill/>
+        </p:spPr>
+        <p:txBody>
+          <a:bodyPr wrap="none" rtlCol="0">
+            <a:spAutoFit/>
+          </a:bodyPr>
+          <a:lstStyle/>
+          <a:p>
+            <a:r>
+              <a:rPr lang="fr-FR" sz="1100" b="1" dirty="0"/>
+              <a:t>SFH206</a:t>
+            </a:r>
+          </a:p>
+        </p:txBody>
+      </p:sp>
+    </p:spTree>
+    <p:extLst>
+      <p:ext uri="{BB962C8B-B14F-4D97-AF65-F5344CB8AC3E}">
+        <p14:creationId xmlns:p14="http://schemas.microsoft.com/office/powerpoint/2010/main" val="2668087164"/>
+      </p:ext>
+    </p:extLst>
+  </p:cSld>
+  <p:clrMapOvr>
+    <a:masterClrMapping/>
+  </p:clrMapOvr>
+</p:sld>
+</file>
+
+<file path=ppt/slides/slide17.xml><?xml version="1.0" encoding="utf-8"?>
+<p:sld xmlns:a="http://schemas.openxmlformats.org/drawingml/2006/main" xmlns:r="http://schemas.openxmlformats.org/officeDocument/2006/relationships" xmlns:p="http://schemas.openxmlformats.org/presentationml/2006/main">
+  <p:cSld>
+    <p:spTree>
+      <p:nvGrpSpPr>
+        <p:cNvPr id="1" name=""/>
+        <p:cNvGrpSpPr/>
+        <p:nvPr/>
+      </p:nvGrpSpPr>
+      <p:grpSpPr>
+        <a:xfrm>
+          <a:off x="0" y="0"/>
+          <a:ext cx="0" cy="0"/>
+          <a:chOff x="0" y="0"/>
+          <a:chExt cx="0" cy="0"/>
+        </a:xfrm>
+      </p:grpSpPr>
+      <p:sp>
+        <p:nvSpPr>
+          <p:cNvPr id="2" name="Titre 1">
+            <a:extLst>
+              <a:ext uri="{FF2B5EF4-FFF2-40B4-BE49-F238E27FC236}">
+                <a16:creationId xmlns:a16="http://schemas.microsoft.com/office/drawing/2014/main" id="{90162AE8-C1B0-5C56-8313-DEE494F38273}"/>
+              </a:ext>
+            </a:extLst>
+          </p:cNvPr>
+          <p:cNvSpPr>
+            <a:spLocks noGrp="1"/>
+          </p:cNvSpPr>
+          <p:nvPr>
+            <p:ph type="title"/>
+          </p:nvPr>
+        </p:nvSpPr>
+        <p:spPr/>
+        <p:txBody>
+          <a:bodyPr/>
+          <a:lstStyle/>
+          <a:p>
+            <a:r>
+              <a:rPr lang="fr-FR" dirty="0"/>
+              <a:t>M2 – Transmettre l’information</a:t>
+            </a:r>
+          </a:p>
+        </p:txBody>
+      </p:sp>
+      <p:pic>
+        <p:nvPicPr>
+          <p:cNvPr id="5" name="Image 4" descr="Une image contenant texte&#10;&#10;Description générée automatiquement">
+            <a:extLst>
+              <a:ext uri="{FF2B5EF4-FFF2-40B4-BE49-F238E27FC236}">
+                <a16:creationId xmlns:a16="http://schemas.microsoft.com/office/drawing/2014/main" id="{204ADC40-1D61-539F-22ED-6B21D67FBDE6}"/>
+              </a:ext>
+            </a:extLst>
+          </p:cNvPr>
+          <p:cNvPicPr>
+            <a:picLocks noChangeAspect="1"/>
+          </p:cNvPicPr>
+          <p:nvPr/>
+        </p:nvPicPr>
+        <p:blipFill>
+          <a:blip r:embed="rId3" cstate="print">
+            <a:extLst>
+              <a:ext uri="{28A0092B-C50C-407E-A947-70E740481C1C}">
+                <a14:useLocalDpi xmlns:a14="http://schemas.microsoft.com/office/drawing/2010/main" val="0"/>
+              </a:ext>
+            </a:extLst>
+          </a:blip>
+          <a:stretch>
+            <a:fillRect/>
+          </a:stretch>
+        </p:blipFill>
+        <p:spPr>
+          <a:xfrm>
+            <a:off x="202922" y="5934456"/>
+            <a:ext cx="1825291" cy="749808"/>
+          </a:xfrm>
+          <a:prstGeom prst="rect">
+            <a:avLst/>
+          </a:prstGeom>
+        </p:spPr>
+      </p:pic>
+      <p:sp>
+        <p:nvSpPr>
+          <p:cNvPr id="7" name="Espace réservé du contenu 6">
+            <a:extLst>
+              <a:ext uri="{FF2B5EF4-FFF2-40B4-BE49-F238E27FC236}">
+                <a16:creationId xmlns:a16="http://schemas.microsoft.com/office/drawing/2014/main" id="{74BC1505-3936-808A-3CEC-841FD2413D6F}"/>
+              </a:ext>
+            </a:extLst>
+          </p:cNvPr>
+          <p:cNvSpPr>
+            <a:spLocks noGrp="1"/>
+          </p:cNvSpPr>
+          <p:nvPr>
+            <p:ph sz="half" idx="1"/>
+          </p:nvPr>
+        </p:nvSpPr>
+        <p:spPr/>
+        <p:txBody>
+          <a:bodyPr/>
+          <a:lstStyle/>
+          <a:p>
+            <a:r>
+              <a:rPr lang="fr-FR" dirty="0"/>
+              <a:t>Récepteur simple / Modèle</a:t>
+            </a:r>
+          </a:p>
+        </p:txBody>
+      </p:sp>
+      <p:pic>
+        <p:nvPicPr>
+          <p:cNvPr id="3" name="Image 2">
+            <a:extLst>
+              <a:ext uri="{FF2B5EF4-FFF2-40B4-BE49-F238E27FC236}">
+                <a16:creationId xmlns:a16="http://schemas.microsoft.com/office/drawing/2014/main" id="{AF133F89-1A5E-FFB8-5B20-C498DC6B9D83}"/>
+              </a:ext>
+            </a:extLst>
+          </p:cNvPr>
+          <p:cNvPicPr>
+            <a:picLocks noChangeAspect="1"/>
+          </p:cNvPicPr>
+          <p:nvPr/>
+        </p:nvPicPr>
+        <p:blipFill>
+          <a:blip r:embed="rId4"/>
+          <a:stretch>
+            <a:fillRect/>
+          </a:stretch>
+        </p:blipFill>
+        <p:spPr>
+          <a:xfrm>
+            <a:off x="9815504" y="269067"/>
+            <a:ext cx="1468192" cy="1459149"/>
+          </a:xfrm>
+          <a:prstGeom prst="rect">
+            <a:avLst/>
+          </a:prstGeom>
+        </p:spPr>
+      </p:pic>
+      <p:pic>
+        <p:nvPicPr>
+          <p:cNvPr id="4" name="Image 3">
+            <a:extLst>
+              <a:ext uri="{FF2B5EF4-FFF2-40B4-BE49-F238E27FC236}">
+                <a16:creationId xmlns:a16="http://schemas.microsoft.com/office/drawing/2014/main" id="{A8756A98-FAA6-1113-1831-2239499466FE}"/>
+              </a:ext>
+            </a:extLst>
+          </p:cNvPr>
+          <p:cNvPicPr>
+            <a:picLocks noChangeAspect="1"/>
+          </p:cNvPicPr>
+          <p:nvPr/>
+        </p:nvPicPr>
+        <p:blipFill>
+          <a:blip r:embed="rId5"/>
+          <a:stretch>
+            <a:fillRect/>
+          </a:stretch>
+        </p:blipFill>
+        <p:spPr>
+          <a:xfrm>
+            <a:off x="6319777" y="2126836"/>
+            <a:ext cx="5456127" cy="4506275"/>
+          </a:xfrm>
+          <a:prstGeom prst="rect">
+            <a:avLst/>
+          </a:prstGeom>
+        </p:spPr>
+      </p:pic>
+      <p:pic>
+        <p:nvPicPr>
+          <p:cNvPr id="8" name="Image 7">
+            <a:extLst>
+              <a:ext uri="{FF2B5EF4-FFF2-40B4-BE49-F238E27FC236}">
+                <a16:creationId xmlns:a16="http://schemas.microsoft.com/office/drawing/2014/main" id="{7ADBFC18-B58D-E18E-5776-8CFFFA297607}"/>
+              </a:ext>
+            </a:extLst>
+          </p:cNvPr>
+          <p:cNvPicPr>
+            <a:picLocks noChangeAspect="1"/>
+          </p:cNvPicPr>
+          <p:nvPr/>
+        </p:nvPicPr>
+        <p:blipFill>
+          <a:blip r:embed="rId6"/>
+          <a:stretch>
+            <a:fillRect/>
+          </a:stretch>
+        </p:blipFill>
+        <p:spPr>
+          <a:xfrm>
+            <a:off x="1932380" y="3243805"/>
+            <a:ext cx="3780563" cy="2835422"/>
+          </a:xfrm>
+          <a:prstGeom prst="rect">
+            <a:avLst/>
+          </a:prstGeom>
+        </p:spPr>
+      </p:pic>
+    </p:spTree>
+    <p:extLst>
+      <p:ext uri="{BB962C8B-B14F-4D97-AF65-F5344CB8AC3E}">
+        <p14:creationId xmlns:p14="http://schemas.microsoft.com/office/powerpoint/2010/main" val="2001276142"/>
+      </p:ext>
+    </p:extLst>
+  </p:cSld>
+  <p:clrMapOvr>
+    <a:masterClrMapping/>
+  </p:clrMapOvr>
+</p:sld>
+</file>
+
+<file path=ppt/slides/slide18.xml><?xml version="1.0" encoding="utf-8"?>
+<p:sld xmlns:a="http://schemas.openxmlformats.org/drawingml/2006/main" xmlns:r="http://schemas.openxmlformats.org/officeDocument/2006/relationships" xmlns:p="http://schemas.openxmlformats.org/presentationml/2006/main">
+  <p:cSld>
+    <p:spTree>
+      <p:nvGrpSpPr>
+        <p:cNvPr id="1" name=""/>
+        <p:cNvGrpSpPr/>
+        <p:nvPr/>
+      </p:nvGrpSpPr>
+      <p:grpSpPr>
+        <a:xfrm>
+          <a:off x="0" y="0"/>
+          <a:ext cx="0" cy="0"/>
+          <a:chOff x="0" y="0"/>
+          <a:chExt cx="0" cy="0"/>
+        </a:xfrm>
+      </p:grpSpPr>
+      <p:sp>
+        <p:nvSpPr>
+          <p:cNvPr id="2" name="Titre 1">
+            <a:extLst>
+              <a:ext uri="{FF2B5EF4-FFF2-40B4-BE49-F238E27FC236}">
+                <a16:creationId xmlns:a16="http://schemas.microsoft.com/office/drawing/2014/main" id="{90162AE8-C1B0-5C56-8313-DEE494F38273}"/>
+              </a:ext>
+            </a:extLst>
+          </p:cNvPr>
+          <p:cNvSpPr>
+            <a:spLocks noGrp="1"/>
+          </p:cNvSpPr>
+          <p:nvPr>
+            <p:ph type="title"/>
+          </p:nvPr>
+        </p:nvSpPr>
+        <p:spPr/>
+        <p:txBody>
+          <a:bodyPr/>
+          <a:lstStyle/>
+          <a:p>
+            <a:r>
+              <a:rPr lang="fr-FR" dirty="0"/>
+              <a:t>M2 – Transmettre l’information</a:t>
+            </a:r>
+          </a:p>
+        </p:txBody>
+      </p:sp>
+      <p:pic>
+        <p:nvPicPr>
+          <p:cNvPr id="5" name="Image 4" descr="Une image contenant texte&#10;&#10;Description générée automatiquement">
+            <a:extLst>
+              <a:ext uri="{FF2B5EF4-FFF2-40B4-BE49-F238E27FC236}">
+                <a16:creationId xmlns:a16="http://schemas.microsoft.com/office/drawing/2014/main" id="{204ADC40-1D61-539F-22ED-6B21D67FBDE6}"/>
+              </a:ext>
+            </a:extLst>
+          </p:cNvPr>
+          <p:cNvPicPr>
+            <a:picLocks noChangeAspect="1"/>
+          </p:cNvPicPr>
+          <p:nvPr/>
+        </p:nvPicPr>
+        <p:blipFill>
+          <a:blip r:embed="rId3" cstate="print">
+            <a:extLst>
+              <a:ext uri="{28A0092B-C50C-407E-A947-70E740481C1C}">
+                <a14:useLocalDpi xmlns:a14="http://schemas.microsoft.com/office/drawing/2010/main" val="0"/>
+              </a:ext>
+            </a:extLst>
+          </a:blip>
+          <a:stretch>
+            <a:fillRect/>
+          </a:stretch>
+        </p:blipFill>
+        <p:spPr>
+          <a:xfrm>
+            <a:off x="202922" y="5934456"/>
+            <a:ext cx="1825291" cy="749808"/>
+          </a:xfrm>
+          <a:prstGeom prst="rect">
+            <a:avLst/>
+          </a:prstGeom>
+        </p:spPr>
+      </p:pic>
+      <p:sp>
+        <p:nvSpPr>
+          <p:cNvPr id="7" name="Espace réservé du contenu 6">
+            <a:extLst>
+              <a:ext uri="{FF2B5EF4-FFF2-40B4-BE49-F238E27FC236}">
+                <a16:creationId xmlns:a16="http://schemas.microsoft.com/office/drawing/2014/main" id="{74BC1505-3936-808A-3CEC-841FD2413D6F}"/>
+              </a:ext>
+            </a:extLst>
+          </p:cNvPr>
+          <p:cNvSpPr>
+            <a:spLocks noGrp="1"/>
+          </p:cNvSpPr>
+          <p:nvPr>
+            <p:ph sz="half" idx="1"/>
+          </p:nvPr>
+        </p:nvSpPr>
+        <p:spPr/>
+        <p:txBody>
+          <a:bodyPr/>
+          <a:lstStyle/>
+          <a:p>
+            <a:r>
+              <a:rPr lang="fr-FR" dirty="0"/>
+              <a:t>Récepteur simple</a:t>
+            </a:r>
+          </a:p>
+        </p:txBody>
+      </p:sp>
+      <p:pic>
+        <p:nvPicPr>
+          <p:cNvPr id="3" name="Image 2" descr="Une image contenant texte, capture d’écran, Tracé, diagramme&#10;&#10;Description générée automatiquement">
+            <a:extLst>
+              <a:ext uri="{FF2B5EF4-FFF2-40B4-BE49-F238E27FC236}">
+                <a16:creationId xmlns:a16="http://schemas.microsoft.com/office/drawing/2014/main" id="{44305204-E648-4EE2-9279-23D7CEF286CB}"/>
+              </a:ext>
+            </a:extLst>
+          </p:cNvPr>
+          <p:cNvPicPr>
+            <a:picLocks noChangeAspect="1"/>
+          </p:cNvPicPr>
+          <p:nvPr/>
+        </p:nvPicPr>
+        <p:blipFill>
+          <a:blip r:embed="rId4">
+            <a:extLst>
+              <a:ext uri="{28A0092B-C50C-407E-A947-70E740481C1C}">
+                <a14:useLocalDpi xmlns:a14="http://schemas.microsoft.com/office/drawing/2010/main" val="0"/>
+              </a:ext>
+            </a:extLst>
+          </a:blip>
+          <a:stretch>
+            <a:fillRect/>
+          </a:stretch>
+        </p:blipFill>
+        <p:spPr>
+          <a:xfrm>
+            <a:off x="4981006" y="1728216"/>
+            <a:ext cx="6638866" cy="4979150"/>
+          </a:xfrm>
+          <a:prstGeom prst="rect">
+            <a:avLst/>
+          </a:prstGeom>
+        </p:spPr>
+      </p:pic>
+      <p:sp>
+        <p:nvSpPr>
+          <p:cNvPr id="4" name="ZoneTexte 3">
+            <a:extLst>
+              <a:ext uri="{FF2B5EF4-FFF2-40B4-BE49-F238E27FC236}">
+                <a16:creationId xmlns:a16="http://schemas.microsoft.com/office/drawing/2014/main" id="{564C8E67-78B9-7216-11DA-4A8626976A39}"/>
+              </a:ext>
+            </a:extLst>
+          </p:cNvPr>
+          <p:cNvSpPr txBox="1"/>
+          <p:nvPr/>
+        </p:nvSpPr>
+        <p:spPr>
+          <a:xfrm>
+            <a:off x="9569265" y="2108692"/>
+            <a:ext cx="1893467" cy="369332"/>
+          </a:xfrm>
+          <a:prstGeom prst="rect">
+            <a:avLst/>
+          </a:prstGeom>
+          <a:noFill/>
+        </p:spPr>
+        <p:txBody>
+          <a:bodyPr wrap="none" rtlCol="0">
+            <a:spAutoFit/>
+          </a:bodyPr>
+          <a:lstStyle/>
+          <a:p>
+            <a:r>
+              <a:rPr lang="fr-FR" dirty="0"/>
+              <a:t>R</a:t>
+            </a:r>
+            <a:r>
+              <a:rPr lang="fr-FR" baseline="-25000" dirty="0"/>
+              <a:t>F</a:t>
+            </a:r>
+            <a:r>
+              <a:rPr lang="fr-FR" dirty="0"/>
+              <a:t> = 100 kOhms</a:t>
+            </a:r>
+          </a:p>
+        </p:txBody>
+      </p:sp>
+      <p:sp>
+        <p:nvSpPr>
+          <p:cNvPr id="6" name="ZoneTexte 5">
+            <a:extLst>
+              <a:ext uri="{FF2B5EF4-FFF2-40B4-BE49-F238E27FC236}">
+                <a16:creationId xmlns:a16="http://schemas.microsoft.com/office/drawing/2014/main" id="{271E1840-1ACB-4CB8-9039-56196183FA56}"/>
+              </a:ext>
+            </a:extLst>
+          </p:cNvPr>
+          <p:cNvSpPr txBox="1"/>
+          <p:nvPr/>
+        </p:nvSpPr>
+        <p:spPr>
+          <a:xfrm>
+            <a:off x="9562898" y="3288268"/>
+            <a:ext cx="1758815" cy="369332"/>
+          </a:xfrm>
+          <a:prstGeom prst="rect">
+            <a:avLst/>
+          </a:prstGeom>
+          <a:noFill/>
+        </p:spPr>
+        <p:txBody>
+          <a:bodyPr wrap="none" rtlCol="0">
+            <a:spAutoFit/>
+          </a:bodyPr>
+          <a:lstStyle/>
+          <a:p>
+            <a:r>
+              <a:rPr lang="fr-FR" dirty="0"/>
+              <a:t>R</a:t>
+            </a:r>
+            <a:r>
+              <a:rPr lang="fr-FR" baseline="-25000" dirty="0"/>
+              <a:t>F</a:t>
+            </a:r>
+            <a:r>
+              <a:rPr lang="fr-FR" dirty="0"/>
+              <a:t> = 10 kOhms</a:t>
+            </a:r>
+          </a:p>
+        </p:txBody>
+      </p:sp>
+      <p:cxnSp>
+        <p:nvCxnSpPr>
+          <p:cNvPr id="9" name="Connecteur droit avec flèche 8">
+            <a:extLst>
+              <a:ext uri="{FF2B5EF4-FFF2-40B4-BE49-F238E27FC236}">
+                <a16:creationId xmlns:a16="http://schemas.microsoft.com/office/drawing/2014/main" id="{0BD6D49F-EFFF-9508-F094-0D7D0FEF207F}"/>
+              </a:ext>
+            </a:extLst>
+          </p:cNvPr>
+          <p:cNvCxnSpPr>
+            <a:cxnSpLocks/>
+          </p:cNvCxnSpPr>
+          <p:nvPr/>
+        </p:nvCxnSpPr>
+        <p:spPr>
+          <a:xfrm>
+            <a:off x="6711696" y="2164080"/>
+            <a:ext cx="0" cy="1124188"/>
+          </a:xfrm>
+          <a:prstGeom prst="straightConnector1">
+            <a:avLst/>
+          </a:prstGeom>
+          <a:ln w="38100">
+            <a:solidFill>
+              <a:schemeClr val="bg1"/>
+            </a:solidFill>
+            <a:headEnd type="triangle" w="med" len="med"/>
+            <a:tailEnd type="triangle" w="med" len="med"/>
+          </a:ln>
+        </p:spPr>
+        <p:style>
+          <a:lnRef idx="1">
+            <a:schemeClr val="accent1"/>
+          </a:lnRef>
+          <a:fillRef idx="0">
+            <a:schemeClr val="accent1"/>
+          </a:fillRef>
+          <a:effectRef idx="0">
+            <a:schemeClr val="accent1"/>
+          </a:effectRef>
+          <a:fontRef idx="minor">
+            <a:schemeClr val="tx1"/>
+          </a:fontRef>
+        </p:style>
+      </p:cxnSp>
+      <p:cxnSp>
+        <p:nvCxnSpPr>
+          <p:cNvPr id="11" name="Connecteur droit avec flèche 10">
+            <a:extLst>
+              <a:ext uri="{FF2B5EF4-FFF2-40B4-BE49-F238E27FC236}">
+                <a16:creationId xmlns:a16="http://schemas.microsoft.com/office/drawing/2014/main" id="{8BE9A0D3-3775-EEEE-D75D-FA19EE7D9AB2}"/>
+              </a:ext>
+            </a:extLst>
+          </p:cNvPr>
+          <p:cNvCxnSpPr>
+            <a:cxnSpLocks/>
+          </p:cNvCxnSpPr>
+          <p:nvPr/>
+        </p:nvCxnSpPr>
+        <p:spPr>
+          <a:xfrm>
+            <a:off x="7498080" y="3763018"/>
+            <a:ext cx="0" cy="1124188"/>
+          </a:xfrm>
+          <a:prstGeom prst="straightConnector1">
+            <a:avLst/>
+          </a:prstGeom>
+          <a:ln w="38100">
+            <a:solidFill>
+              <a:schemeClr val="bg1"/>
+            </a:solidFill>
+            <a:headEnd type="triangle" w="med" len="med"/>
+            <a:tailEnd type="triangle" w="med" len="med"/>
+          </a:ln>
+        </p:spPr>
+        <p:style>
+          <a:lnRef idx="1">
+            <a:schemeClr val="accent1"/>
+          </a:lnRef>
+          <a:fillRef idx="0">
+            <a:schemeClr val="accent1"/>
+          </a:fillRef>
+          <a:effectRef idx="0">
+            <a:schemeClr val="accent1"/>
+          </a:effectRef>
+          <a:fontRef idx="minor">
+            <a:schemeClr val="tx1"/>
+          </a:fontRef>
+        </p:style>
+      </p:cxnSp>
+      <p:sp>
+        <p:nvSpPr>
+          <p:cNvPr id="12" name="ZoneTexte 11">
+            <a:extLst>
+              <a:ext uri="{FF2B5EF4-FFF2-40B4-BE49-F238E27FC236}">
+                <a16:creationId xmlns:a16="http://schemas.microsoft.com/office/drawing/2014/main" id="{7EC8D392-1259-EC5C-23F6-03D3F1D1BDF3}"/>
+              </a:ext>
+            </a:extLst>
+          </p:cNvPr>
+          <p:cNvSpPr txBox="1"/>
+          <p:nvPr/>
+        </p:nvSpPr>
+        <p:spPr>
+          <a:xfrm>
+            <a:off x="6716012" y="2478024"/>
+            <a:ext cx="617477" cy="369332"/>
+          </a:xfrm>
+          <a:prstGeom prst="rect">
+            <a:avLst/>
+          </a:prstGeom>
+          <a:noFill/>
+        </p:spPr>
+        <p:txBody>
+          <a:bodyPr wrap="none" rtlCol="0">
+            <a:spAutoFit/>
+          </a:bodyPr>
+          <a:lstStyle/>
+          <a:p>
+            <a:r>
+              <a:rPr lang="fr-FR" dirty="0">
+                <a:solidFill>
+                  <a:schemeClr val="bg1"/>
+                </a:solidFill>
+              </a:rPr>
+              <a:t>~6V</a:t>
+            </a:r>
+          </a:p>
+        </p:txBody>
+      </p:sp>
+      <p:sp>
+        <p:nvSpPr>
+          <p:cNvPr id="13" name="ZoneTexte 12">
+            <a:extLst>
+              <a:ext uri="{FF2B5EF4-FFF2-40B4-BE49-F238E27FC236}">
+                <a16:creationId xmlns:a16="http://schemas.microsoft.com/office/drawing/2014/main" id="{7AAAC3B2-35E1-BD8A-1E9C-DDCEE5A46071}"/>
+              </a:ext>
+            </a:extLst>
+          </p:cNvPr>
+          <p:cNvSpPr txBox="1"/>
+          <p:nvPr/>
+        </p:nvSpPr>
+        <p:spPr>
+          <a:xfrm>
+            <a:off x="7498080" y="4140446"/>
+            <a:ext cx="1148071" cy="369332"/>
+          </a:xfrm>
+          <a:prstGeom prst="rect">
+            <a:avLst/>
+          </a:prstGeom>
+          <a:noFill/>
+        </p:spPr>
+        <p:txBody>
+          <a:bodyPr wrap="none" rtlCol="0">
+            <a:spAutoFit/>
+          </a:bodyPr>
+          <a:lstStyle/>
+          <a:p>
+            <a:r>
+              <a:rPr lang="fr-FR" dirty="0">
+                <a:solidFill>
+                  <a:schemeClr val="bg1"/>
+                </a:solidFill>
+              </a:rPr>
+              <a:t>~600 mV</a:t>
+            </a:r>
+          </a:p>
+        </p:txBody>
+      </p:sp>
+    </p:spTree>
+    <p:extLst>
+      <p:ext uri="{BB962C8B-B14F-4D97-AF65-F5344CB8AC3E}">
+        <p14:creationId xmlns:p14="http://schemas.microsoft.com/office/powerpoint/2010/main" val="1930712307"/>
+      </p:ext>
+    </p:extLst>
+  </p:cSld>
+  <p:clrMapOvr>
+    <a:masterClrMapping/>
+  </p:clrMapOvr>
+</p:sld>
+</file>
+
+<file path=ppt/slides/slide19.xml><?xml version="1.0" encoding="utf-8"?>
+<p:sld xmlns:a="http://schemas.openxmlformats.org/drawingml/2006/main" xmlns:r="http://schemas.openxmlformats.org/officeDocument/2006/relationships" xmlns:p="http://schemas.openxmlformats.org/presentationml/2006/main">
+  <p:cSld>
+    <p:spTree>
+      <p:nvGrpSpPr>
+        <p:cNvPr id="1" name=""/>
+        <p:cNvGrpSpPr/>
+        <p:nvPr/>
+      </p:nvGrpSpPr>
+      <p:grpSpPr>
+        <a:xfrm>
+          <a:off x="0" y="0"/>
+          <a:ext cx="0" cy="0"/>
+          <a:chOff x="0" y="0"/>
+          <a:chExt cx="0" cy="0"/>
+        </a:xfrm>
+      </p:grpSpPr>
+      <p:sp>
+        <p:nvSpPr>
+          <p:cNvPr id="2" name="Titre 1">
+            <a:extLst>
+              <a:ext uri="{FF2B5EF4-FFF2-40B4-BE49-F238E27FC236}">
+                <a16:creationId xmlns:a16="http://schemas.microsoft.com/office/drawing/2014/main" id="{90162AE8-C1B0-5C56-8313-DEE494F38273}"/>
+              </a:ext>
+            </a:extLst>
+          </p:cNvPr>
+          <p:cNvSpPr>
+            <a:spLocks noGrp="1"/>
+          </p:cNvSpPr>
+          <p:nvPr>
+            <p:ph type="title"/>
+          </p:nvPr>
+        </p:nvSpPr>
+        <p:spPr/>
+        <p:txBody>
+          <a:bodyPr/>
+          <a:lstStyle/>
+          <a:p>
+            <a:r>
+              <a:rPr lang="fr-FR" dirty="0"/>
+              <a:t>M3 – Transmettre l’information </a:t>
+            </a:r>
+          </a:p>
+        </p:txBody>
+      </p:sp>
+      <p:pic>
+        <p:nvPicPr>
+          <p:cNvPr id="5" name="Image 4" descr="Une image contenant texte&#10;&#10;Description générée automatiquement">
+            <a:extLst>
+              <a:ext uri="{FF2B5EF4-FFF2-40B4-BE49-F238E27FC236}">
+                <a16:creationId xmlns:a16="http://schemas.microsoft.com/office/drawing/2014/main" id="{204ADC40-1D61-539F-22ED-6B21D67FBDE6}"/>
+              </a:ext>
+            </a:extLst>
+          </p:cNvPr>
+          <p:cNvPicPr>
+            <a:picLocks noChangeAspect="1"/>
+          </p:cNvPicPr>
+          <p:nvPr/>
+        </p:nvPicPr>
+        <p:blipFill>
+          <a:blip r:embed="rId3" cstate="print">
+            <a:extLst>
+              <a:ext uri="{28A0092B-C50C-407E-A947-70E740481C1C}">
+                <a14:useLocalDpi xmlns:a14="http://schemas.microsoft.com/office/drawing/2010/main" val="0"/>
+              </a:ext>
+            </a:extLst>
+          </a:blip>
+          <a:stretch>
+            <a:fillRect/>
+          </a:stretch>
+        </p:blipFill>
+        <p:spPr>
+          <a:xfrm>
+            <a:off x="202922" y="5934456"/>
+            <a:ext cx="1825291" cy="749808"/>
+          </a:xfrm>
+          <a:prstGeom prst="rect">
+            <a:avLst/>
+          </a:prstGeom>
+        </p:spPr>
+      </p:pic>
+      <p:sp>
+        <p:nvSpPr>
+          <p:cNvPr id="7" name="Espace réservé du contenu 6">
+            <a:extLst>
+              <a:ext uri="{FF2B5EF4-FFF2-40B4-BE49-F238E27FC236}">
+                <a16:creationId xmlns:a16="http://schemas.microsoft.com/office/drawing/2014/main" id="{74BC1505-3936-808A-3CEC-841FD2413D6F}"/>
+              </a:ext>
+            </a:extLst>
+          </p:cNvPr>
+          <p:cNvSpPr>
+            <a:spLocks noGrp="1"/>
+          </p:cNvSpPr>
+          <p:nvPr>
+            <p:ph sz="half" idx="1"/>
+          </p:nvPr>
+        </p:nvSpPr>
+        <p:spPr/>
+        <p:txBody>
+          <a:bodyPr/>
+          <a:lstStyle/>
+          <a:p>
+            <a:r>
+              <a:rPr lang="fr-FR" dirty="0"/>
+              <a:t>Récepteur </a:t>
+            </a:r>
+            <a:br>
+              <a:rPr lang="fr-FR" dirty="0"/>
+            </a:br>
+            <a:r>
+              <a:rPr lang="fr-FR" dirty="0" err="1"/>
+              <a:t>transimpédance</a:t>
+            </a:r>
+            <a:br>
+              <a:rPr lang="fr-FR" dirty="0"/>
+            </a:br>
+            <a:endParaRPr lang="fr-FR" dirty="0"/>
+          </a:p>
+        </p:txBody>
+      </p:sp>
+      <p:pic>
+        <p:nvPicPr>
+          <p:cNvPr id="3" name="Image 2">
+            <a:extLst>
+              <a:ext uri="{FF2B5EF4-FFF2-40B4-BE49-F238E27FC236}">
+                <a16:creationId xmlns:a16="http://schemas.microsoft.com/office/drawing/2014/main" id="{51A986BF-761D-30DF-5321-253FEC713BD6}"/>
+              </a:ext>
+            </a:extLst>
+          </p:cNvPr>
+          <p:cNvPicPr>
+            <a:picLocks noChangeAspect="1"/>
+          </p:cNvPicPr>
+          <p:nvPr/>
+        </p:nvPicPr>
+        <p:blipFill>
+          <a:blip r:embed="rId4"/>
+          <a:stretch>
+            <a:fillRect/>
+          </a:stretch>
+        </p:blipFill>
+        <p:spPr>
+          <a:xfrm>
+            <a:off x="2767836" y="3360172"/>
+            <a:ext cx="3743133" cy="1769613"/>
+          </a:xfrm>
+          <a:prstGeom prst="rect">
+            <a:avLst/>
+          </a:prstGeom>
+        </p:spPr>
+      </p:pic>
+      <p:pic>
+        <p:nvPicPr>
+          <p:cNvPr id="4" name="Image 3">
+            <a:extLst>
+              <a:ext uri="{FF2B5EF4-FFF2-40B4-BE49-F238E27FC236}">
+                <a16:creationId xmlns:a16="http://schemas.microsoft.com/office/drawing/2014/main" id="{FEA88F38-634D-F188-7DA2-A39250211CA4}"/>
+              </a:ext>
+            </a:extLst>
+          </p:cNvPr>
+          <p:cNvPicPr>
+            <a:picLocks noChangeAspect="1"/>
+          </p:cNvPicPr>
+          <p:nvPr/>
+        </p:nvPicPr>
+        <p:blipFill>
+          <a:blip r:embed="rId5"/>
+          <a:stretch>
+            <a:fillRect/>
+          </a:stretch>
+        </p:blipFill>
+        <p:spPr>
+          <a:xfrm>
+            <a:off x="7635474" y="3214178"/>
+            <a:ext cx="2438400" cy="752475"/>
+          </a:xfrm>
+          <a:prstGeom prst="rect">
+            <a:avLst/>
+          </a:prstGeom>
+        </p:spPr>
+      </p:pic>
+      <p:pic>
+        <p:nvPicPr>
+          <p:cNvPr id="8" name="Image 7">
+            <a:extLst>
+              <a:ext uri="{FF2B5EF4-FFF2-40B4-BE49-F238E27FC236}">
+                <a16:creationId xmlns:a16="http://schemas.microsoft.com/office/drawing/2014/main" id="{B4D9D807-8BB5-EDAE-8DD8-1EDC7C6407F0}"/>
+              </a:ext>
+            </a:extLst>
+          </p:cNvPr>
+          <p:cNvPicPr>
+            <a:picLocks noChangeAspect="1"/>
+          </p:cNvPicPr>
+          <p:nvPr/>
+        </p:nvPicPr>
+        <p:blipFill>
+          <a:blip r:embed="rId6"/>
+          <a:stretch>
+            <a:fillRect/>
+          </a:stretch>
+        </p:blipFill>
+        <p:spPr>
+          <a:xfrm>
+            <a:off x="7019885" y="4591617"/>
+            <a:ext cx="3669578" cy="1721995"/>
+          </a:xfrm>
+          <a:prstGeom prst="rect">
+            <a:avLst/>
+          </a:prstGeom>
+        </p:spPr>
+      </p:pic>
+    </p:spTree>
+    <p:extLst>
+      <p:ext uri="{BB962C8B-B14F-4D97-AF65-F5344CB8AC3E}">
+        <p14:creationId xmlns:p14="http://schemas.microsoft.com/office/powerpoint/2010/main" val="3519179080"/>
+      </p:ext>
+    </p:extLst>
+  </p:cSld>
+  <p:clrMapOvr>
+    <a:masterClrMapping/>
+  </p:clrMapOvr>
+</p:sld>
+</file>
+
 <file path=ppt/slides/slide2.xml><?xml version="1.0" encoding="utf-8"?>
 <p:sld xmlns:a="http://schemas.openxmlformats.org/drawingml/2006/main" xmlns:r="http://schemas.openxmlformats.org/officeDocument/2006/relationships" xmlns:p="http://schemas.openxmlformats.org/presentationml/2006/main">
   <p:cSld>
@@ -7401,6 +11572,1420 @@
     <p:extLst>
       <p:ext uri="{BB962C8B-B14F-4D97-AF65-F5344CB8AC3E}">
         <p14:creationId xmlns:p14="http://schemas.microsoft.com/office/powerpoint/2010/main" val="3265517231"/>
+      </p:ext>
+    </p:extLst>
+  </p:cSld>
+  <p:clrMapOvr>
+    <a:masterClrMapping/>
+  </p:clrMapOvr>
+</p:sld>
+</file>
+
+<file path=ppt/slides/slide20.xml><?xml version="1.0" encoding="utf-8"?>
+<p:sld xmlns:a="http://schemas.openxmlformats.org/drawingml/2006/main" xmlns:r="http://schemas.openxmlformats.org/officeDocument/2006/relationships" xmlns:p="http://schemas.openxmlformats.org/presentationml/2006/main">
+  <p:cSld>
+    <p:spTree>
+      <p:nvGrpSpPr>
+        <p:cNvPr id="1" name=""/>
+        <p:cNvGrpSpPr/>
+        <p:nvPr/>
+      </p:nvGrpSpPr>
+      <p:grpSpPr>
+        <a:xfrm>
+          <a:off x="0" y="0"/>
+          <a:ext cx="0" cy="0"/>
+          <a:chOff x="0" y="0"/>
+          <a:chExt cx="0" cy="0"/>
+        </a:xfrm>
+      </p:grpSpPr>
+      <p:pic>
+        <p:nvPicPr>
+          <p:cNvPr id="8" name="Image 7" descr="Une image contenant texte, capture d’écran, Tracé, ligne&#10;&#10;Description générée automatiquement">
+            <a:extLst>
+              <a:ext uri="{FF2B5EF4-FFF2-40B4-BE49-F238E27FC236}">
+                <a16:creationId xmlns:a16="http://schemas.microsoft.com/office/drawing/2014/main" id="{4462E586-CEE0-BAFA-8675-699728467D90}"/>
+              </a:ext>
+            </a:extLst>
+          </p:cNvPr>
+          <p:cNvPicPr>
+            <a:picLocks noChangeAspect="1"/>
+          </p:cNvPicPr>
+          <p:nvPr/>
+        </p:nvPicPr>
+        <p:blipFill>
+          <a:blip r:embed="rId3">
+            <a:extLst>
+              <a:ext uri="{28A0092B-C50C-407E-A947-70E740481C1C}">
+                <a14:useLocalDpi xmlns:a14="http://schemas.microsoft.com/office/drawing/2010/main" val="0"/>
+              </a:ext>
+            </a:extLst>
+          </a:blip>
+          <a:stretch>
+            <a:fillRect/>
+          </a:stretch>
+        </p:blipFill>
+        <p:spPr>
+          <a:xfrm>
+            <a:off x="4997265" y="1728216"/>
+            <a:ext cx="6638866" cy="4979150"/>
+          </a:xfrm>
+          <a:prstGeom prst="rect">
+            <a:avLst/>
+          </a:prstGeom>
+        </p:spPr>
+      </p:pic>
+      <p:sp>
+        <p:nvSpPr>
+          <p:cNvPr id="2" name="Titre 1">
+            <a:extLst>
+              <a:ext uri="{FF2B5EF4-FFF2-40B4-BE49-F238E27FC236}">
+                <a16:creationId xmlns:a16="http://schemas.microsoft.com/office/drawing/2014/main" id="{90162AE8-C1B0-5C56-8313-DEE494F38273}"/>
+              </a:ext>
+            </a:extLst>
+          </p:cNvPr>
+          <p:cNvSpPr>
+            <a:spLocks noGrp="1"/>
+          </p:cNvSpPr>
+          <p:nvPr>
+            <p:ph type="title"/>
+          </p:nvPr>
+        </p:nvSpPr>
+        <p:spPr/>
+        <p:txBody>
+          <a:bodyPr/>
+          <a:lstStyle/>
+          <a:p>
+            <a:r>
+              <a:rPr lang="fr-FR" dirty="0"/>
+              <a:t>M3 – Transmettre l’information</a:t>
+            </a:r>
+          </a:p>
+        </p:txBody>
+      </p:sp>
+      <p:pic>
+        <p:nvPicPr>
+          <p:cNvPr id="5" name="Image 4" descr="Une image contenant texte&#10;&#10;Description générée automatiquement">
+            <a:extLst>
+              <a:ext uri="{FF2B5EF4-FFF2-40B4-BE49-F238E27FC236}">
+                <a16:creationId xmlns:a16="http://schemas.microsoft.com/office/drawing/2014/main" id="{204ADC40-1D61-539F-22ED-6B21D67FBDE6}"/>
+              </a:ext>
+            </a:extLst>
+          </p:cNvPr>
+          <p:cNvPicPr>
+            <a:picLocks noChangeAspect="1"/>
+          </p:cNvPicPr>
+          <p:nvPr/>
+        </p:nvPicPr>
+        <p:blipFill>
+          <a:blip r:embed="rId4" cstate="print">
+            <a:extLst>
+              <a:ext uri="{28A0092B-C50C-407E-A947-70E740481C1C}">
+                <a14:useLocalDpi xmlns:a14="http://schemas.microsoft.com/office/drawing/2010/main" val="0"/>
+              </a:ext>
+            </a:extLst>
+          </a:blip>
+          <a:stretch>
+            <a:fillRect/>
+          </a:stretch>
+        </p:blipFill>
+        <p:spPr>
+          <a:xfrm>
+            <a:off x="202922" y="5934456"/>
+            <a:ext cx="1825291" cy="749808"/>
+          </a:xfrm>
+          <a:prstGeom prst="rect">
+            <a:avLst/>
+          </a:prstGeom>
+        </p:spPr>
+      </p:pic>
+      <p:sp>
+        <p:nvSpPr>
+          <p:cNvPr id="7" name="Espace réservé du contenu 6">
+            <a:extLst>
+              <a:ext uri="{FF2B5EF4-FFF2-40B4-BE49-F238E27FC236}">
+                <a16:creationId xmlns:a16="http://schemas.microsoft.com/office/drawing/2014/main" id="{74BC1505-3936-808A-3CEC-841FD2413D6F}"/>
+              </a:ext>
+            </a:extLst>
+          </p:cNvPr>
+          <p:cNvSpPr>
+            <a:spLocks noGrp="1"/>
+          </p:cNvSpPr>
+          <p:nvPr>
+            <p:ph sz="half" idx="1"/>
+          </p:nvPr>
+        </p:nvSpPr>
+        <p:spPr/>
+        <p:txBody>
+          <a:bodyPr/>
+          <a:lstStyle/>
+          <a:p>
+            <a:r>
+              <a:rPr lang="fr-FR" dirty="0"/>
+              <a:t>Récepteur </a:t>
+            </a:r>
+            <a:br>
+              <a:rPr lang="fr-FR" dirty="0"/>
+            </a:br>
+            <a:r>
+              <a:rPr lang="fr-FR" dirty="0" err="1"/>
+              <a:t>transimpédance</a:t>
+            </a:r>
+            <a:endParaRPr lang="fr-FR" dirty="0"/>
+          </a:p>
+        </p:txBody>
+      </p:sp>
+      <p:sp>
+        <p:nvSpPr>
+          <p:cNvPr id="4" name="ZoneTexte 3">
+            <a:extLst>
+              <a:ext uri="{FF2B5EF4-FFF2-40B4-BE49-F238E27FC236}">
+                <a16:creationId xmlns:a16="http://schemas.microsoft.com/office/drawing/2014/main" id="{564C8E67-78B9-7216-11DA-4A8626976A39}"/>
+              </a:ext>
+            </a:extLst>
+          </p:cNvPr>
+          <p:cNvSpPr txBox="1"/>
+          <p:nvPr/>
+        </p:nvSpPr>
+        <p:spPr>
+          <a:xfrm>
+            <a:off x="7763616" y="2108692"/>
+            <a:ext cx="1942006" cy="369332"/>
+          </a:xfrm>
+          <a:prstGeom prst="rect">
+            <a:avLst/>
+          </a:prstGeom>
+          <a:noFill/>
+        </p:spPr>
+        <p:txBody>
+          <a:bodyPr wrap="none" rtlCol="0">
+            <a:spAutoFit/>
+          </a:bodyPr>
+          <a:lstStyle/>
+          <a:p>
+            <a:r>
+              <a:rPr lang="fr-FR" dirty="0"/>
+              <a:t>Polarisation -15V</a:t>
+            </a:r>
+          </a:p>
+        </p:txBody>
+      </p:sp>
+      <p:sp>
+        <p:nvSpPr>
+          <p:cNvPr id="10" name="ZoneTexte 9">
+            <a:extLst>
+              <a:ext uri="{FF2B5EF4-FFF2-40B4-BE49-F238E27FC236}">
+                <a16:creationId xmlns:a16="http://schemas.microsoft.com/office/drawing/2014/main" id="{C99746F1-D750-4EE5-9BEC-708A18DF2300}"/>
+              </a:ext>
+            </a:extLst>
+          </p:cNvPr>
+          <p:cNvSpPr txBox="1"/>
+          <p:nvPr/>
+        </p:nvSpPr>
+        <p:spPr>
+          <a:xfrm>
+            <a:off x="7763616" y="3578352"/>
+            <a:ext cx="1733616" cy="369332"/>
+          </a:xfrm>
+          <a:prstGeom prst="rect">
+            <a:avLst/>
+          </a:prstGeom>
+          <a:noFill/>
+        </p:spPr>
+        <p:txBody>
+          <a:bodyPr wrap="none" rtlCol="0">
+            <a:spAutoFit/>
+          </a:bodyPr>
+          <a:lstStyle/>
+          <a:p>
+            <a:r>
+              <a:rPr lang="fr-FR" dirty="0"/>
+              <a:t>Polarisation 0V</a:t>
+            </a:r>
+          </a:p>
+        </p:txBody>
+      </p:sp>
+    </p:spTree>
+    <p:extLst>
+      <p:ext uri="{BB962C8B-B14F-4D97-AF65-F5344CB8AC3E}">
+        <p14:creationId xmlns:p14="http://schemas.microsoft.com/office/powerpoint/2010/main" val="2414863005"/>
+      </p:ext>
+    </p:extLst>
+  </p:cSld>
+  <p:clrMapOvr>
+    <a:masterClrMapping/>
+  </p:clrMapOvr>
+</p:sld>
+</file>
+
+<file path=ppt/slides/slide21.xml><?xml version="1.0" encoding="utf-8"?>
+<p:sld xmlns:a="http://schemas.openxmlformats.org/drawingml/2006/main" xmlns:r="http://schemas.openxmlformats.org/officeDocument/2006/relationships" xmlns:p="http://schemas.openxmlformats.org/presentationml/2006/main">
+  <p:cSld>
+    <p:spTree>
+      <p:nvGrpSpPr>
+        <p:cNvPr id="1" name=""/>
+        <p:cNvGrpSpPr/>
+        <p:nvPr/>
+      </p:nvGrpSpPr>
+      <p:grpSpPr>
+        <a:xfrm>
+          <a:off x="0" y="0"/>
+          <a:ext cx="0" cy="0"/>
+          <a:chOff x="0" y="0"/>
+          <a:chExt cx="0" cy="0"/>
+        </a:xfrm>
+      </p:grpSpPr>
+      <p:sp>
+        <p:nvSpPr>
+          <p:cNvPr id="2" name="Titre 1">
+            <a:extLst>
+              <a:ext uri="{FF2B5EF4-FFF2-40B4-BE49-F238E27FC236}">
+                <a16:creationId xmlns:a16="http://schemas.microsoft.com/office/drawing/2014/main" id="{90162AE8-C1B0-5C56-8313-DEE494F38273}"/>
+              </a:ext>
+            </a:extLst>
+          </p:cNvPr>
+          <p:cNvSpPr>
+            <a:spLocks noGrp="1"/>
+          </p:cNvSpPr>
+          <p:nvPr>
+            <p:ph type="title"/>
+          </p:nvPr>
+        </p:nvSpPr>
+        <p:spPr/>
+        <p:txBody>
+          <a:bodyPr/>
+          <a:lstStyle/>
+          <a:p>
+            <a:r>
+              <a:rPr lang="fr-FR" dirty="0"/>
+              <a:t>M4 – Transmettre l’information</a:t>
+            </a:r>
+          </a:p>
+        </p:txBody>
+      </p:sp>
+      <p:pic>
+        <p:nvPicPr>
+          <p:cNvPr id="5" name="Image 4" descr="Une image contenant texte&#10;&#10;Description générée automatiquement">
+            <a:extLst>
+              <a:ext uri="{FF2B5EF4-FFF2-40B4-BE49-F238E27FC236}">
+                <a16:creationId xmlns:a16="http://schemas.microsoft.com/office/drawing/2014/main" id="{204ADC40-1D61-539F-22ED-6B21D67FBDE6}"/>
+              </a:ext>
+            </a:extLst>
+          </p:cNvPr>
+          <p:cNvPicPr>
+            <a:picLocks noChangeAspect="1"/>
+          </p:cNvPicPr>
+          <p:nvPr/>
+        </p:nvPicPr>
+        <p:blipFill>
+          <a:blip r:embed="rId3" cstate="print">
+            <a:extLst>
+              <a:ext uri="{28A0092B-C50C-407E-A947-70E740481C1C}">
+                <a14:useLocalDpi xmlns:a14="http://schemas.microsoft.com/office/drawing/2010/main" val="0"/>
+              </a:ext>
+            </a:extLst>
+          </a:blip>
+          <a:stretch>
+            <a:fillRect/>
+          </a:stretch>
+        </p:blipFill>
+        <p:spPr>
+          <a:xfrm>
+            <a:off x="202922" y="5934456"/>
+            <a:ext cx="1825291" cy="749808"/>
+          </a:xfrm>
+          <a:prstGeom prst="rect">
+            <a:avLst/>
+          </a:prstGeom>
+        </p:spPr>
+      </p:pic>
+      <p:sp>
+        <p:nvSpPr>
+          <p:cNvPr id="7" name="Espace réservé du contenu 6">
+            <a:extLst>
+              <a:ext uri="{FF2B5EF4-FFF2-40B4-BE49-F238E27FC236}">
+                <a16:creationId xmlns:a16="http://schemas.microsoft.com/office/drawing/2014/main" id="{74BC1505-3936-808A-3CEC-841FD2413D6F}"/>
+              </a:ext>
+            </a:extLst>
+          </p:cNvPr>
+          <p:cNvSpPr>
+            <a:spLocks noGrp="1"/>
+          </p:cNvSpPr>
+          <p:nvPr>
+            <p:ph sz="half" idx="1"/>
+          </p:nvPr>
+        </p:nvSpPr>
+        <p:spPr/>
+        <p:txBody>
+          <a:bodyPr/>
+          <a:lstStyle/>
+          <a:p>
+            <a:r>
+              <a:rPr lang="fr-FR" dirty="0"/>
+              <a:t>Récepteur </a:t>
+            </a:r>
+            <a:br>
+              <a:rPr lang="fr-FR" dirty="0"/>
+            </a:br>
+            <a:r>
+              <a:rPr lang="fr-FR" dirty="0" err="1"/>
+              <a:t>transimpédance</a:t>
+            </a:r>
+            <a:endParaRPr lang="fr-FR" dirty="0"/>
+          </a:p>
+        </p:txBody>
+      </p:sp>
+      <p:pic>
+        <p:nvPicPr>
+          <p:cNvPr id="6" name="Image 5">
+            <a:extLst>
+              <a:ext uri="{FF2B5EF4-FFF2-40B4-BE49-F238E27FC236}">
+                <a16:creationId xmlns:a16="http://schemas.microsoft.com/office/drawing/2014/main" id="{4E680D81-E810-28BB-E8F0-45111CCDE00A}"/>
+              </a:ext>
+            </a:extLst>
+          </p:cNvPr>
+          <p:cNvPicPr>
+            <a:picLocks noChangeAspect="1"/>
+          </p:cNvPicPr>
+          <p:nvPr/>
+        </p:nvPicPr>
+        <p:blipFill>
+          <a:blip r:embed="rId4"/>
+          <a:stretch>
+            <a:fillRect/>
+          </a:stretch>
+        </p:blipFill>
+        <p:spPr>
+          <a:xfrm>
+            <a:off x="5197265" y="2106358"/>
+            <a:ext cx="6600825" cy="3705225"/>
+          </a:xfrm>
+          <a:prstGeom prst="rect">
+            <a:avLst/>
+          </a:prstGeom>
+        </p:spPr>
+      </p:pic>
+      <p:pic>
+        <p:nvPicPr>
+          <p:cNvPr id="11" name="Image 10">
+            <a:extLst>
+              <a:ext uri="{FF2B5EF4-FFF2-40B4-BE49-F238E27FC236}">
+                <a16:creationId xmlns:a16="http://schemas.microsoft.com/office/drawing/2014/main" id="{6B1BB403-7A97-2FC2-8E66-8C69EFB537AD}"/>
+              </a:ext>
+            </a:extLst>
+          </p:cNvPr>
+          <p:cNvPicPr>
+            <a:picLocks noChangeAspect="1"/>
+          </p:cNvPicPr>
+          <p:nvPr/>
+        </p:nvPicPr>
+        <p:blipFill>
+          <a:blip r:embed="rId5"/>
+          <a:stretch>
+            <a:fillRect/>
+          </a:stretch>
+        </p:blipFill>
+        <p:spPr>
+          <a:xfrm>
+            <a:off x="2188837" y="3881852"/>
+            <a:ext cx="3633723" cy="2725293"/>
+          </a:xfrm>
+          <a:prstGeom prst="rect">
+            <a:avLst/>
+          </a:prstGeom>
+        </p:spPr>
+      </p:pic>
+    </p:spTree>
+    <p:extLst>
+      <p:ext uri="{BB962C8B-B14F-4D97-AF65-F5344CB8AC3E}">
+        <p14:creationId xmlns:p14="http://schemas.microsoft.com/office/powerpoint/2010/main" val="72043669"/>
+      </p:ext>
+    </p:extLst>
+  </p:cSld>
+  <p:clrMapOvr>
+    <a:masterClrMapping/>
+  </p:clrMapOvr>
+</p:sld>
+</file>
+
+<file path=ppt/slides/slide22.xml><?xml version="1.0" encoding="utf-8"?>
+<p:sld xmlns:a="http://schemas.openxmlformats.org/drawingml/2006/main" xmlns:r="http://schemas.openxmlformats.org/officeDocument/2006/relationships" xmlns:p="http://schemas.openxmlformats.org/presentationml/2006/main">
+  <p:cSld>
+    <p:spTree>
+      <p:nvGrpSpPr>
+        <p:cNvPr id="1" name=""/>
+        <p:cNvGrpSpPr/>
+        <p:nvPr/>
+      </p:nvGrpSpPr>
+      <p:grpSpPr>
+        <a:xfrm>
+          <a:off x="0" y="0"/>
+          <a:ext cx="0" cy="0"/>
+          <a:chOff x="0" y="0"/>
+          <a:chExt cx="0" cy="0"/>
+        </a:xfrm>
+      </p:grpSpPr>
+      <p:sp>
+        <p:nvSpPr>
+          <p:cNvPr id="2" name="Titre 1">
+            <a:extLst>
+              <a:ext uri="{FF2B5EF4-FFF2-40B4-BE49-F238E27FC236}">
+                <a16:creationId xmlns:a16="http://schemas.microsoft.com/office/drawing/2014/main" id="{90162AE8-C1B0-5C56-8313-DEE494F38273}"/>
+              </a:ext>
+            </a:extLst>
+          </p:cNvPr>
+          <p:cNvSpPr>
+            <a:spLocks noGrp="1"/>
+          </p:cNvSpPr>
+          <p:nvPr>
+            <p:ph type="title"/>
+          </p:nvPr>
+        </p:nvSpPr>
+        <p:spPr/>
+        <p:txBody>
+          <a:bodyPr/>
+          <a:lstStyle/>
+          <a:p>
+            <a:r>
+              <a:rPr lang="fr-FR" dirty="0"/>
+              <a:t>M4 – Transmettre l’information</a:t>
+            </a:r>
+          </a:p>
+        </p:txBody>
+      </p:sp>
+      <p:pic>
+        <p:nvPicPr>
+          <p:cNvPr id="5" name="Image 4" descr="Une image contenant texte&#10;&#10;Description générée automatiquement">
+            <a:extLst>
+              <a:ext uri="{FF2B5EF4-FFF2-40B4-BE49-F238E27FC236}">
+                <a16:creationId xmlns:a16="http://schemas.microsoft.com/office/drawing/2014/main" id="{204ADC40-1D61-539F-22ED-6B21D67FBDE6}"/>
+              </a:ext>
+            </a:extLst>
+          </p:cNvPr>
+          <p:cNvPicPr>
+            <a:picLocks noChangeAspect="1"/>
+          </p:cNvPicPr>
+          <p:nvPr/>
+        </p:nvPicPr>
+        <p:blipFill>
+          <a:blip r:embed="rId3" cstate="print">
+            <a:extLst>
+              <a:ext uri="{28A0092B-C50C-407E-A947-70E740481C1C}">
+                <a14:useLocalDpi xmlns:a14="http://schemas.microsoft.com/office/drawing/2010/main" val="0"/>
+              </a:ext>
+            </a:extLst>
+          </a:blip>
+          <a:stretch>
+            <a:fillRect/>
+          </a:stretch>
+        </p:blipFill>
+        <p:spPr>
+          <a:xfrm>
+            <a:off x="202922" y="5934456"/>
+            <a:ext cx="1825291" cy="749808"/>
+          </a:xfrm>
+          <a:prstGeom prst="rect">
+            <a:avLst/>
+          </a:prstGeom>
+        </p:spPr>
+      </p:pic>
+      <p:sp>
+        <p:nvSpPr>
+          <p:cNvPr id="7" name="Espace réservé du contenu 6">
+            <a:extLst>
+              <a:ext uri="{FF2B5EF4-FFF2-40B4-BE49-F238E27FC236}">
+                <a16:creationId xmlns:a16="http://schemas.microsoft.com/office/drawing/2014/main" id="{74BC1505-3936-808A-3CEC-841FD2413D6F}"/>
+              </a:ext>
+            </a:extLst>
+          </p:cNvPr>
+          <p:cNvSpPr>
+            <a:spLocks noGrp="1"/>
+          </p:cNvSpPr>
+          <p:nvPr>
+            <p:ph sz="half" idx="1"/>
+          </p:nvPr>
+        </p:nvSpPr>
+        <p:spPr/>
+        <p:txBody>
+          <a:bodyPr/>
+          <a:lstStyle/>
+          <a:p>
+            <a:r>
+              <a:rPr lang="fr-FR" dirty="0"/>
+              <a:t>Récepteur </a:t>
+            </a:r>
+            <a:br>
+              <a:rPr lang="fr-FR" dirty="0"/>
+            </a:br>
+            <a:r>
+              <a:rPr lang="fr-FR" dirty="0" err="1"/>
+              <a:t>transimpédance</a:t>
+            </a:r>
+            <a:endParaRPr lang="fr-FR" dirty="0"/>
+          </a:p>
+        </p:txBody>
+      </p:sp>
+      <p:pic>
+        <p:nvPicPr>
+          <p:cNvPr id="6" name="Image 5">
+            <a:extLst>
+              <a:ext uri="{FF2B5EF4-FFF2-40B4-BE49-F238E27FC236}">
+                <a16:creationId xmlns:a16="http://schemas.microsoft.com/office/drawing/2014/main" id="{4E680D81-E810-28BB-E8F0-45111CCDE00A}"/>
+              </a:ext>
+            </a:extLst>
+          </p:cNvPr>
+          <p:cNvPicPr>
+            <a:picLocks noChangeAspect="1"/>
+          </p:cNvPicPr>
+          <p:nvPr/>
+        </p:nvPicPr>
+        <p:blipFill>
+          <a:blip r:embed="rId4"/>
+          <a:stretch>
+            <a:fillRect/>
+          </a:stretch>
+        </p:blipFill>
+        <p:spPr>
+          <a:xfrm>
+            <a:off x="5197265" y="2106358"/>
+            <a:ext cx="6600825" cy="3705225"/>
+          </a:xfrm>
+          <a:prstGeom prst="rect">
+            <a:avLst/>
+          </a:prstGeom>
+        </p:spPr>
+      </p:pic>
+      <p:pic>
+        <p:nvPicPr>
+          <p:cNvPr id="11" name="Image 10">
+            <a:extLst>
+              <a:ext uri="{FF2B5EF4-FFF2-40B4-BE49-F238E27FC236}">
+                <a16:creationId xmlns:a16="http://schemas.microsoft.com/office/drawing/2014/main" id="{6B1BB403-7A97-2FC2-8E66-8C69EFB537AD}"/>
+              </a:ext>
+            </a:extLst>
+          </p:cNvPr>
+          <p:cNvPicPr>
+            <a:picLocks noChangeAspect="1"/>
+          </p:cNvPicPr>
+          <p:nvPr/>
+        </p:nvPicPr>
+        <p:blipFill>
+          <a:blip r:embed="rId5"/>
+          <a:stretch>
+            <a:fillRect/>
+          </a:stretch>
+        </p:blipFill>
+        <p:spPr>
+          <a:xfrm>
+            <a:off x="2188837" y="3881852"/>
+            <a:ext cx="3633723" cy="2725293"/>
+          </a:xfrm>
+          <a:prstGeom prst="rect">
+            <a:avLst/>
+          </a:prstGeom>
+        </p:spPr>
+      </p:pic>
+      <p:pic>
+        <p:nvPicPr>
+          <p:cNvPr id="4" name="Image 3">
+            <a:extLst>
+              <a:ext uri="{FF2B5EF4-FFF2-40B4-BE49-F238E27FC236}">
+                <a16:creationId xmlns:a16="http://schemas.microsoft.com/office/drawing/2014/main" id="{69164795-86DA-816D-AC6C-4EED04E0C04A}"/>
+              </a:ext>
+            </a:extLst>
+          </p:cNvPr>
+          <p:cNvPicPr>
+            <a:picLocks noChangeAspect="1"/>
+          </p:cNvPicPr>
+          <p:nvPr/>
+        </p:nvPicPr>
+        <p:blipFill>
+          <a:blip r:embed="rId6"/>
+          <a:stretch>
+            <a:fillRect/>
+          </a:stretch>
+        </p:blipFill>
+        <p:spPr>
+          <a:xfrm>
+            <a:off x="5783008" y="5278295"/>
+            <a:ext cx="3409950" cy="809625"/>
+          </a:xfrm>
+          <a:prstGeom prst="rect">
+            <a:avLst/>
+          </a:prstGeom>
+        </p:spPr>
+      </p:pic>
+      <p:pic>
+        <p:nvPicPr>
+          <p:cNvPr id="9" name="Image 8">
+            <a:extLst>
+              <a:ext uri="{FF2B5EF4-FFF2-40B4-BE49-F238E27FC236}">
+                <a16:creationId xmlns:a16="http://schemas.microsoft.com/office/drawing/2014/main" id="{534A9D48-2967-25C0-C6F7-2A7E0B2708A6}"/>
+              </a:ext>
+            </a:extLst>
+          </p:cNvPr>
+          <p:cNvPicPr>
+            <a:picLocks noChangeAspect="1"/>
+          </p:cNvPicPr>
+          <p:nvPr/>
+        </p:nvPicPr>
+        <p:blipFill>
+          <a:blip r:embed="rId7"/>
+          <a:stretch>
+            <a:fillRect/>
+          </a:stretch>
+        </p:blipFill>
+        <p:spPr>
+          <a:xfrm>
+            <a:off x="6965974" y="6036564"/>
+            <a:ext cx="4181475" cy="647700"/>
+          </a:xfrm>
+          <a:prstGeom prst="rect">
+            <a:avLst/>
+          </a:prstGeom>
+        </p:spPr>
+      </p:pic>
+    </p:spTree>
+    <p:extLst>
+      <p:ext uri="{BB962C8B-B14F-4D97-AF65-F5344CB8AC3E}">
+        <p14:creationId xmlns:p14="http://schemas.microsoft.com/office/powerpoint/2010/main" val="103598623"/>
+      </p:ext>
+    </p:extLst>
+  </p:cSld>
+  <p:clrMapOvr>
+    <a:masterClrMapping/>
+  </p:clrMapOvr>
+</p:sld>
+</file>
+
+<file path=ppt/slides/slide23.xml><?xml version="1.0" encoding="utf-8"?>
+<p:sld xmlns:a="http://schemas.openxmlformats.org/drawingml/2006/main" xmlns:r="http://schemas.openxmlformats.org/officeDocument/2006/relationships" xmlns:p="http://schemas.openxmlformats.org/presentationml/2006/main">
+  <p:cSld>
+    <p:spTree>
+      <p:nvGrpSpPr>
+        <p:cNvPr id="1" name=""/>
+        <p:cNvGrpSpPr/>
+        <p:nvPr/>
+      </p:nvGrpSpPr>
+      <p:grpSpPr>
+        <a:xfrm>
+          <a:off x="0" y="0"/>
+          <a:ext cx="0" cy="0"/>
+          <a:chOff x="0" y="0"/>
+          <a:chExt cx="0" cy="0"/>
+        </a:xfrm>
+      </p:grpSpPr>
+      <p:sp>
+        <p:nvSpPr>
+          <p:cNvPr id="2" name="Titre 1">
+            <a:extLst>
+              <a:ext uri="{FF2B5EF4-FFF2-40B4-BE49-F238E27FC236}">
+                <a16:creationId xmlns:a16="http://schemas.microsoft.com/office/drawing/2014/main" id="{90162AE8-C1B0-5C56-8313-DEE494F38273}"/>
+              </a:ext>
+            </a:extLst>
+          </p:cNvPr>
+          <p:cNvSpPr>
+            <a:spLocks noGrp="1"/>
+          </p:cNvSpPr>
+          <p:nvPr>
+            <p:ph type="title"/>
+          </p:nvPr>
+        </p:nvSpPr>
+        <p:spPr/>
+        <p:txBody>
+          <a:bodyPr/>
+          <a:lstStyle/>
+          <a:p>
+            <a:r>
+              <a:rPr lang="fr-FR" dirty="0"/>
+              <a:t>M4 – Transmettre l’information</a:t>
+            </a:r>
+          </a:p>
+        </p:txBody>
+      </p:sp>
+      <p:pic>
+        <p:nvPicPr>
+          <p:cNvPr id="5" name="Image 4" descr="Une image contenant texte&#10;&#10;Description générée automatiquement">
+            <a:extLst>
+              <a:ext uri="{FF2B5EF4-FFF2-40B4-BE49-F238E27FC236}">
+                <a16:creationId xmlns:a16="http://schemas.microsoft.com/office/drawing/2014/main" id="{204ADC40-1D61-539F-22ED-6B21D67FBDE6}"/>
+              </a:ext>
+            </a:extLst>
+          </p:cNvPr>
+          <p:cNvPicPr>
+            <a:picLocks noChangeAspect="1"/>
+          </p:cNvPicPr>
+          <p:nvPr/>
+        </p:nvPicPr>
+        <p:blipFill>
+          <a:blip r:embed="rId3" cstate="print">
+            <a:extLst>
+              <a:ext uri="{28A0092B-C50C-407E-A947-70E740481C1C}">
+                <a14:useLocalDpi xmlns:a14="http://schemas.microsoft.com/office/drawing/2010/main" val="0"/>
+              </a:ext>
+            </a:extLst>
+          </a:blip>
+          <a:stretch>
+            <a:fillRect/>
+          </a:stretch>
+        </p:blipFill>
+        <p:spPr>
+          <a:xfrm>
+            <a:off x="202922" y="5934456"/>
+            <a:ext cx="1825291" cy="749808"/>
+          </a:xfrm>
+          <a:prstGeom prst="rect">
+            <a:avLst/>
+          </a:prstGeom>
+        </p:spPr>
+      </p:pic>
+      <p:sp>
+        <p:nvSpPr>
+          <p:cNvPr id="7" name="Espace réservé du contenu 6">
+            <a:extLst>
+              <a:ext uri="{FF2B5EF4-FFF2-40B4-BE49-F238E27FC236}">
+                <a16:creationId xmlns:a16="http://schemas.microsoft.com/office/drawing/2014/main" id="{74BC1505-3936-808A-3CEC-841FD2413D6F}"/>
+              </a:ext>
+            </a:extLst>
+          </p:cNvPr>
+          <p:cNvSpPr>
+            <a:spLocks noGrp="1"/>
+          </p:cNvSpPr>
+          <p:nvPr>
+            <p:ph sz="half" idx="1"/>
+          </p:nvPr>
+        </p:nvSpPr>
+        <p:spPr/>
+        <p:txBody>
+          <a:bodyPr/>
+          <a:lstStyle/>
+          <a:p>
+            <a:r>
+              <a:rPr lang="fr-FR" dirty="0"/>
+              <a:t>Récepteur </a:t>
+            </a:r>
+            <a:br>
+              <a:rPr lang="fr-FR" dirty="0"/>
+            </a:br>
+            <a:r>
+              <a:rPr lang="fr-FR" dirty="0" err="1"/>
+              <a:t>transimpédance</a:t>
+            </a:r>
+            <a:endParaRPr lang="fr-FR" dirty="0"/>
+          </a:p>
+        </p:txBody>
+      </p:sp>
+      <p:pic>
+        <p:nvPicPr>
+          <p:cNvPr id="3" name="Image 2">
+            <a:extLst>
+              <a:ext uri="{FF2B5EF4-FFF2-40B4-BE49-F238E27FC236}">
+                <a16:creationId xmlns:a16="http://schemas.microsoft.com/office/drawing/2014/main" id="{2D096555-5848-0BE0-B8C5-48AEE9211FDE}"/>
+              </a:ext>
+            </a:extLst>
+          </p:cNvPr>
+          <p:cNvPicPr>
+            <a:picLocks noChangeAspect="1"/>
+          </p:cNvPicPr>
+          <p:nvPr/>
+        </p:nvPicPr>
+        <p:blipFill>
+          <a:blip r:embed="rId4"/>
+          <a:stretch>
+            <a:fillRect/>
+          </a:stretch>
+        </p:blipFill>
+        <p:spPr>
+          <a:xfrm>
+            <a:off x="5983185" y="2140350"/>
+            <a:ext cx="5300511" cy="4369524"/>
+          </a:xfrm>
+          <a:prstGeom prst="rect">
+            <a:avLst/>
+          </a:prstGeom>
+        </p:spPr>
+      </p:pic>
+      <p:pic>
+        <p:nvPicPr>
+          <p:cNvPr id="4" name="Image 3">
+            <a:extLst>
+              <a:ext uri="{FF2B5EF4-FFF2-40B4-BE49-F238E27FC236}">
+                <a16:creationId xmlns:a16="http://schemas.microsoft.com/office/drawing/2014/main" id="{91117FE8-B431-A2B1-20EA-0634E603B045}"/>
+              </a:ext>
+            </a:extLst>
+          </p:cNvPr>
+          <p:cNvPicPr>
+            <a:picLocks noChangeAspect="1"/>
+          </p:cNvPicPr>
+          <p:nvPr/>
+        </p:nvPicPr>
+        <p:blipFill>
+          <a:blip r:embed="rId5"/>
+          <a:stretch>
+            <a:fillRect/>
+          </a:stretch>
+        </p:blipFill>
+        <p:spPr>
+          <a:xfrm>
+            <a:off x="2188837" y="3881852"/>
+            <a:ext cx="3633723" cy="2725293"/>
+          </a:xfrm>
+          <a:prstGeom prst="rect">
+            <a:avLst/>
+          </a:prstGeom>
+        </p:spPr>
+      </p:pic>
+    </p:spTree>
+    <p:extLst>
+      <p:ext uri="{BB962C8B-B14F-4D97-AF65-F5344CB8AC3E}">
+        <p14:creationId xmlns:p14="http://schemas.microsoft.com/office/powerpoint/2010/main" val="3702986705"/>
+      </p:ext>
+    </p:extLst>
+  </p:cSld>
+  <p:clrMapOvr>
+    <a:masterClrMapping/>
+  </p:clrMapOvr>
+</p:sld>
+</file>
+
+<file path=ppt/slides/slide24.xml><?xml version="1.0" encoding="utf-8"?>
+<p:sld xmlns:a="http://schemas.openxmlformats.org/drawingml/2006/main" xmlns:r="http://schemas.openxmlformats.org/officeDocument/2006/relationships" xmlns:p="http://schemas.openxmlformats.org/presentationml/2006/main">
+  <p:cSld>
+    <p:spTree>
+      <p:nvGrpSpPr>
+        <p:cNvPr id="1" name=""/>
+        <p:cNvGrpSpPr/>
+        <p:nvPr/>
+      </p:nvGrpSpPr>
+      <p:grpSpPr>
+        <a:xfrm>
+          <a:off x="0" y="0"/>
+          <a:ext cx="0" cy="0"/>
+          <a:chOff x="0" y="0"/>
+          <a:chExt cx="0" cy="0"/>
+        </a:xfrm>
+      </p:grpSpPr>
+      <p:sp>
+        <p:nvSpPr>
+          <p:cNvPr id="2" name="Titre 1">
+            <a:extLst>
+              <a:ext uri="{FF2B5EF4-FFF2-40B4-BE49-F238E27FC236}">
+                <a16:creationId xmlns:a16="http://schemas.microsoft.com/office/drawing/2014/main" id="{90162AE8-C1B0-5C56-8313-DEE494F38273}"/>
+              </a:ext>
+            </a:extLst>
+          </p:cNvPr>
+          <p:cNvSpPr>
+            <a:spLocks noGrp="1"/>
+          </p:cNvSpPr>
+          <p:nvPr>
+            <p:ph type="title"/>
+          </p:nvPr>
+        </p:nvSpPr>
+        <p:spPr/>
+        <p:txBody>
+          <a:bodyPr/>
+          <a:lstStyle/>
+          <a:p>
+            <a:r>
+              <a:rPr lang="fr-FR" dirty="0"/>
+              <a:t>M4 – Transmettre l’information</a:t>
+            </a:r>
+          </a:p>
+        </p:txBody>
+      </p:sp>
+      <p:pic>
+        <p:nvPicPr>
+          <p:cNvPr id="5" name="Image 4" descr="Une image contenant texte&#10;&#10;Description générée automatiquement">
+            <a:extLst>
+              <a:ext uri="{FF2B5EF4-FFF2-40B4-BE49-F238E27FC236}">
+                <a16:creationId xmlns:a16="http://schemas.microsoft.com/office/drawing/2014/main" id="{204ADC40-1D61-539F-22ED-6B21D67FBDE6}"/>
+              </a:ext>
+            </a:extLst>
+          </p:cNvPr>
+          <p:cNvPicPr>
+            <a:picLocks noChangeAspect="1"/>
+          </p:cNvPicPr>
+          <p:nvPr/>
+        </p:nvPicPr>
+        <p:blipFill>
+          <a:blip r:embed="rId3" cstate="print">
+            <a:extLst>
+              <a:ext uri="{28A0092B-C50C-407E-A947-70E740481C1C}">
+                <a14:useLocalDpi xmlns:a14="http://schemas.microsoft.com/office/drawing/2010/main" val="0"/>
+              </a:ext>
+            </a:extLst>
+          </a:blip>
+          <a:stretch>
+            <a:fillRect/>
+          </a:stretch>
+        </p:blipFill>
+        <p:spPr>
+          <a:xfrm>
+            <a:off x="202922" y="5934456"/>
+            <a:ext cx="1825291" cy="749808"/>
+          </a:xfrm>
+          <a:prstGeom prst="rect">
+            <a:avLst/>
+          </a:prstGeom>
+        </p:spPr>
+      </p:pic>
+      <p:sp>
+        <p:nvSpPr>
+          <p:cNvPr id="7" name="Espace réservé du contenu 6">
+            <a:extLst>
+              <a:ext uri="{FF2B5EF4-FFF2-40B4-BE49-F238E27FC236}">
+                <a16:creationId xmlns:a16="http://schemas.microsoft.com/office/drawing/2014/main" id="{74BC1505-3936-808A-3CEC-841FD2413D6F}"/>
+              </a:ext>
+            </a:extLst>
+          </p:cNvPr>
+          <p:cNvSpPr>
+            <a:spLocks noGrp="1"/>
+          </p:cNvSpPr>
+          <p:nvPr>
+            <p:ph sz="half" idx="1"/>
+          </p:nvPr>
+        </p:nvSpPr>
+        <p:spPr/>
+        <p:txBody>
+          <a:bodyPr/>
+          <a:lstStyle/>
+          <a:p>
+            <a:r>
+              <a:rPr lang="fr-FR" dirty="0"/>
+              <a:t>Récepteur </a:t>
+            </a:r>
+            <a:r>
+              <a:rPr lang="fr-FR" dirty="0" err="1"/>
+              <a:t>transimpédance</a:t>
+            </a:r>
+            <a:endParaRPr lang="fr-FR" dirty="0"/>
+          </a:p>
+        </p:txBody>
+      </p:sp>
+      <p:pic>
+        <p:nvPicPr>
+          <p:cNvPr id="6" name="Image 5">
+            <a:extLst>
+              <a:ext uri="{FF2B5EF4-FFF2-40B4-BE49-F238E27FC236}">
+                <a16:creationId xmlns:a16="http://schemas.microsoft.com/office/drawing/2014/main" id="{80CB7A35-5E10-BE9D-1EC1-5A00A421CAA2}"/>
+              </a:ext>
+            </a:extLst>
+          </p:cNvPr>
+          <p:cNvPicPr>
+            <a:picLocks noChangeAspect="1"/>
+          </p:cNvPicPr>
+          <p:nvPr/>
+        </p:nvPicPr>
+        <p:blipFill>
+          <a:blip r:embed="rId4"/>
+          <a:stretch>
+            <a:fillRect/>
+          </a:stretch>
+        </p:blipFill>
+        <p:spPr>
+          <a:xfrm>
+            <a:off x="2823916" y="3228328"/>
+            <a:ext cx="8284116" cy="3379480"/>
+          </a:xfrm>
+          <a:prstGeom prst="rect">
+            <a:avLst/>
+          </a:prstGeom>
+        </p:spPr>
+      </p:pic>
+    </p:spTree>
+    <p:extLst>
+      <p:ext uri="{BB962C8B-B14F-4D97-AF65-F5344CB8AC3E}">
+        <p14:creationId xmlns:p14="http://schemas.microsoft.com/office/powerpoint/2010/main" val="17228315"/>
+      </p:ext>
+    </p:extLst>
+  </p:cSld>
+  <p:clrMapOvr>
+    <a:masterClrMapping/>
+  </p:clrMapOvr>
+</p:sld>
+</file>
+
+<file path=ppt/slides/slide25.xml><?xml version="1.0" encoding="utf-8"?>
+<p:sld xmlns:a="http://schemas.openxmlformats.org/drawingml/2006/main" xmlns:r="http://schemas.openxmlformats.org/officeDocument/2006/relationships" xmlns:p="http://schemas.openxmlformats.org/presentationml/2006/main">
+  <p:cSld>
+    <p:spTree>
+      <p:nvGrpSpPr>
+        <p:cNvPr id="1" name=""/>
+        <p:cNvGrpSpPr/>
+        <p:nvPr/>
+      </p:nvGrpSpPr>
+      <p:grpSpPr>
+        <a:xfrm>
+          <a:off x="0" y="0"/>
+          <a:ext cx="0" cy="0"/>
+          <a:chOff x="0" y="0"/>
+          <a:chExt cx="0" cy="0"/>
+        </a:xfrm>
+      </p:grpSpPr>
+      <p:sp>
+        <p:nvSpPr>
+          <p:cNvPr id="2" name="Titre 1">
+            <a:extLst>
+              <a:ext uri="{FF2B5EF4-FFF2-40B4-BE49-F238E27FC236}">
+                <a16:creationId xmlns:a16="http://schemas.microsoft.com/office/drawing/2014/main" id="{90162AE8-C1B0-5C56-8313-DEE494F38273}"/>
+              </a:ext>
+            </a:extLst>
+          </p:cNvPr>
+          <p:cNvSpPr>
+            <a:spLocks noGrp="1"/>
+          </p:cNvSpPr>
+          <p:nvPr>
+            <p:ph type="title"/>
+          </p:nvPr>
+        </p:nvSpPr>
+        <p:spPr/>
+        <p:txBody>
+          <a:bodyPr/>
+          <a:lstStyle/>
+          <a:p>
+            <a:r>
+              <a:rPr lang="fr-FR" dirty="0"/>
+              <a:t>M4 – Transmettre l’information</a:t>
+            </a:r>
+          </a:p>
+        </p:txBody>
+      </p:sp>
+      <p:pic>
+        <p:nvPicPr>
+          <p:cNvPr id="5" name="Image 4" descr="Une image contenant texte&#10;&#10;Description générée automatiquement">
+            <a:extLst>
+              <a:ext uri="{FF2B5EF4-FFF2-40B4-BE49-F238E27FC236}">
+                <a16:creationId xmlns:a16="http://schemas.microsoft.com/office/drawing/2014/main" id="{204ADC40-1D61-539F-22ED-6B21D67FBDE6}"/>
+              </a:ext>
+            </a:extLst>
+          </p:cNvPr>
+          <p:cNvPicPr>
+            <a:picLocks noChangeAspect="1"/>
+          </p:cNvPicPr>
+          <p:nvPr/>
+        </p:nvPicPr>
+        <p:blipFill>
+          <a:blip r:embed="rId3" cstate="print">
+            <a:extLst>
+              <a:ext uri="{28A0092B-C50C-407E-A947-70E740481C1C}">
+                <a14:useLocalDpi xmlns:a14="http://schemas.microsoft.com/office/drawing/2010/main" val="0"/>
+              </a:ext>
+            </a:extLst>
+          </a:blip>
+          <a:stretch>
+            <a:fillRect/>
+          </a:stretch>
+        </p:blipFill>
+        <p:spPr>
+          <a:xfrm>
+            <a:off x="202922" y="5934456"/>
+            <a:ext cx="1825291" cy="749808"/>
+          </a:xfrm>
+          <a:prstGeom prst="rect">
+            <a:avLst/>
+          </a:prstGeom>
+        </p:spPr>
+      </p:pic>
+      <p:sp>
+        <p:nvSpPr>
+          <p:cNvPr id="7" name="Espace réservé du contenu 6">
+            <a:extLst>
+              <a:ext uri="{FF2B5EF4-FFF2-40B4-BE49-F238E27FC236}">
+                <a16:creationId xmlns:a16="http://schemas.microsoft.com/office/drawing/2014/main" id="{74BC1505-3936-808A-3CEC-841FD2413D6F}"/>
+              </a:ext>
+            </a:extLst>
+          </p:cNvPr>
+          <p:cNvSpPr>
+            <a:spLocks noGrp="1"/>
+          </p:cNvSpPr>
+          <p:nvPr>
+            <p:ph sz="half" idx="1"/>
+          </p:nvPr>
+        </p:nvSpPr>
+        <p:spPr/>
+        <p:txBody>
+          <a:bodyPr/>
+          <a:lstStyle/>
+          <a:p>
+            <a:r>
+              <a:rPr lang="fr-FR" dirty="0"/>
+              <a:t>Récepteur </a:t>
+            </a:r>
+            <a:r>
+              <a:rPr lang="fr-FR" dirty="0" err="1"/>
+              <a:t>transimpédance</a:t>
+            </a:r>
+            <a:endParaRPr lang="fr-FR" dirty="0"/>
+          </a:p>
+        </p:txBody>
+      </p:sp>
+      <p:pic>
+        <p:nvPicPr>
+          <p:cNvPr id="3" name="Image 2">
+            <a:extLst>
+              <a:ext uri="{FF2B5EF4-FFF2-40B4-BE49-F238E27FC236}">
+                <a16:creationId xmlns:a16="http://schemas.microsoft.com/office/drawing/2014/main" id="{1738F123-7A89-C0F4-84ED-7071033F3DB4}"/>
+              </a:ext>
+            </a:extLst>
+          </p:cNvPr>
+          <p:cNvPicPr>
+            <a:picLocks noChangeAspect="1"/>
+          </p:cNvPicPr>
+          <p:nvPr/>
+        </p:nvPicPr>
+        <p:blipFill>
+          <a:blip r:embed="rId4"/>
+          <a:stretch>
+            <a:fillRect/>
+          </a:stretch>
+        </p:blipFill>
+        <p:spPr>
+          <a:xfrm>
+            <a:off x="3283819" y="2894579"/>
+            <a:ext cx="6454297" cy="2633011"/>
+          </a:xfrm>
+          <a:prstGeom prst="rect">
+            <a:avLst/>
+          </a:prstGeom>
+        </p:spPr>
+      </p:pic>
+      <p:pic>
+        <p:nvPicPr>
+          <p:cNvPr id="4" name="Image 3">
+            <a:extLst>
+              <a:ext uri="{FF2B5EF4-FFF2-40B4-BE49-F238E27FC236}">
+                <a16:creationId xmlns:a16="http://schemas.microsoft.com/office/drawing/2014/main" id="{F87F86BF-66BE-FEBC-D53F-BB76EDB7D342}"/>
+              </a:ext>
+            </a:extLst>
+          </p:cNvPr>
+          <p:cNvPicPr>
+            <a:picLocks noChangeAspect="1"/>
+          </p:cNvPicPr>
+          <p:nvPr/>
+        </p:nvPicPr>
+        <p:blipFill>
+          <a:blip r:embed="rId5"/>
+          <a:stretch>
+            <a:fillRect/>
+          </a:stretch>
+        </p:blipFill>
+        <p:spPr>
+          <a:xfrm>
+            <a:off x="2295532" y="3186188"/>
+            <a:ext cx="4215436" cy="3421620"/>
+          </a:xfrm>
+          <a:prstGeom prst="rect">
+            <a:avLst/>
+          </a:prstGeom>
+        </p:spPr>
+      </p:pic>
+    </p:spTree>
+    <p:extLst>
+      <p:ext uri="{BB962C8B-B14F-4D97-AF65-F5344CB8AC3E}">
+        <p14:creationId xmlns:p14="http://schemas.microsoft.com/office/powerpoint/2010/main" val="3895332158"/>
+      </p:ext>
+    </p:extLst>
+  </p:cSld>
+  <p:clrMapOvr>
+    <a:masterClrMapping/>
+  </p:clrMapOvr>
+</p:sld>
+</file>
+
+<file path=ppt/slides/slide26.xml><?xml version="1.0" encoding="utf-8"?>
+<p:sld xmlns:a="http://schemas.openxmlformats.org/drawingml/2006/main" xmlns:r="http://schemas.openxmlformats.org/officeDocument/2006/relationships" xmlns:p="http://schemas.openxmlformats.org/presentationml/2006/main">
+  <p:cSld>
+    <p:spTree>
+      <p:nvGrpSpPr>
+        <p:cNvPr id="1" name=""/>
+        <p:cNvGrpSpPr/>
+        <p:nvPr/>
+      </p:nvGrpSpPr>
+      <p:grpSpPr>
+        <a:xfrm>
+          <a:off x="0" y="0"/>
+          <a:ext cx="0" cy="0"/>
+          <a:chOff x="0" y="0"/>
+          <a:chExt cx="0" cy="0"/>
+        </a:xfrm>
+      </p:grpSpPr>
+      <p:sp>
+        <p:nvSpPr>
+          <p:cNvPr id="2" name="Titre 1">
+            <a:extLst>
+              <a:ext uri="{FF2B5EF4-FFF2-40B4-BE49-F238E27FC236}">
+                <a16:creationId xmlns:a16="http://schemas.microsoft.com/office/drawing/2014/main" id="{90162AE8-C1B0-5C56-8313-DEE494F38273}"/>
+              </a:ext>
+            </a:extLst>
+          </p:cNvPr>
+          <p:cNvSpPr>
+            <a:spLocks noGrp="1"/>
+          </p:cNvSpPr>
+          <p:nvPr>
+            <p:ph type="title"/>
+          </p:nvPr>
+        </p:nvSpPr>
+        <p:spPr/>
+        <p:txBody>
+          <a:bodyPr/>
+          <a:lstStyle/>
+          <a:p>
+            <a:r>
+              <a:rPr lang="fr-FR" dirty="0"/>
+              <a:t>M5 – Détecter un obstacle</a:t>
+            </a:r>
+          </a:p>
+        </p:txBody>
+      </p:sp>
+      <p:pic>
+        <p:nvPicPr>
+          <p:cNvPr id="5" name="Image 4" descr="Une image contenant texte&#10;&#10;Description générée automatiquement">
+            <a:extLst>
+              <a:ext uri="{FF2B5EF4-FFF2-40B4-BE49-F238E27FC236}">
+                <a16:creationId xmlns:a16="http://schemas.microsoft.com/office/drawing/2014/main" id="{204ADC40-1D61-539F-22ED-6B21D67FBDE6}"/>
+              </a:ext>
+            </a:extLst>
+          </p:cNvPr>
+          <p:cNvPicPr>
+            <a:picLocks noChangeAspect="1"/>
+          </p:cNvPicPr>
+          <p:nvPr/>
+        </p:nvPicPr>
+        <p:blipFill>
+          <a:blip r:embed="rId3" cstate="print">
+            <a:extLst>
+              <a:ext uri="{28A0092B-C50C-407E-A947-70E740481C1C}">
+                <a14:useLocalDpi xmlns:a14="http://schemas.microsoft.com/office/drawing/2010/main" val="0"/>
+              </a:ext>
+            </a:extLst>
+          </a:blip>
+          <a:stretch>
+            <a:fillRect/>
+          </a:stretch>
+        </p:blipFill>
+        <p:spPr>
+          <a:xfrm>
+            <a:off x="202922" y="5934456"/>
+            <a:ext cx="1825291" cy="749808"/>
+          </a:xfrm>
+          <a:prstGeom prst="rect">
+            <a:avLst/>
+          </a:prstGeom>
+        </p:spPr>
+      </p:pic>
+      <p:sp>
+        <p:nvSpPr>
+          <p:cNvPr id="6" name="Espace réservé du contenu 5">
+            <a:extLst>
+              <a:ext uri="{FF2B5EF4-FFF2-40B4-BE49-F238E27FC236}">
+                <a16:creationId xmlns:a16="http://schemas.microsoft.com/office/drawing/2014/main" id="{EB374F7D-2CBC-B44D-DA43-1AFF54FD0B48}"/>
+              </a:ext>
+            </a:extLst>
+          </p:cNvPr>
+          <p:cNvSpPr>
+            <a:spLocks noGrp="1"/>
+          </p:cNvSpPr>
+          <p:nvPr>
+            <p:ph sz="half" idx="1"/>
+          </p:nvPr>
+        </p:nvSpPr>
+        <p:spPr/>
+        <p:txBody>
+          <a:bodyPr/>
+          <a:lstStyle/>
+          <a:p>
+            <a:r>
+              <a:rPr lang="fr-FR" dirty="0"/>
+              <a:t>Capteurs TOF – Time of Flight</a:t>
+            </a:r>
+          </a:p>
+        </p:txBody>
+      </p:sp>
+      <p:pic>
+        <p:nvPicPr>
+          <p:cNvPr id="1026" name="Picture 2" descr="time of flight">
+            <a:extLst>
+              <a:ext uri="{FF2B5EF4-FFF2-40B4-BE49-F238E27FC236}">
+                <a16:creationId xmlns:a16="http://schemas.microsoft.com/office/drawing/2014/main" id="{3DC6B9BE-6608-58C3-C7F1-BA99BD3FEA9B}"/>
+              </a:ext>
+            </a:extLst>
+          </p:cNvPr>
+          <p:cNvPicPr>
+            <a:picLocks noChangeAspect="1" noChangeArrowheads="1"/>
+          </p:cNvPicPr>
+          <p:nvPr/>
+        </p:nvPicPr>
+        <p:blipFill>
+          <a:blip r:embed="rId4">
+            <a:extLst>
+              <a:ext uri="{28A0092B-C50C-407E-A947-70E740481C1C}">
+                <a14:useLocalDpi xmlns:a14="http://schemas.microsoft.com/office/drawing/2010/main" val="0"/>
+              </a:ext>
+            </a:extLst>
+          </a:blip>
+          <a:srcRect/>
+          <a:stretch>
+            <a:fillRect/>
+          </a:stretch>
+        </p:blipFill>
+        <p:spPr bwMode="auto">
+          <a:xfrm>
+            <a:off x="5822870" y="2100670"/>
+            <a:ext cx="5611586" cy="4208690"/>
+          </a:xfrm>
+          <a:prstGeom prst="rect">
+            <a:avLst/>
+          </a:prstGeom>
+          <a:noFill/>
+          <a:extLst>
+            <a:ext uri="{909E8E84-426E-40DD-AFC4-6F175D3DCCD1}">
+              <a14:hiddenFill xmlns:a14="http://schemas.microsoft.com/office/drawing/2010/main">
+                <a:solidFill>
+                  <a:srgbClr val="FFFFFF"/>
+                </a:solidFill>
+              </a14:hiddenFill>
+            </a:ext>
+          </a:extLst>
+        </p:spPr>
+      </p:pic>
+      <p:sp>
+        <p:nvSpPr>
+          <p:cNvPr id="4" name="ZoneTexte 3">
+            <a:extLst>
+              <a:ext uri="{FF2B5EF4-FFF2-40B4-BE49-F238E27FC236}">
+                <a16:creationId xmlns:a16="http://schemas.microsoft.com/office/drawing/2014/main" id="{65C6CDCE-AA88-6BC5-B453-C6ADEFD65E25}"/>
+              </a:ext>
+            </a:extLst>
+          </p:cNvPr>
+          <p:cNvSpPr txBox="1"/>
+          <p:nvPr/>
+        </p:nvSpPr>
+        <p:spPr>
+          <a:xfrm>
+            <a:off x="2544715" y="6376487"/>
+            <a:ext cx="7309833" cy="307777"/>
+          </a:xfrm>
+          <a:prstGeom prst="rect">
+            <a:avLst/>
+          </a:prstGeom>
+          <a:noFill/>
+        </p:spPr>
+        <p:txBody>
+          <a:bodyPr wrap="square">
+            <a:spAutoFit/>
+          </a:bodyPr>
+          <a:lstStyle/>
+          <a:p>
+            <a:r>
+              <a:rPr lang="fr-FR" sz="1400" dirty="0"/>
+              <a:t>https://www.st.com/en/imaging-and-photonics-solutions/time-of-flight-sensors.html</a:t>
+            </a:r>
+          </a:p>
+        </p:txBody>
+      </p:sp>
+    </p:spTree>
+    <p:extLst>
+      <p:ext uri="{BB962C8B-B14F-4D97-AF65-F5344CB8AC3E}">
+        <p14:creationId xmlns:p14="http://schemas.microsoft.com/office/powerpoint/2010/main" val="377664018"/>
       </p:ext>
     </p:extLst>
   </p:cSld>
@@ -7927,7 +13512,7 @@
           <a:p>
             <a:r>
               <a:rPr lang="fr-FR" dirty="0"/>
-              <a:t>M1 – Transmettre l’information</a:t>
+              <a:t>M1 – Emettre une information lumineuse</a:t>
             </a:r>
           </a:p>
         </p:txBody>
@@ -7991,17 +13576,40 @@
           <a:p>
             <a:r>
               <a:rPr lang="fr-FR" dirty="0"/>
-              <a:t>Récepteur simple</a:t>
+              <a:t>LED SFH415</a:t>
+            </a:r>
+          </a:p>
+          <a:p>
+            <a:endParaRPr lang="fr-FR" dirty="0"/>
+          </a:p>
+          <a:p>
+            <a:endParaRPr lang="fr-FR" dirty="0"/>
+          </a:p>
+          <a:p>
+            <a:pPr marL="457200" lvl="1" indent="0">
+              <a:buNone/>
+            </a:pPr>
+            <a:r>
+              <a:rPr lang="fr-FR" i="1" dirty="0"/>
+              <a:t>V</a:t>
+            </a:r>
+            <a:r>
+              <a:rPr lang="fr-FR" i="1" baseline="-25000" dirty="0"/>
+              <a:t>F</a:t>
+            </a:r>
+            <a:r>
+              <a:rPr lang="fr-FR" i="1" dirty="0"/>
+              <a:t> = 1,3V</a:t>
             </a:r>
           </a:p>
         </p:txBody>
       </p:sp>
       <p:pic>
         <p:nvPicPr>
-          <p:cNvPr id="15" name="Image 14" descr="Une image contenant texte, diagramme, ligne, capture d’écran&#10;&#10;Description générée automatiquement">
-            <a:extLst>
-              <a:ext uri="{FF2B5EF4-FFF2-40B4-BE49-F238E27FC236}">
-                <a16:creationId xmlns:a16="http://schemas.microsoft.com/office/drawing/2014/main" id="{7C177F87-3F1C-89BA-7251-E1FEF92E9384}"/>
+          <p:cNvPr id="4" name="Image 3">
+            <a:extLst>
+              <a:ext uri="{FF2B5EF4-FFF2-40B4-BE49-F238E27FC236}">
+                <a16:creationId xmlns:a16="http://schemas.microsoft.com/office/drawing/2014/main" id="{E4A3C52D-238A-0DF4-2E9F-74E8064D554C}"/>
               </a:ext>
             </a:extLst>
           </p:cNvPr>
@@ -8011,21 +13619,15 @@
           <p:nvPr/>
         </p:nvPicPr>
         <p:blipFill>
-          <a:blip r:embed="rId4">
-            <a:extLst>
-              <a:ext uri="{28A0092B-C50C-407E-A947-70E740481C1C}">
-                <a14:useLocalDpi xmlns:a14="http://schemas.microsoft.com/office/drawing/2010/main" val="0"/>
-              </a:ext>
-            </a:extLst>
-          </a:blip>
+          <a:blip r:embed="rId4"/>
           <a:stretch>
             <a:fillRect/>
           </a:stretch>
         </p:blipFill>
         <p:spPr>
           <a:xfrm>
-            <a:off x="5600339" y="2478024"/>
-            <a:ext cx="6138944" cy="3905600"/>
+            <a:off x="3923592" y="2508722"/>
+            <a:ext cx="7600950" cy="4048125"/>
           </a:xfrm>
           <a:prstGeom prst="rect">
             <a:avLst/>
@@ -8085,7 +13687,7 @@
           <a:p>
             <a:r>
               <a:rPr lang="fr-FR" dirty="0"/>
-              <a:t>M1 – Transmettre l’information</a:t>
+              <a:t>M1 – Emettre une information lumineuse</a:t>
             </a:r>
           </a:p>
         </p:txBody>
@@ -8149,27 +13751,40 @@
           <a:p>
             <a:r>
               <a:rPr lang="fr-FR" dirty="0"/>
-              <a:t>Récepteur simple</a:t>
-            </a:r>
-            <a:br>
-              <a:rPr lang="fr-FR" dirty="0"/>
-            </a:br>
+              <a:t>Montage émetteur</a:t>
+            </a:r>
+          </a:p>
+          <a:p>
             <a:endParaRPr lang="fr-FR" dirty="0"/>
           </a:p>
           <a:p>
-            <a:r>
-              <a:rPr lang="fr-FR" dirty="0"/>
-              <a:t>Calcul de Vs par superposition</a:t>
+            <a:endParaRPr lang="fr-FR" dirty="0"/>
+          </a:p>
+          <a:p>
+            <a:pPr marL="457200" lvl="1" indent="0">
+              <a:buNone/>
+            </a:pPr>
+            <a:r>
+              <a:rPr lang="fr-FR" i="1" dirty="0"/>
+              <a:t>V</a:t>
+            </a:r>
+            <a:r>
+              <a:rPr lang="fr-FR" i="1" baseline="-25000" dirty="0"/>
+              <a:t>F</a:t>
+            </a:r>
+            <a:r>
+              <a:rPr lang="fr-FR" i="1" dirty="0"/>
+              <a:t> = 1,3V</a:t>
             </a:r>
           </a:p>
         </p:txBody>
       </p:sp>
       <p:pic>
         <p:nvPicPr>
-          <p:cNvPr id="3" name="Image 2" descr="Une image contenant texte, diagramme, ligne, Plan&#10;&#10;Description générée automatiquement">
-            <a:extLst>
-              <a:ext uri="{FF2B5EF4-FFF2-40B4-BE49-F238E27FC236}">
-                <a16:creationId xmlns:a16="http://schemas.microsoft.com/office/drawing/2014/main" id="{2BD2FB14-3943-66F4-A3D1-3C8368C27174}"/>
+          <p:cNvPr id="6" name="Image 5">
+            <a:extLst>
+              <a:ext uri="{FF2B5EF4-FFF2-40B4-BE49-F238E27FC236}">
+                <a16:creationId xmlns:a16="http://schemas.microsoft.com/office/drawing/2014/main" id="{DF1A999F-ECFB-6090-CC77-F6F833A2F0F4}"/>
               </a:ext>
             </a:extLst>
           </p:cNvPr>
@@ -8179,21 +13794,15 @@
           <p:nvPr/>
         </p:nvPicPr>
         <p:blipFill>
-          <a:blip r:embed="rId4">
-            <a:extLst>
-              <a:ext uri="{28A0092B-C50C-407E-A947-70E740481C1C}">
-                <a14:useLocalDpi xmlns:a14="http://schemas.microsoft.com/office/drawing/2010/main" val="0"/>
-              </a:ext>
-            </a:extLst>
-          </a:blip>
+          <a:blip r:embed="rId4"/>
           <a:stretch>
             <a:fillRect/>
           </a:stretch>
         </p:blipFill>
         <p:spPr>
           <a:xfrm>
-            <a:off x="4915254" y="3197946"/>
-            <a:ext cx="6728952" cy="3111414"/>
+            <a:off x="7253173" y="2981706"/>
+            <a:ext cx="3286125" cy="2952750"/>
           </a:xfrm>
           <a:prstGeom prst="rect">
             <a:avLst/>
@@ -8203,7 +13812,7 @@
     </p:spTree>
     <p:extLst>
       <p:ext uri="{BB962C8B-B14F-4D97-AF65-F5344CB8AC3E}">
-        <p14:creationId xmlns:p14="http://schemas.microsoft.com/office/powerpoint/2010/main" val="641127253"/>
+        <p14:creationId xmlns:p14="http://schemas.microsoft.com/office/powerpoint/2010/main" val="752408943"/>
       </p:ext>
     </p:extLst>
   </p:cSld>
@@ -8253,7 +13862,7 @@
           <a:p>
             <a:r>
               <a:rPr lang="fr-FR" dirty="0"/>
-              <a:t>M1 – Transmettre l’information</a:t>
+              <a:t>M2 – Transmettre l’information</a:t>
             </a:r>
           </a:p>
         </p:txBody>
@@ -8324,10 +13933,10 @@
       </p:sp>
       <p:pic>
         <p:nvPicPr>
-          <p:cNvPr id="3" name="Image 2" descr="Une image contenant texte, capture d’écran, Tracé, diagramme&#10;&#10;Description générée automatiquement">
-            <a:extLst>
-              <a:ext uri="{FF2B5EF4-FFF2-40B4-BE49-F238E27FC236}">
-                <a16:creationId xmlns:a16="http://schemas.microsoft.com/office/drawing/2014/main" id="{44305204-E648-4EE2-9279-23D7CEF286CB}"/>
+          <p:cNvPr id="15" name="Image 14" descr="Une image contenant texte, diagramme, ligne, capture d’écran&#10;&#10;Description générée automatiquement">
+            <a:extLst>
+              <a:ext uri="{FF2B5EF4-FFF2-40B4-BE49-F238E27FC236}">
+                <a16:creationId xmlns:a16="http://schemas.microsoft.com/office/drawing/2014/main" id="{7C177F87-3F1C-89BA-7251-E1FEF92E9384}"/>
               </a:ext>
             </a:extLst>
           </p:cNvPr>
@@ -8350,272 +13959,18 @@
         </p:blipFill>
         <p:spPr>
           <a:xfrm>
-            <a:off x="4981006" y="1728216"/>
-            <a:ext cx="6638866" cy="4979150"/>
+            <a:off x="5600339" y="2478024"/>
+            <a:ext cx="6138944" cy="3905600"/>
           </a:xfrm>
           <a:prstGeom prst="rect">
             <a:avLst/>
           </a:prstGeom>
         </p:spPr>
       </p:pic>
-      <p:sp>
-        <p:nvSpPr>
-          <p:cNvPr id="4" name="ZoneTexte 3">
-            <a:extLst>
-              <a:ext uri="{FF2B5EF4-FFF2-40B4-BE49-F238E27FC236}">
-                <a16:creationId xmlns:a16="http://schemas.microsoft.com/office/drawing/2014/main" id="{564C8E67-78B9-7216-11DA-4A8626976A39}"/>
-              </a:ext>
-            </a:extLst>
-          </p:cNvPr>
-          <p:cNvSpPr txBox="1"/>
-          <p:nvPr/>
-        </p:nvSpPr>
-        <p:spPr>
-          <a:xfrm>
-            <a:off x="9569265" y="2108692"/>
-            <a:ext cx="1893467" cy="369332"/>
-          </a:xfrm>
-          <a:prstGeom prst="rect">
-            <a:avLst/>
-          </a:prstGeom>
-          <a:noFill/>
-        </p:spPr>
-        <p:txBody>
-          <a:bodyPr wrap="none" rtlCol="0">
-            <a:spAutoFit/>
-          </a:bodyPr>
-          <a:lstStyle/>
-          <a:p>
-            <a:r>
-              <a:rPr lang="fr-FR" dirty="0"/>
-              <a:t>R</a:t>
-            </a:r>
-            <a:r>
-              <a:rPr lang="fr-FR" baseline="-25000" dirty="0"/>
-              <a:t>F</a:t>
-            </a:r>
-            <a:r>
-              <a:rPr lang="fr-FR" dirty="0"/>
-              <a:t> = 100 kOhms</a:t>
-            </a:r>
-          </a:p>
-        </p:txBody>
-      </p:sp>
-      <p:sp>
-        <p:nvSpPr>
-          <p:cNvPr id="6" name="ZoneTexte 5">
-            <a:extLst>
-              <a:ext uri="{FF2B5EF4-FFF2-40B4-BE49-F238E27FC236}">
-                <a16:creationId xmlns:a16="http://schemas.microsoft.com/office/drawing/2014/main" id="{271E1840-1ACB-4CB8-9039-56196183FA56}"/>
-              </a:ext>
-            </a:extLst>
-          </p:cNvPr>
-          <p:cNvSpPr txBox="1"/>
-          <p:nvPr/>
-        </p:nvSpPr>
-        <p:spPr>
-          <a:xfrm>
-            <a:off x="9562898" y="3288268"/>
-            <a:ext cx="1758815" cy="369332"/>
-          </a:xfrm>
-          <a:prstGeom prst="rect">
-            <a:avLst/>
-          </a:prstGeom>
-          <a:noFill/>
-        </p:spPr>
-        <p:txBody>
-          <a:bodyPr wrap="none" rtlCol="0">
-            <a:spAutoFit/>
-          </a:bodyPr>
-          <a:lstStyle/>
-          <a:p>
-            <a:r>
-              <a:rPr lang="fr-FR" dirty="0"/>
-              <a:t>R</a:t>
-            </a:r>
-            <a:r>
-              <a:rPr lang="fr-FR" baseline="-25000" dirty="0"/>
-              <a:t>F</a:t>
-            </a:r>
-            <a:r>
-              <a:rPr lang="fr-FR" dirty="0"/>
-              <a:t> = 10 kOhms</a:t>
-            </a:r>
-          </a:p>
-        </p:txBody>
-      </p:sp>
-      <p:cxnSp>
-        <p:nvCxnSpPr>
-          <p:cNvPr id="9" name="Connecteur droit avec flèche 8">
-            <a:extLst>
-              <a:ext uri="{FF2B5EF4-FFF2-40B4-BE49-F238E27FC236}">
-                <a16:creationId xmlns:a16="http://schemas.microsoft.com/office/drawing/2014/main" id="{0BD6D49F-EFFF-9508-F094-0D7D0FEF207F}"/>
-              </a:ext>
-            </a:extLst>
-          </p:cNvPr>
-          <p:cNvCxnSpPr>
-            <a:cxnSpLocks/>
-          </p:cNvCxnSpPr>
-          <p:nvPr/>
-        </p:nvCxnSpPr>
-        <p:spPr>
-          <a:xfrm>
-            <a:off x="6711696" y="2164080"/>
-            <a:ext cx="0" cy="1124188"/>
-          </a:xfrm>
-          <a:prstGeom prst="straightConnector1">
-            <a:avLst/>
-          </a:prstGeom>
-          <a:ln w="38100">
-            <a:solidFill>
-              <a:schemeClr val="bg1"/>
-            </a:solidFill>
-            <a:headEnd type="triangle" w="med" len="med"/>
-            <a:tailEnd type="triangle" w="med" len="med"/>
-          </a:ln>
-        </p:spPr>
-        <p:style>
-          <a:lnRef idx="1">
-            <a:schemeClr val="accent1"/>
-          </a:lnRef>
-          <a:fillRef idx="0">
-            <a:schemeClr val="accent1"/>
-          </a:fillRef>
-          <a:effectRef idx="0">
-            <a:schemeClr val="accent1"/>
-          </a:effectRef>
-          <a:fontRef idx="minor">
-            <a:schemeClr val="tx1"/>
-          </a:fontRef>
-        </p:style>
-      </p:cxnSp>
-      <p:cxnSp>
-        <p:nvCxnSpPr>
-          <p:cNvPr id="11" name="Connecteur droit avec flèche 10">
-            <a:extLst>
-              <a:ext uri="{FF2B5EF4-FFF2-40B4-BE49-F238E27FC236}">
-                <a16:creationId xmlns:a16="http://schemas.microsoft.com/office/drawing/2014/main" id="{8BE9A0D3-3775-EEEE-D75D-FA19EE7D9AB2}"/>
-              </a:ext>
-            </a:extLst>
-          </p:cNvPr>
-          <p:cNvCxnSpPr>
-            <a:cxnSpLocks/>
-          </p:cNvCxnSpPr>
-          <p:nvPr/>
-        </p:nvCxnSpPr>
-        <p:spPr>
-          <a:xfrm>
-            <a:off x="7498080" y="3763018"/>
-            <a:ext cx="0" cy="1124188"/>
-          </a:xfrm>
-          <a:prstGeom prst="straightConnector1">
-            <a:avLst/>
-          </a:prstGeom>
-          <a:ln w="38100">
-            <a:solidFill>
-              <a:schemeClr val="bg1"/>
-            </a:solidFill>
-            <a:headEnd type="triangle" w="med" len="med"/>
-            <a:tailEnd type="triangle" w="med" len="med"/>
-          </a:ln>
-        </p:spPr>
-        <p:style>
-          <a:lnRef idx="1">
-            <a:schemeClr val="accent1"/>
-          </a:lnRef>
-          <a:fillRef idx="0">
-            <a:schemeClr val="accent1"/>
-          </a:fillRef>
-          <a:effectRef idx="0">
-            <a:schemeClr val="accent1"/>
-          </a:effectRef>
-          <a:fontRef idx="minor">
-            <a:schemeClr val="tx1"/>
-          </a:fontRef>
-        </p:style>
-      </p:cxnSp>
-      <p:sp>
-        <p:nvSpPr>
-          <p:cNvPr id="12" name="ZoneTexte 11">
-            <a:extLst>
-              <a:ext uri="{FF2B5EF4-FFF2-40B4-BE49-F238E27FC236}">
-                <a16:creationId xmlns:a16="http://schemas.microsoft.com/office/drawing/2014/main" id="{7EC8D392-1259-EC5C-23F6-03D3F1D1BDF3}"/>
-              </a:ext>
-            </a:extLst>
-          </p:cNvPr>
-          <p:cNvSpPr txBox="1"/>
-          <p:nvPr/>
-        </p:nvSpPr>
-        <p:spPr>
-          <a:xfrm>
-            <a:off x="6716012" y="2478024"/>
-            <a:ext cx="617477" cy="369332"/>
-          </a:xfrm>
-          <a:prstGeom prst="rect">
-            <a:avLst/>
-          </a:prstGeom>
-          <a:noFill/>
-        </p:spPr>
-        <p:txBody>
-          <a:bodyPr wrap="none" rtlCol="0">
-            <a:spAutoFit/>
-          </a:bodyPr>
-          <a:lstStyle/>
-          <a:p>
-            <a:r>
-              <a:rPr lang="fr-FR" dirty="0">
-                <a:solidFill>
-                  <a:schemeClr val="bg1"/>
-                </a:solidFill>
-              </a:rPr>
-              <a:t>~6V</a:t>
-            </a:r>
-          </a:p>
-        </p:txBody>
-      </p:sp>
-      <p:sp>
-        <p:nvSpPr>
-          <p:cNvPr id="13" name="ZoneTexte 12">
-            <a:extLst>
-              <a:ext uri="{FF2B5EF4-FFF2-40B4-BE49-F238E27FC236}">
-                <a16:creationId xmlns:a16="http://schemas.microsoft.com/office/drawing/2014/main" id="{7AAAC3B2-35E1-BD8A-1E9C-DDCEE5A46071}"/>
-              </a:ext>
-            </a:extLst>
-          </p:cNvPr>
-          <p:cNvSpPr txBox="1"/>
-          <p:nvPr/>
-        </p:nvSpPr>
-        <p:spPr>
-          <a:xfrm>
-            <a:off x="7498080" y="4140446"/>
-            <a:ext cx="1148071" cy="369332"/>
-          </a:xfrm>
-          <a:prstGeom prst="rect">
-            <a:avLst/>
-          </a:prstGeom>
-          <a:noFill/>
-        </p:spPr>
-        <p:txBody>
-          <a:bodyPr wrap="none" rtlCol="0">
-            <a:spAutoFit/>
-          </a:bodyPr>
-          <a:lstStyle/>
-          <a:p>
-            <a:r>
-              <a:rPr lang="fr-FR" dirty="0">
-                <a:solidFill>
-                  <a:schemeClr val="bg1"/>
-                </a:solidFill>
-              </a:rPr>
-              <a:t>~600 mV</a:t>
-            </a:r>
-          </a:p>
-        </p:txBody>
-      </p:sp>
     </p:spTree>
     <p:extLst>
       <p:ext uri="{BB962C8B-B14F-4D97-AF65-F5344CB8AC3E}">
-        <p14:creationId xmlns:p14="http://schemas.microsoft.com/office/powerpoint/2010/main" val="1930712307"/>
+        <p14:creationId xmlns:p14="http://schemas.microsoft.com/office/powerpoint/2010/main" val="2512025804"/>
       </p:ext>
     </p:extLst>
   </p:cSld>
@@ -8665,7 +14020,7 @@
           <a:p>
             <a:r>
               <a:rPr lang="fr-FR" dirty="0"/>
-              <a:t>M1 – Transmettre l’information</a:t>
+              <a:t>M2 – Transmettre l’information</a:t>
             </a:r>
           </a:p>
         </p:txBody>
@@ -8729,25 +14084,17 @@
           <a:p>
             <a:r>
               <a:rPr lang="fr-FR" dirty="0"/>
-              <a:t>Récepteur </a:t>
-            </a:r>
-            <a:r>
-              <a:rPr lang="fr-FR" dirty="0" err="1"/>
-              <a:t>transimpédance</a:t>
-            </a:r>
-            <a:br>
-              <a:rPr lang="fr-FR" dirty="0"/>
-            </a:br>
-            <a:endParaRPr lang="fr-FR" dirty="0"/>
+              <a:t>Photodiode</a:t>
+            </a:r>
           </a:p>
         </p:txBody>
       </p:sp>
       <p:pic>
         <p:nvPicPr>
-          <p:cNvPr id="6" name="Image 5" descr="Une image contenant diagramme, texte, ligne, Plan&#10;&#10;Description générée automatiquement">
-            <a:extLst>
-              <a:ext uri="{FF2B5EF4-FFF2-40B4-BE49-F238E27FC236}">
-                <a16:creationId xmlns:a16="http://schemas.microsoft.com/office/drawing/2014/main" id="{7C3449E2-C47C-7FD8-ACF9-5FB63A42DCA6}"/>
+          <p:cNvPr id="6" name="Image 5">
+            <a:extLst>
+              <a:ext uri="{FF2B5EF4-FFF2-40B4-BE49-F238E27FC236}">
+                <a16:creationId xmlns:a16="http://schemas.microsoft.com/office/drawing/2014/main" id="{3AADD04A-D9A1-3B20-0980-21A35045590F}"/>
               </a:ext>
             </a:extLst>
           </p:cNvPr>
@@ -8757,21 +14104,75 @@
           <p:nvPr/>
         </p:nvPicPr>
         <p:blipFill>
-          <a:blip r:embed="rId4">
-            <a:extLst>
-              <a:ext uri="{28A0092B-C50C-407E-A947-70E740481C1C}">
-                <a14:useLocalDpi xmlns:a14="http://schemas.microsoft.com/office/drawing/2010/main" val="0"/>
-              </a:ext>
-            </a:extLst>
-          </a:blip>
+          <a:blip r:embed="rId4"/>
           <a:stretch>
             <a:fillRect/>
           </a:stretch>
         </p:blipFill>
         <p:spPr>
           <a:xfrm>
-            <a:off x="4233428" y="2977014"/>
-            <a:ext cx="6600476" cy="3707250"/>
+            <a:off x="6800301" y="3629183"/>
+            <a:ext cx="4713396" cy="1706746"/>
+          </a:xfrm>
+          <a:prstGeom prst="rect">
+            <a:avLst/>
+          </a:prstGeom>
+        </p:spPr>
+      </p:pic>
+      <p:pic>
+        <p:nvPicPr>
+          <p:cNvPr id="8" name="Image 7">
+            <a:extLst>
+              <a:ext uri="{FF2B5EF4-FFF2-40B4-BE49-F238E27FC236}">
+                <a16:creationId xmlns:a16="http://schemas.microsoft.com/office/drawing/2014/main" id="{818605B5-C606-BF88-89BB-AA3EEAA85B47}"/>
+              </a:ext>
+            </a:extLst>
+          </p:cNvPr>
+          <p:cNvPicPr>
+            <a:picLocks noChangeAspect="1"/>
+          </p:cNvPicPr>
+          <p:nvPr/>
+        </p:nvPicPr>
+        <p:blipFill>
+          <a:blip r:embed="rId5"/>
+          <a:stretch>
+            <a:fillRect/>
+          </a:stretch>
+        </p:blipFill>
+        <p:spPr>
+          <a:xfrm>
+            <a:off x="1052292" y="2250056"/>
+            <a:ext cx="5043708" cy="3309496"/>
+          </a:xfrm>
+          <a:prstGeom prst="rect">
+            <a:avLst/>
+          </a:prstGeom>
+        </p:spPr>
+      </p:pic>
+      <p:pic>
+        <p:nvPicPr>
+          <p:cNvPr id="9" name="Image 8">
+            <a:extLst>
+              <a:ext uri="{FF2B5EF4-FFF2-40B4-BE49-F238E27FC236}">
+                <a16:creationId xmlns:a16="http://schemas.microsoft.com/office/drawing/2014/main" id="{795C0D17-5174-8B71-88AE-489181A5D9AC}"/>
+              </a:ext>
+            </a:extLst>
+          </p:cNvPr>
+          <p:cNvPicPr>
+            <a:picLocks noChangeAspect="1"/>
+          </p:cNvPicPr>
+          <p:nvPr/>
+        </p:nvPicPr>
+        <p:blipFill>
+          <a:blip r:embed="rId6"/>
+          <a:stretch>
+            <a:fillRect/>
+          </a:stretch>
+        </p:blipFill>
+        <p:spPr>
+          <a:xfrm>
+            <a:off x="9815504" y="269067"/>
+            <a:ext cx="1468192" cy="1459149"/>
           </a:xfrm>
           <a:prstGeom prst="rect">
             <a:avLst/>
@@ -8781,7 +14182,7 @@
     </p:spTree>
     <p:extLst>
       <p:ext uri="{BB962C8B-B14F-4D97-AF65-F5344CB8AC3E}">
-        <p14:creationId xmlns:p14="http://schemas.microsoft.com/office/powerpoint/2010/main" val="4269482491"/>
+        <p14:creationId xmlns:p14="http://schemas.microsoft.com/office/powerpoint/2010/main" val="28679540"/>
       </p:ext>
     </p:extLst>
   </p:cSld>
@@ -8808,12 +14209,40 @@
           <a:chExt cx="0" cy="0"/>
         </a:xfrm>
       </p:grpSpPr>
+      <p:sp>
+        <p:nvSpPr>
+          <p:cNvPr id="2" name="Titre 1">
+            <a:extLst>
+              <a:ext uri="{FF2B5EF4-FFF2-40B4-BE49-F238E27FC236}">
+                <a16:creationId xmlns:a16="http://schemas.microsoft.com/office/drawing/2014/main" id="{90162AE8-C1B0-5C56-8313-DEE494F38273}"/>
+              </a:ext>
+            </a:extLst>
+          </p:cNvPr>
+          <p:cNvSpPr>
+            <a:spLocks noGrp="1"/>
+          </p:cNvSpPr>
+          <p:nvPr>
+            <p:ph type="title"/>
+          </p:nvPr>
+        </p:nvSpPr>
+        <p:spPr/>
+        <p:txBody>
+          <a:bodyPr/>
+          <a:lstStyle/>
+          <a:p>
+            <a:r>
+              <a:rPr lang="fr-FR" dirty="0"/>
+              <a:t>M2 – Transmettre l’information</a:t>
+            </a:r>
+          </a:p>
+        </p:txBody>
+      </p:sp>
       <p:pic>
         <p:nvPicPr>
-          <p:cNvPr id="8" name="Image 7" descr="Une image contenant texte, capture d’écran, Tracé, ligne&#10;&#10;Description générée automatiquement">
-            <a:extLst>
-              <a:ext uri="{FF2B5EF4-FFF2-40B4-BE49-F238E27FC236}">
-                <a16:creationId xmlns:a16="http://schemas.microsoft.com/office/drawing/2014/main" id="{4462E586-CEE0-BAFA-8675-699728467D90}"/>
+          <p:cNvPr id="5" name="Image 4" descr="Une image contenant texte&#10;&#10;Description générée automatiquement">
+            <a:extLst>
+              <a:ext uri="{FF2B5EF4-FFF2-40B4-BE49-F238E27FC236}">
+                <a16:creationId xmlns:a16="http://schemas.microsoft.com/office/drawing/2014/main" id="{204ADC40-1D61-539F-22ED-6B21D67FBDE6}"/>
               </a:ext>
             </a:extLst>
           </p:cNvPr>
@@ -8823,7 +14252,7 @@
           <p:nvPr/>
         </p:nvPicPr>
         <p:blipFill>
-          <a:blip r:embed="rId3">
+          <a:blip r:embed="rId3" cstate="print">
             <a:extLst>
               <a:ext uri="{28A0092B-C50C-407E-A947-70E740481C1C}">
                 <a14:useLocalDpi xmlns:a14="http://schemas.microsoft.com/office/drawing/2010/main" val="0"/>
@@ -8836,8 +14265,8 @@
         </p:blipFill>
         <p:spPr>
           <a:xfrm>
-            <a:off x="4997265" y="1728216"/>
-            <a:ext cx="6638866" cy="4979150"/>
+            <a:off x="202922" y="5934456"/>
+            <a:ext cx="1825291" cy="749808"/>
           </a:xfrm>
           <a:prstGeom prst="rect">
             <a:avLst/>
@@ -8846,18 +14275,18 @@
       </p:pic>
       <p:sp>
         <p:nvSpPr>
-          <p:cNvPr id="2" name="Titre 1">
-            <a:extLst>
-              <a:ext uri="{FF2B5EF4-FFF2-40B4-BE49-F238E27FC236}">
-                <a16:creationId xmlns:a16="http://schemas.microsoft.com/office/drawing/2014/main" id="{90162AE8-C1B0-5C56-8313-DEE494F38273}"/>
-              </a:ext>
-            </a:extLst>
-          </p:cNvPr>
-          <p:cNvSpPr>
-            <a:spLocks noGrp="1"/>
-          </p:cNvSpPr>
-          <p:nvPr>
-            <p:ph type="title"/>
+          <p:cNvPr id="7" name="Espace réservé du contenu 6">
+            <a:extLst>
+              <a:ext uri="{FF2B5EF4-FFF2-40B4-BE49-F238E27FC236}">
+                <a16:creationId xmlns:a16="http://schemas.microsoft.com/office/drawing/2014/main" id="{74BC1505-3936-808A-3CEC-841FD2413D6F}"/>
+              </a:ext>
+            </a:extLst>
+          </p:cNvPr>
+          <p:cNvSpPr>
+            <a:spLocks noGrp="1"/>
+          </p:cNvSpPr>
+          <p:nvPr>
+            <p:ph sz="half" idx="1"/>
           </p:nvPr>
         </p:nvSpPr>
         <p:spPr/>
@@ -8867,17 +14296,17 @@
           <a:p>
             <a:r>
               <a:rPr lang="fr-FR" dirty="0"/>
-              <a:t>M1 – Transmettre l’information</a:t>
+              <a:t>Photodiode</a:t>
             </a:r>
           </a:p>
         </p:txBody>
       </p:sp>
       <p:pic>
         <p:nvPicPr>
-          <p:cNvPr id="5" name="Image 4" descr="Une image contenant texte&#10;&#10;Description générée automatiquement">
-            <a:extLst>
-              <a:ext uri="{FF2B5EF4-FFF2-40B4-BE49-F238E27FC236}">
-                <a16:creationId xmlns:a16="http://schemas.microsoft.com/office/drawing/2014/main" id="{204ADC40-1D61-539F-22ED-6B21D67FBDE6}"/>
+          <p:cNvPr id="3" name="Image 2">
+            <a:extLst>
+              <a:ext uri="{FF2B5EF4-FFF2-40B4-BE49-F238E27FC236}">
+                <a16:creationId xmlns:a16="http://schemas.microsoft.com/office/drawing/2014/main" id="{AF133F89-1A5E-FFB8-5B20-C498DC6B9D83}"/>
               </a:ext>
             </a:extLst>
           </p:cNvPr>
@@ -8887,137 +14316,85 @@
           <p:nvPr/>
         </p:nvPicPr>
         <p:blipFill>
-          <a:blip r:embed="rId4" cstate="print">
-            <a:extLst>
-              <a:ext uri="{28A0092B-C50C-407E-A947-70E740481C1C}">
-                <a14:useLocalDpi xmlns:a14="http://schemas.microsoft.com/office/drawing/2010/main" val="0"/>
-              </a:ext>
-            </a:extLst>
-          </a:blip>
+          <a:blip r:embed="rId4"/>
           <a:stretch>
             <a:fillRect/>
           </a:stretch>
         </p:blipFill>
         <p:spPr>
           <a:xfrm>
-            <a:off x="202922" y="5934456"/>
-            <a:ext cx="1825291" cy="749808"/>
+            <a:off x="9815504" y="269067"/>
+            <a:ext cx="1468192" cy="1459149"/>
           </a:xfrm>
           <a:prstGeom prst="rect">
             <a:avLst/>
           </a:prstGeom>
         </p:spPr>
       </p:pic>
-      <p:sp>
-        <p:nvSpPr>
-          <p:cNvPr id="7" name="Espace réservé du contenu 6">
-            <a:extLst>
-              <a:ext uri="{FF2B5EF4-FFF2-40B4-BE49-F238E27FC236}">
-                <a16:creationId xmlns:a16="http://schemas.microsoft.com/office/drawing/2014/main" id="{74BC1505-3936-808A-3CEC-841FD2413D6F}"/>
-              </a:ext>
-            </a:extLst>
-          </p:cNvPr>
-          <p:cNvSpPr>
-            <a:spLocks noGrp="1"/>
-          </p:cNvSpPr>
-          <p:nvPr>
-            <p:ph sz="half" idx="1"/>
-          </p:nvPr>
-        </p:nvSpPr>
-        <p:spPr/>
-        <p:txBody>
-          <a:bodyPr/>
-          <a:lstStyle/>
-          <a:p>
-            <a:r>
-              <a:rPr lang="fr-FR" dirty="0"/>
-              <a:t>Récepteur </a:t>
-            </a:r>
-            <a:br>
-              <a:rPr lang="fr-FR" dirty="0"/>
-            </a:br>
-            <a:r>
-              <a:rPr lang="fr-FR" dirty="0" err="1"/>
-              <a:t>transimpédance</a:t>
-            </a:r>
-            <a:endParaRPr lang="fr-FR" dirty="0"/>
-          </a:p>
-        </p:txBody>
-      </p:sp>
-      <p:sp>
-        <p:nvSpPr>
-          <p:cNvPr id="4" name="ZoneTexte 3">
-            <a:extLst>
-              <a:ext uri="{FF2B5EF4-FFF2-40B4-BE49-F238E27FC236}">
-                <a16:creationId xmlns:a16="http://schemas.microsoft.com/office/drawing/2014/main" id="{564C8E67-78B9-7216-11DA-4A8626976A39}"/>
-              </a:ext>
-            </a:extLst>
-          </p:cNvPr>
-          <p:cNvSpPr txBox="1"/>
+      <p:pic>
+        <p:nvPicPr>
+          <p:cNvPr id="4" name="Image 3">
+            <a:extLst>
+              <a:ext uri="{FF2B5EF4-FFF2-40B4-BE49-F238E27FC236}">
+                <a16:creationId xmlns:a16="http://schemas.microsoft.com/office/drawing/2014/main" id="{93D110D1-F0D5-ABF1-30F0-983B07FC3247}"/>
+              </a:ext>
+            </a:extLst>
+          </p:cNvPr>
+          <p:cNvPicPr>
+            <a:picLocks noChangeAspect="1"/>
+          </p:cNvPicPr>
           <p:nvPr/>
-        </p:nvSpPr>
-        <p:spPr>
-          <a:xfrm>
-            <a:off x="7763616" y="2108692"/>
-            <a:ext cx="1942006" cy="369332"/>
+        </p:nvPicPr>
+        <p:blipFill>
+          <a:blip r:embed="rId5"/>
+          <a:stretch>
+            <a:fillRect/>
+          </a:stretch>
+        </p:blipFill>
+        <p:spPr>
+          <a:xfrm>
+            <a:off x="1052292" y="2250056"/>
+            <a:ext cx="5043708" cy="3309496"/>
           </a:xfrm>
           <a:prstGeom prst="rect">
             <a:avLst/>
           </a:prstGeom>
-          <a:noFill/>
-        </p:spPr>
-        <p:txBody>
-          <a:bodyPr wrap="none" rtlCol="0">
-            <a:spAutoFit/>
-          </a:bodyPr>
-          <a:lstStyle/>
-          <a:p>
-            <a:r>
-              <a:rPr lang="fr-FR" dirty="0"/>
-              <a:t>Polarisation -15V</a:t>
-            </a:r>
-          </a:p>
-        </p:txBody>
-      </p:sp>
-      <p:sp>
-        <p:nvSpPr>
-          <p:cNvPr id="10" name="ZoneTexte 9">
-            <a:extLst>
-              <a:ext uri="{FF2B5EF4-FFF2-40B4-BE49-F238E27FC236}">
-                <a16:creationId xmlns:a16="http://schemas.microsoft.com/office/drawing/2014/main" id="{C99746F1-D750-4EE5-9BEC-708A18DF2300}"/>
-              </a:ext>
-            </a:extLst>
-          </p:cNvPr>
-          <p:cNvSpPr txBox="1"/>
+        </p:spPr>
+      </p:pic>
+      <p:pic>
+        <p:nvPicPr>
+          <p:cNvPr id="8" name="Image 7">
+            <a:extLst>
+              <a:ext uri="{FF2B5EF4-FFF2-40B4-BE49-F238E27FC236}">
+                <a16:creationId xmlns:a16="http://schemas.microsoft.com/office/drawing/2014/main" id="{BF9D3F37-1E50-C643-E82B-EEB3D3B0D0C1}"/>
+              </a:ext>
+            </a:extLst>
+          </p:cNvPr>
+          <p:cNvPicPr>
+            <a:picLocks noChangeAspect="1"/>
+          </p:cNvPicPr>
           <p:nvPr/>
-        </p:nvSpPr>
-        <p:spPr>
-          <a:xfrm>
-            <a:off x="7763616" y="3578352"/>
-            <a:ext cx="1733616" cy="369332"/>
+        </p:nvPicPr>
+        <p:blipFill>
+          <a:blip r:embed="rId6"/>
+          <a:stretch>
+            <a:fillRect/>
+          </a:stretch>
+        </p:blipFill>
+        <p:spPr>
+          <a:xfrm>
+            <a:off x="6283770" y="2958948"/>
+            <a:ext cx="5705308" cy="3076547"/>
           </a:xfrm>
           <a:prstGeom prst="rect">
             <a:avLst/>
           </a:prstGeom>
-          <a:noFill/>
-        </p:spPr>
-        <p:txBody>
-          <a:bodyPr wrap="none" rtlCol="0">
-            <a:spAutoFit/>
-          </a:bodyPr>
-          <a:lstStyle/>
-          <a:p>
-            <a:r>
-              <a:rPr lang="fr-FR" dirty="0"/>
-              <a:t>Polarisation 0V</a:t>
-            </a:r>
-          </a:p>
-        </p:txBody>
-      </p:sp>
+        </p:spPr>
+      </p:pic>
     </p:spTree>
     <p:extLst>
       <p:ext uri="{BB962C8B-B14F-4D97-AF65-F5344CB8AC3E}">
-        <p14:creationId xmlns:p14="http://schemas.microsoft.com/office/powerpoint/2010/main" val="2414863005"/>
+        <p14:creationId xmlns:p14="http://schemas.microsoft.com/office/powerpoint/2010/main" val="118046547"/>
       </p:ext>
     </p:extLst>
   </p:cSld>
@@ -9044,40 +14421,12 @@
           <a:chExt cx="0" cy="0"/>
         </a:xfrm>
       </p:grpSpPr>
-      <p:sp>
-        <p:nvSpPr>
-          <p:cNvPr id="2" name="Titre 1">
-            <a:extLst>
-              <a:ext uri="{FF2B5EF4-FFF2-40B4-BE49-F238E27FC236}">
-                <a16:creationId xmlns:a16="http://schemas.microsoft.com/office/drawing/2014/main" id="{90162AE8-C1B0-5C56-8313-DEE494F38273}"/>
-              </a:ext>
-            </a:extLst>
-          </p:cNvPr>
-          <p:cNvSpPr>
-            <a:spLocks noGrp="1"/>
-          </p:cNvSpPr>
-          <p:nvPr>
-            <p:ph type="title"/>
-          </p:nvPr>
-        </p:nvSpPr>
-        <p:spPr/>
-        <p:txBody>
-          <a:bodyPr/>
-          <a:lstStyle/>
-          <a:p>
-            <a:r>
-              <a:rPr lang="fr-FR" dirty="0"/>
-              <a:t>M5 – Détecter un obstacle</a:t>
-            </a:r>
-          </a:p>
-        </p:txBody>
-      </p:sp>
       <p:pic>
         <p:nvPicPr>
-          <p:cNvPr id="5" name="Image 4" descr="Une image contenant texte&#10;&#10;Description générée automatiquement">
-            <a:extLst>
-              <a:ext uri="{FF2B5EF4-FFF2-40B4-BE49-F238E27FC236}">
-                <a16:creationId xmlns:a16="http://schemas.microsoft.com/office/drawing/2014/main" id="{204ADC40-1D61-539F-22ED-6B21D67FBDE6}"/>
+          <p:cNvPr id="11" name="Image 10">
+            <a:extLst>
+              <a:ext uri="{FF2B5EF4-FFF2-40B4-BE49-F238E27FC236}">
+                <a16:creationId xmlns:a16="http://schemas.microsoft.com/office/drawing/2014/main" id="{2E556784-711A-E9F9-1A80-7C66C03B35CC}"/>
               </a:ext>
             </a:extLst>
           </p:cNvPr>
@@ -9087,7 +14436,65 @@
           <p:nvPr/>
         </p:nvPicPr>
         <p:blipFill>
-          <a:blip r:embed="rId3" cstate="print">
+          <a:blip r:embed="rId3"/>
+          <a:stretch>
+            <a:fillRect/>
+          </a:stretch>
+        </p:blipFill>
+        <p:spPr>
+          <a:xfrm>
+            <a:off x="4320479" y="3347977"/>
+            <a:ext cx="2409801" cy="3429000"/>
+          </a:xfrm>
+          <a:prstGeom prst="rect">
+            <a:avLst/>
+          </a:prstGeom>
+        </p:spPr>
+      </p:pic>
+      <p:sp>
+        <p:nvSpPr>
+          <p:cNvPr id="2" name="Titre 1">
+            <a:extLst>
+              <a:ext uri="{FF2B5EF4-FFF2-40B4-BE49-F238E27FC236}">
+                <a16:creationId xmlns:a16="http://schemas.microsoft.com/office/drawing/2014/main" id="{90162AE8-C1B0-5C56-8313-DEE494F38273}"/>
+              </a:ext>
+            </a:extLst>
+          </p:cNvPr>
+          <p:cNvSpPr>
+            <a:spLocks noGrp="1"/>
+          </p:cNvSpPr>
+          <p:nvPr>
+            <p:ph type="title"/>
+          </p:nvPr>
+        </p:nvSpPr>
+        <p:spPr/>
+        <p:txBody>
+          <a:bodyPr/>
+          <a:lstStyle/>
+          <a:p>
+            <a:r>
+              <a:rPr lang="fr-FR" dirty="0"/>
+              <a:t>M2 – Transmettre l’information</a:t>
+            </a:r>
+          </a:p>
+        </p:txBody>
+      </p:sp>
+      <p:pic>
+        <p:nvPicPr>
+          <p:cNvPr id="5" name="Image 4" descr="Une image contenant texte&#10;&#10;Description générée automatiquement">
+            <a:extLst>
+              <a:ext uri="{FF2B5EF4-FFF2-40B4-BE49-F238E27FC236}">
+                <a16:creationId xmlns:a16="http://schemas.microsoft.com/office/drawing/2014/main" id="{204ADC40-1D61-539F-22ED-6B21D67FBDE6}"/>
+              </a:ext>
+            </a:extLst>
+          </p:cNvPr>
+          <p:cNvPicPr>
+            <a:picLocks noChangeAspect="1"/>
+          </p:cNvPicPr>
+          <p:nvPr/>
+        </p:nvPicPr>
+        <p:blipFill>
+          <a:blip r:embed="rId4" cstate="print">
             <a:extLst>
               <a:ext uri="{28A0092B-C50C-407E-A947-70E740481C1C}">
                 <a14:useLocalDpi xmlns:a14="http://schemas.microsoft.com/office/drawing/2010/main" val="0"/>
@@ -9110,10 +14517,10 @@
       </p:pic>
       <p:sp>
         <p:nvSpPr>
-          <p:cNvPr id="6" name="Espace réservé du contenu 5">
-            <a:extLst>
-              <a:ext uri="{FF2B5EF4-FFF2-40B4-BE49-F238E27FC236}">
-                <a16:creationId xmlns:a16="http://schemas.microsoft.com/office/drawing/2014/main" id="{EB374F7D-2CBC-B44D-DA43-1AFF54FD0B48}"/>
+          <p:cNvPr id="7" name="Espace réservé du contenu 6">
+            <a:extLst>
+              <a:ext uri="{FF2B5EF4-FFF2-40B4-BE49-F238E27FC236}">
+                <a16:creationId xmlns:a16="http://schemas.microsoft.com/office/drawing/2014/main" id="{74BC1505-3936-808A-3CEC-841FD2413D6F}"/>
               </a:ext>
             </a:extLst>
           </p:cNvPr>
@@ -9131,97 +14538,135 @@
           <a:p>
             <a:r>
               <a:rPr lang="fr-FR" dirty="0"/>
-              <a:t>Capteurs TOF – Time of Flight</a:t>
+              <a:t>Photodiode</a:t>
             </a:r>
           </a:p>
         </p:txBody>
       </p:sp>
       <p:pic>
         <p:nvPicPr>
-          <p:cNvPr id="1026" name="Picture 2" descr="time of flight">
-            <a:extLst>
-              <a:ext uri="{FF2B5EF4-FFF2-40B4-BE49-F238E27FC236}">
-                <a16:creationId xmlns:a16="http://schemas.microsoft.com/office/drawing/2014/main" id="{3DC6B9BE-6608-58C3-C7F1-BA99BD3FEA9B}"/>
+          <p:cNvPr id="3" name="Image 2">
+            <a:extLst>
+              <a:ext uri="{FF2B5EF4-FFF2-40B4-BE49-F238E27FC236}">
+                <a16:creationId xmlns:a16="http://schemas.microsoft.com/office/drawing/2014/main" id="{AF133F89-1A5E-FFB8-5B20-C498DC6B9D83}"/>
               </a:ext>
             </a:extLst>
           </p:cNvPr>
           <p:cNvPicPr>
-            <a:picLocks noChangeAspect="1" noChangeArrowheads="1"/>
+            <a:picLocks noChangeAspect="1"/>
           </p:cNvPicPr>
           <p:nvPr/>
         </p:nvPicPr>
         <p:blipFill>
-          <a:blip r:embed="rId4">
-            <a:extLst>
-              <a:ext uri="{28A0092B-C50C-407E-A947-70E740481C1C}">
-                <a14:useLocalDpi xmlns:a14="http://schemas.microsoft.com/office/drawing/2010/main" val="0"/>
-              </a:ext>
-            </a:extLst>
-          </a:blip>
-          <a:srcRect/>
+          <a:blip r:embed="rId5"/>
           <a:stretch>
             <a:fillRect/>
           </a:stretch>
         </p:blipFill>
-        <p:spPr bwMode="auto">
-          <a:xfrm>
-            <a:off x="5822870" y="2100670"/>
-            <a:ext cx="5611586" cy="4208690"/>
+        <p:spPr>
+          <a:xfrm>
+            <a:off x="9815504" y="269067"/>
+            <a:ext cx="1468192" cy="1459149"/>
           </a:xfrm>
           <a:prstGeom prst="rect">
             <a:avLst/>
           </a:prstGeom>
-          <a:noFill/>
-          <a:extLst>
-            <a:ext uri="{909E8E84-426E-40DD-AFC4-6F175D3DCCD1}">
-              <a14:hiddenFill xmlns:a14="http://schemas.microsoft.com/office/drawing/2010/main">
-                <a:solidFill>
-                  <a:srgbClr val="FFFFFF"/>
-                </a:solidFill>
-              </a14:hiddenFill>
-            </a:ext>
-          </a:extLst>
         </p:spPr>
       </p:pic>
-      <p:sp>
-        <p:nvSpPr>
-          <p:cNvPr id="4" name="ZoneTexte 3">
-            <a:extLst>
-              <a:ext uri="{FF2B5EF4-FFF2-40B4-BE49-F238E27FC236}">
-                <a16:creationId xmlns:a16="http://schemas.microsoft.com/office/drawing/2014/main" id="{65C6CDCE-AA88-6BC5-B453-C6ADEFD65E25}"/>
-              </a:ext>
-            </a:extLst>
-          </p:cNvPr>
-          <p:cNvSpPr txBox="1"/>
+      <p:pic>
+        <p:nvPicPr>
+          <p:cNvPr id="6" name="Image 5">
+            <a:extLst>
+              <a:ext uri="{FF2B5EF4-FFF2-40B4-BE49-F238E27FC236}">
+                <a16:creationId xmlns:a16="http://schemas.microsoft.com/office/drawing/2014/main" id="{78E10509-43A0-741B-1359-2E9F0B96FCFC}"/>
+              </a:ext>
+            </a:extLst>
+          </p:cNvPr>
+          <p:cNvPicPr>
+            <a:picLocks noChangeAspect="1"/>
+          </p:cNvPicPr>
           <p:nvPr/>
-        </p:nvSpPr>
-        <p:spPr>
-          <a:xfrm>
-            <a:off x="2544715" y="6376487"/>
-            <a:ext cx="7309833" cy="307777"/>
+        </p:nvPicPr>
+        <p:blipFill>
+          <a:blip r:embed="rId6"/>
+          <a:stretch>
+            <a:fillRect/>
+          </a:stretch>
+        </p:blipFill>
+        <p:spPr>
+          <a:xfrm>
+            <a:off x="6505983" y="2119908"/>
+            <a:ext cx="5228948" cy="1521288"/>
           </a:xfrm>
           <a:prstGeom prst="rect">
             <a:avLst/>
           </a:prstGeom>
-          <a:noFill/>
-        </p:spPr>
-        <p:txBody>
-          <a:bodyPr wrap="square">
-            <a:spAutoFit/>
-          </a:bodyPr>
-          <a:lstStyle/>
-          <a:p>
-            <a:r>
-              <a:rPr lang="fr-FR" sz="1400" dirty="0"/>
-              <a:t>https://www.st.com/en/imaging-and-photonics-solutions/time-of-flight-sensors.html</a:t>
-            </a:r>
-          </a:p>
-        </p:txBody>
-      </p:sp>
+        </p:spPr>
+      </p:pic>
+      <p:pic>
+        <p:nvPicPr>
+          <p:cNvPr id="9" name="Image 8">
+            <a:extLst>
+              <a:ext uri="{FF2B5EF4-FFF2-40B4-BE49-F238E27FC236}">
+                <a16:creationId xmlns:a16="http://schemas.microsoft.com/office/drawing/2014/main" id="{27721FBE-F7B2-1F38-DCCD-5252287D1883}"/>
+              </a:ext>
+            </a:extLst>
+          </p:cNvPr>
+          <p:cNvPicPr>
+            <a:picLocks noChangeAspect="1"/>
+          </p:cNvPicPr>
+          <p:nvPr/>
+        </p:nvPicPr>
+        <p:blipFill>
+          <a:blip r:embed="rId7"/>
+          <a:stretch>
+            <a:fillRect/>
+          </a:stretch>
+        </p:blipFill>
+        <p:spPr>
+          <a:xfrm>
+            <a:off x="6965974" y="3728078"/>
+            <a:ext cx="4669653" cy="3048899"/>
+          </a:xfrm>
+          <a:prstGeom prst="rect">
+            <a:avLst/>
+          </a:prstGeom>
+        </p:spPr>
+      </p:pic>
+      <p:pic>
+        <p:nvPicPr>
+          <p:cNvPr id="10" name="Image 9">
+            <a:extLst>
+              <a:ext uri="{FF2B5EF4-FFF2-40B4-BE49-F238E27FC236}">
+                <a16:creationId xmlns:a16="http://schemas.microsoft.com/office/drawing/2014/main" id="{2179D17C-B679-3753-30EE-98E093D5F713}"/>
+              </a:ext>
+            </a:extLst>
+          </p:cNvPr>
+          <p:cNvPicPr>
+            <a:picLocks noChangeAspect="1"/>
+          </p:cNvPicPr>
+          <p:nvPr/>
+        </p:nvPicPr>
+        <p:blipFill>
+          <a:blip r:embed="rId8"/>
+          <a:stretch>
+            <a:fillRect/>
+          </a:stretch>
+        </p:blipFill>
+        <p:spPr>
+          <a:xfrm>
+            <a:off x="1818269" y="3259836"/>
+            <a:ext cx="2266516" cy="3255264"/>
+          </a:xfrm>
+          <a:prstGeom prst="rect">
+            <a:avLst/>
+          </a:prstGeom>
+        </p:spPr>
+      </p:pic>
     </p:spTree>
     <p:extLst>
       <p:ext uri="{BB962C8B-B14F-4D97-AF65-F5344CB8AC3E}">
-        <p14:creationId xmlns:p14="http://schemas.microsoft.com/office/powerpoint/2010/main" val="377664018"/>
+        <p14:creationId xmlns:p14="http://schemas.microsoft.com/office/powerpoint/2010/main" val="3242968636"/>
       </p:ext>
     </p:extLst>
   </p:cSld>

--- a/CeTI/b3_photodetection/B3_1_Photodetection.pptx
+++ b/CeTI/b3_photodetection/B3_1_Photodetection.pptx
@@ -233,7 +233,7 @@
           <a:p>
             <a:fld id="{729C724E-499D-43AC-8699-CF969D2466FC}" type="datetimeFigureOut">
               <a:rPr lang="fr-FR" smtClean="0"/>
-              <a:t>08/12/2023</a:t>
+              <a:t>12/12/2023</a:t>
             </a:fld>
             <a:endParaRPr lang="fr-FR"/>
           </a:p>
@@ -2672,7 +2672,7 @@
           <a:p>
             <a:fld id="{02AC24A9-CCB6-4F8D-B8DB-C2F3692CFA5A}" type="datetimeFigureOut">
               <a:rPr lang="en-US" smtClean="0"/>
-              <a:t>12/8/2023</a:t>
+              <a:t>12/12/2023</a:t>
             </a:fld>
             <a:endParaRPr lang="en-US" dirty="0"/>
           </a:p>
@@ -3042,7 +3042,7 @@
           <a:p>
             <a:fld id="{02AC24A9-CCB6-4F8D-B8DB-C2F3692CFA5A}" type="datetimeFigureOut">
               <a:rPr lang="en-US" smtClean="0"/>
-              <a:t>12/8/2023</a:t>
+              <a:t>12/12/2023</a:t>
             </a:fld>
             <a:endParaRPr lang="en-US"/>
           </a:p>
@@ -3251,7 +3251,7 @@
           <a:p>
             <a:fld id="{02AC24A9-CCB6-4F8D-B8DB-C2F3692CFA5A}" type="datetimeFigureOut">
               <a:rPr lang="en-US" smtClean="0"/>
-              <a:t>12/8/2023</a:t>
+              <a:t>12/12/2023</a:t>
             </a:fld>
             <a:endParaRPr lang="en-US"/>
           </a:p>
@@ -3721,7 +3721,7 @@
           <a:p>
             <a:fld id="{02AC24A9-CCB6-4F8D-B8DB-C2F3692CFA5A}" type="datetimeFigureOut">
               <a:rPr lang="en-US" smtClean="0"/>
-              <a:t>12/8/2023</a:t>
+              <a:t>12/12/2023</a:t>
             </a:fld>
             <a:endParaRPr lang="en-US"/>
           </a:p>
@@ -4175,7 +4175,7 @@
           <a:p>
             <a:fld id="{02AC24A9-CCB6-4F8D-B8DB-C2F3692CFA5A}" type="datetimeFigureOut">
               <a:rPr lang="en-US" smtClean="0"/>
-              <a:t>12/8/2023</a:t>
+              <a:t>12/12/2023</a:t>
             </a:fld>
             <a:endParaRPr lang="en-US"/>
           </a:p>
@@ -4707,7 +4707,7 @@
           <a:p>
             <a:fld id="{02AC24A9-CCB6-4F8D-B8DB-C2F3692CFA5A}" type="datetimeFigureOut">
               <a:rPr lang="en-US" smtClean="0"/>
-              <a:t>12/8/2023</a:t>
+              <a:t>12/12/2023</a:t>
             </a:fld>
             <a:endParaRPr lang="en-US"/>
           </a:p>
@@ -5406,7 +5406,7 @@
           <a:p>
             <a:fld id="{02AC24A9-CCB6-4F8D-B8DB-C2F3692CFA5A}" type="datetimeFigureOut">
               <a:rPr lang="en-US" smtClean="0"/>
-              <a:t>12/8/2023</a:t>
+              <a:t>12/12/2023</a:t>
             </a:fld>
             <a:endParaRPr lang="en-US"/>
           </a:p>
@@ -5735,7 +5735,7 @@
           <a:p>
             <a:fld id="{02AC24A9-CCB6-4F8D-B8DB-C2F3692CFA5A}" type="datetimeFigureOut">
               <a:rPr lang="en-US" smtClean="0"/>
-              <a:t>12/8/2023</a:t>
+              <a:t>12/12/2023</a:t>
             </a:fld>
             <a:endParaRPr lang="en-US"/>
           </a:p>
@@ -5848,7 +5848,7 @@
           <a:p>
             <a:fld id="{02AC24A9-CCB6-4F8D-B8DB-C2F3692CFA5A}" type="datetimeFigureOut">
               <a:rPr lang="en-US" smtClean="0"/>
-              <a:t>12/8/2023</a:t>
+              <a:t>12/12/2023</a:t>
             </a:fld>
             <a:endParaRPr lang="en-US"/>
           </a:p>
@@ -6343,7 +6343,7 @@
           <a:p>
             <a:fld id="{02AC24A9-CCB6-4F8D-B8DB-C2F3692CFA5A}" type="datetimeFigureOut">
               <a:rPr lang="en-US" smtClean="0"/>
-              <a:t>12/8/2023</a:t>
+              <a:t>12/12/2023</a:t>
             </a:fld>
             <a:endParaRPr lang="en-US" dirty="0"/>
           </a:p>
@@ -6820,7 +6820,7 @@
           <a:p>
             <a:fld id="{02AC24A9-CCB6-4F8D-B8DB-C2F3692CFA5A}" type="datetimeFigureOut">
               <a:rPr lang="en-US" smtClean="0"/>
-              <a:t>12/8/2023</a:t>
+              <a:t>12/12/2023</a:t>
             </a:fld>
             <a:endParaRPr lang="en-US"/>
           </a:p>
@@ -7063,7 +7063,7 @@
           <a:p>
             <a:fld id="{02AC24A9-CCB6-4F8D-B8DB-C2F3692CFA5A}" type="datetimeFigureOut">
               <a:rPr lang="en-US" smtClean="0"/>
-              <a:t>12/8/2023</a:t>
+              <a:t>12/12/2023</a:t>
             </a:fld>
             <a:endParaRPr lang="en-US"/>
           </a:p>
